--- a/세미나 자료모음/2018년도/18.08.28 cs2 홈페이지 속도개선.pptx
+++ b/세미나 자료모음/2018년도/18.08.28 cs2 홈페이지 속도개선.pptx
@@ -5,27 +5,22 @@
     <p:sldMasterId id="2147483750" r:id="rId1"/>
   </p:sldMasterIdLst>
   <p:notesMasterIdLst>
-    <p:notesMasterId r:id="rId20"/>
+    <p:notesMasterId r:id="rId15"/>
   </p:notesMasterIdLst>
   <p:sldIdLst>
     <p:sldId id="256" r:id="rId2"/>
     <p:sldId id="496" r:id="rId3"/>
-    <p:sldId id="475" r:id="rId4"/>
-    <p:sldId id="497" r:id="rId5"/>
-    <p:sldId id="500" r:id="rId6"/>
-    <p:sldId id="501" r:id="rId7"/>
-    <p:sldId id="504" r:id="rId8"/>
-    <p:sldId id="506" r:id="rId9"/>
-    <p:sldId id="505" r:id="rId10"/>
-    <p:sldId id="508" r:id="rId11"/>
-    <p:sldId id="510" r:id="rId12"/>
-    <p:sldId id="511" r:id="rId13"/>
-    <p:sldId id="513" r:id="rId14"/>
-    <p:sldId id="514" r:id="rId15"/>
-    <p:sldId id="515" r:id="rId16"/>
-    <p:sldId id="516" r:id="rId17"/>
-    <p:sldId id="507" r:id="rId18"/>
-    <p:sldId id="393" r:id="rId19"/>
+    <p:sldId id="506" r:id="rId4"/>
+    <p:sldId id="505" r:id="rId5"/>
+    <p:sldId id="508" r:id="rId6"/>
+    <p:sldId id="510" r:id="rId7"/>
+    <p:sldId id="511" r:id="rId8"/>
+    <p:sldId id="513" r:id="rId9"/>
+    <p:sldId id="514" r:id="rId10"/>
+    <p:sldId id="515" r:id="rId11"/>
+    <p:sldId id="516" r:id="rId12"/>
+    <p:sldId id="507" r:id="rId13"/>
+    <p:sldId id="393" r:id="rId14"/>
   </p:sldIdLst>
   <p:sldSz cx="9144000" cy="6858000" type="screen4x3"/>
   <p:notesSz cx="6797675" cy="9926638"/>
@@ -281,7 +276,7 @@
           <a:p>
             <a:fld id="{57764B8E-7EC0-4B59-8DA5-E04CAE3DB5F2}" type="datetimeFigureOut">
               <a:rPr lang="ko-KR" altLang="en-US" smtClean="0"/>
-              <a:t>2018-08-30</a:t>
+              <a:t>2020-01-17</a:t>
             </a:fld>
             <a:endParaRPr lang="ko-KR" altLang="en-US"/>
           </a:p>
@@ -706,7 +701,7 @@
     </p:spTree>
     <p:extLst>
       <p:ext uri="{BB962C8B-B14F-4D97-AF65-F5344CB8AC3E}">
-        <p14:creationId xmlns:p14="http://schemas.microsoft.com/office/powerpoint/2010/main" val="2661632419"/>
+        <p14:creationId xmlns:p14="http://schemas.microsoft.com/office/powerpoint/2010/main" val="3681076426"/>
       </p:ext>
     </p:extLst>
   </p:cSld>
@@ -782,426 +777,6 @@
             <a:fld id="{420F09F9-D812-4758-8566-A65BCCCBDD8F}" type="slidenum">
               <a:rPr lang="ko-KR" altLang="en-US" smtClean="0"/>
               <a:t>12</a:t>
-            </a:fld>
-            <a:endParaRPr lang="ko-KR" altLang="en-US"/>
-          </a:p>
-        </p:txBody>
-      </p:sp>
-    </p:spTree>
-    <p:extLst>
-      <p:ext uri="{BB962C8B-B14F-4D97-AF65-F5344CB8AC3E}">
-        <p14:creationId xmlns:p14="http://schemas.microsoft.com/office/powerpoint/2010/main" val="2392979738"/>
-      </p:ext>
-    </p:extLst>
-  </p:cSld>
-  <p:clrMapOvr>
-    <a:masterClrMapping/>
-  </p:clrMapOvr>
-</p:notes>
-</file>
-
-<file path=ppt/notesSlides/notesSlide12.xml><?xml version="1.0" encoding="utf-8"?>
-<p:notes xmlns:a="http://schemas.openxmlformats.org/drawingml/2006/main" xmlns:r="http://schemas.openxmlformats.org/officeDocument/2006/relationships" xmlns:p="http://schemas.openxmlformats.org/presentationml/2006/main">
-  <p:cSld>
-    <p:spTree>
-      <p:nvGrpSpPr>
-        <p:cNvPr id="1" name=""/>
-        <p:cNvGrpSpPr/>
-        <p:nvPr/>
-      </p:nvGrpSpPr>
-      <p:grpSpPr>
-        <a:xfrm>
-          <a:off x="0" y="0"/>
-          <a:ext cx="0" cy="0"/>
-          <a:chOff x="0" y="0"/>
-          <a:chExt cx="0" cy="0"/>
-        </a:xfrm>
-      </p:grpSpPr>
-      <p:sp>
-        <p:nvSpPr>
-          <p:cNvPr id="2" name="슬라이드 이미지 개체 틀 1"/>
-          <p:cNvSpPr>
-            <a:spLocks noGrp="1" noRot="1" noChangeAspect="1"/>
-          </p:cNvSpPr>
-          <p:nvPr>
-            <p:ph type="sldImg"/>
-          </p:nvPr>
-        </p:nvSpPr>
-        <p:spPr/>
-      </p:sp>
-      <p:sp>
-        <p:nvSpPr>
-          <p:cNvPr id="3" name="슬라이드 노트 개체 틀 2"/>
-          <p:cNvSpPr>
-            <a:spLocks noGrp="1"/>
-          </p:cNvSpPr>
-          <p:nvPr>
-            <p:ph type="body" idx="1"/>
-          </p:nvPr>
-        </p:nvSpPr>
-        <p:spPr/>
-        <p:txBody>
-          <a:bodyPr/>
-          <a:lstStyle/>
-          <a:p>
-            <a:endParaRPr lang="ko-KR" altLang="en-US"/>
-          </a:p>
-        </p:txBody>
-      </p:sp>
-      <p:sp>
-        <p:nvSpPr>
-          <p:cNvPr id="4" name="슬라이드 번호 개체 틀 3"/>
-          <p:cNvSpPr>
-            <a:spLocks noGrp="1"/>
-          </p:cNvSpPr>
-          <p:nvPr>
-            <p:ph type="sldNum" sz="quarter" idx="10"/>
-          </p:nvPr>
-        </p:nvSpPr>
-        <p:spPr/>
-        <p:txBody>
-          <a:bodyPr/>
-          <a:lstStyle/>
-          <a:p>
-            <a:fld id="{420F09F9-D812-4758-8566-A65BCCCBDD8F}" type="slidenum">
-              <a:rPr lang="ko-KR" altLang="en-US" smtClean="0"/>
-              <a:t>13</a:t>
-            </a:fld>
-            <a:endParaRPr lang="ko-KR" altLang="en-US"/>
-          </a:p>
-        </p:txBody>
-      </p:sp>
-    </p:spTree>
-    <p:extLst>
-      <p:ext uri="{BB962C8B-B14F-4D97-AF65-F5344CB8AC3E}">
-        <p14:creationId xmlns:p14="http://schemas.microsoft.com/office/powerpoint/2010/main" val="2802821085"/>
-      </p:ext>
-    </p:extLst>
-  </p:cSld>
-  <p:clrMapOvr>
-    <a:masterClrMapping/>
-  </p:clrMapOvr>
-</p:notes>
-</file>
-
-<file path=ppt/notesSlides/notesSlide13.xml><?xml version="1.0" encoding="utf-8"?>
-<p:notes xmlns:a="http://schemas.openxmlformats.org/drawingml/2006/main" xmlns:r="http://schemas.openxmlformats.org/officeDocument/2006/relationships" xmlns:p="http://schemas.openxmlformats.org/presentationml/2006/main">
-  <p:cSld>
-    <p:spTree>
-      <p:nvGrpSpPr>
-        <p:cNvPr id="1" name=""/>
-        <p:cNvGrpSpPr/>
-        <p:nvPr/>
-      </p:nvGrpSpPr>
-      <p:grpSpPr>
-        <a:xfrm>
-          <a:off x="0" y="0"/>
-          <a:ext cx="0" cy="0"/>
-          <a:chOff x="0" y="0"/>
-          <a:chExt cx="0" cy="0"/>
-        </a:xfrm>
-      </p:grpSpPr>
-      <p:sp>
-        <p:nvSpPr>
-          <p:cNvPr id="2" name="슬라이드 이미지 개체 틀 1"/>
-          <p:cNvSpPr>
-            <a:spLocks noGrp="1" noRot="1" noChangeAspect="1"/>
-          </p:cNvSpPr>
-          <p:nvPr>
-            <p:ph type="sldImg"/>
-          </p:nvPr>
-        </p:nvSpPr>
-        <p:spPr/>
-      </p:sp>
-      <p:sp>
-        <p:nvSpPr>
-          <p:cNvPr id="3" name="슬라이드 노트 개체 틀 2"/>
-          <p:cNvSpPr>
-            <a:spLocks noGrp="1"/>
-          </p:cNvSpPr>
-          <p:nvPr>
-            <p:ph type="body" idx="1"/>
-          </p:nvPr>
-        </p:nvSpPr>
-        <p:spPr/>
-        <p:txBody>
-          <a:bodyPr/>
-          <a:lstStyle/>
-          <a:p>
-            <a:endParaRPr lang="ko-KR" altLang="en-US"/>
-          </a:p>
-        </p:txBody>
-      </p:sp>
-      <p:sp>
-        <p:nvSpPr>
-          <p:cNvPr id="4" name="슬라이드 번호 개체 틀 3"/>
-          <p:cNvSpPr>
-            <a:spLocks noGrp="1"/>
-          </p:cNvSpPr>
-          <p:nvPr>
-            <p:ph type="sldNum" sz="quarter" idx="10"/>
-          </p:nvPr>
-        </p:nvSpPr>
-        <p:spPr/>
-        <p:txBody>
-          <a:bodyPr/>
-          <a:lstStyle/>
-          <a:p>
-            <a:fld id="{420F09F9-D812-4758-8566-A65BCCCBDD8F}" type="slidenum">
-              <a:rPr lang="ko-KR" altLang="en-US" smtClean="0"/>
-              <a:t>14</a:t>
-            </a:fld>
-            <a:endParaRPr lang="ko-KR" altLang="en-US"/>
-          </a:p>
-        </p:txBody>
-      </p:sp>
-    </p:spTree>
-    <p:extLst>
-      <p:ext uri="{BB962C8B-B14F-4D97-AF65-F5344CB8AC3E}">
-        <p14:creationId xmlns:p14="http://schemas.microsoft.com/office/powerpoint/2010/main" val="3965963517"/>
-      </p:ext>
-    </p:extLst>
-  </p:cSld>
-  <p:clrMapOvr>
-    <a:masterClrMapping/>
-  </p:clrMapOvr>
-</p:notes>
-</file>
-
-<file path=ppt/notesSlides/notesSlide14.xml><?xml version="1.0" encoding="utf-8"?>
-<p:notes xmlns:a="http://schemas.openxmlformats.org/drawingml/2006/main" xmlns:r="http://schemas.openxmlformats.org/officeDocument/2006/relationships" xmlns:p="http://schemas.openxmlformats.org/presentationml/2006/main">
-  <p:cSld>
-    <p:spTree>
-      <p:nvGrpSpPr>
-        <p:cNvPr id="1" name=""/>
-        <p:cNvGrpSpPr/>
-        <p:nvPr/>
-      </p:nvGrpSpPr>
-      <p:grpSpPr>
-        <a:xfrm>
-          <a:off x="0" y="0"/>
-          <a:ext cx="0" cy="0"/>
-          <a:chOff x="0" y="0"/>
-          <a:chExt cx="0" cy="0"/>
-        </a:xfrm>
-      </p:grpSpPr>
-      <p:sp>
-        <p:nvSpPr>
-          <p:cNvPr id="2" name="슬라이드 이미지 개체 틀 1"/>
-          <p:cNvSpPr>
-            <a:spLocks noGrp="1" noRot="1" noChangeAspect="1"/>
-          </p:cNvSpPr>
-          <p:nvPr>
-            <p:ph type="sldImg"/>
-          </p:nvPr>
-        </p:nvSpPr>
-        <p:spPr/>
-      </p:sp>
-      <p:sp>
-        <p:nvSpPr>
-          <p:cNvPr id="3" name="슬라이드 노트 개체 틀 2"/>
-          <p:cNvSpPr>
-            <a:spLocks noGrp="1"/>
-          </p:cNvSpPr>
-          <p:nvPr>
-            <p:ph type="body" idx="1"/>
-          </p:nvPr>
-        </p:nvSpPr>
-        <p:spPr/>
-        <p:txBody>
-          <a:bodyPr/>
-          <a:lstStyle/>
-          <a:p>
-            <a:endParaRPr lang="ko-KR" altLang="en-US"/>
-          </a:p>
-        </p:txBody>
-      </p:sp>
-      <p:sp>
-        <p:nvSpPr>
-          <p:cNvPr id="4" name="슬라이드 번호 개체 틀 3"/>
-          <p:cNvSpPr>
-            <a:spLocks noGrp="1"/>
-          </p:cNvSpPr>
-          <p:nvPr>
-            <p:ph type="sldNum" sz="quarter" idx="10"/>
-          </p:nvPr>
-        </p:nvSpPr>
-        <p:spPr/>
-        <p:txBody>
-          <a:bodyPr/>
-          <a:lstStyle/>
-          <a:p>
-            <a:fld id="{420F09F9-D812-4758-8566-A65BCCCBDD8F}" type="slidenum">
-              <a:rPr lang="ko-KR" altLang="en-US" smtClean="0"/>
-              <a:t>15</a:t>
-            </a:fld>
-            <a:endParaRPr lang="ko-KR" altLang="en-US"/>
-          </a:p>
-        </p:txBody>
-      </p:sp>
-    </p:spTree>
-    <p:extLst>
-      <p:ext uri="{BB962C8B-B14F-4D97-AF65-F5344CB8AC3E}">
-        <p14:creationId xmlns:p14="http://schemas.microsoft.com/office/powerpoint/2010/main" val="296296861"/>
-      </p:ext>
-    </p:extLst>
-  </p:cSld>
-  <p:clrMapOvr>
-    <a:masterClrMapping/>
-  </p:clrMapOvr>
-</p:notes>
-</file>
-
-<file path=ppt/notesSlides/notesSlide15.xml><?xml version="1.0" encoding="utf-8"?>
-<p:notes xmlns:a="http://schemas.openxmlformats.org/drawingml/2006/main" xmlns:r="http://schemas.openxmlformats.org/officeDocument/2006/relationships" xmlns:p="http://schemas.openxmlformats.org/presentationml/2006/main">
-  <p:cSld>
-    <p:spTree>
-      <p:nvGrpSpPr>
-        <p:cNvPr id="1" name=""/>
-        <p:cNvGrpSpPr/>
-        <p:nvPr/>
-      </p:nvGrpSpPr>
-      <p:grpSpPr>
-        <a:xfrm>
-          <a:off x="0" y="0"/>
-          <a:ext cx="0" cy="0"/>
-          <a:chOff x="0" y="0"/>
-          <a:chExt cx="0" cy="0"/>
-        </a:xfrm>
-      </p:grpSpPr>
-      <p:sp>
-        <p:nvSpPr>
-          <p:cNvPr id="2" name="슬라이드 이미지 개체 틀 1"/>
-          <p:cNvSpPr>
-            <a:spLocks noGrp="1" noRot="1" noChangeAspect="1"/>
-          </p:cNvSpPr>
-          <p:nvPr>
-            <p:ph type="sldImg"/>
-          </p:nvPr>
-        </p:nvSpPr>
-        <p:spPr/>
-      </p:sp>
-      <p:sp>
-        <p:nvSpPr>
-          <p:cNvPr id="3" name="슬라이드 노트 개체 틀 2"/>
-          <p:cNvSpPr>
-            <a:spLocks noGrp="1"/>
-          </p:cNvSpPr>
-          <p:nvPr>
-            <p:ph type="body" idx="1"/>
-          </p:nvPr>
-        </p:nvSpPr>
-        <p:spPr/>
-        <p:txBody>
-          <a:bodyPr/>
-          <a:lstStyle/>
-          <a:p>
-            <a:endParaRPr lang="ko-KR" altLang="en-US"/>
-          </a:p>
-        </p:txBody>
-      </p:sp>
-      <p:sp>
-        <p:nvSpPr>
-          <p:cNvPr id="4" name="슬라이드 번호 개체 틀 3"/>
-          <p:cNvSpPr>
-            <a:spLocks noGrp="1"/>
-          </p:cNvSpPr>
-          <p:nvPr>
-            <p:ph type="sldNum" sz="quarter" idx="10"/>
-          </p:nvPr>
-        </p:nvSpPr>
-        <p:spPr/>
-        <p:txBody>
-          <a:bodyPr/>
-          <a:lstStyle/>
-          <a:p>
-            <a:fld id="{420F09F9-D812-4758-8566-A65BCCCBDD8F}" type="slidenum">
-              <a:rPr lang="ko-KR" altLang="en-US" smtClean="0"/>
-              <a:t>16</a:t>
-            </a:fld>
-            <a:endParaRPr lang="ko-KR" altLang="en-US"/>
-          </a:p>
-        </p:txBody>
-      </p:sp>
-    </p:spTree>
-    <p:extLst>
-      <p:ext uri="{BB962C8B-B14F-4D97-AF65-F5344CB8AC3E}">
-        <p14:creationId xmlns:p14="http://schemas.microsoft.com/office/powerpoint/2010/main" val="3681076426"/>
-      </p:ext>
-    </p:extLst>
-  </p:cSld>
-  <p:clrMapOvr>
-    <a:masterClrMapping/>
-  </p:clrMapOvr>
-</p:notes>
-</file>
-
-<file path=ppt/notesSlides/notesSlide16.xml><?xml version="1.0" encoding="utf-8"?>
-<p:notes xmlns:a="http://schemas.openxmlformats.org/drawingml/2006/main" xmlns:r="http://schemas.openxmlformats.org/officeDocument/2006/relationships" xmlns:p="http://schemas.openxmlformats.org/presentationml/2006/main">
-  <p:cSld>
-    <p:spTree>
-      <p:nvGrpSpPr>
-        <p:cNvPr id="1" name=""/>
-        <p:cNvGrpSpPr/>
-        <p:nvPr/>
-      </p:nvGrpSpPr>
-      <p:grpSpPr>
-        <a:xfrm>
-          <a:off x="0" y="0"/>
-          <a:ext cx="0" cy="0"/>
-          <a:chOff x="0" y="0"/>
-          <a:chExt cx="0" cy="0"/>
-        </a:xfrm>
-      </p:grpSpPr>
-      <p:sp>
-        <p:nvSpPr>
-          <p:cNvPr id="2" name="슬라이드 이미지 개체 틀 1"/>
-          <p:cNvSpPr>
-            <a:spLocks noGrp="1" noRot="1" noChangeAspect="1"/>
-          </p:cNvSpPr>
-          <p:nvPr>
-            <p:ph type="sldImg"/>
-          </p:nvPr>
-        </p:nvSpPr>
-        <p:spPr/>
-      </p:sp>
-      <p:sp>
-        <p:nvSpPr>
-          <p:cNvPr id="3" name="슬라이드 노트 개체 틀 2"/>
-          <p:cNvSpPr>
-            <a:spLocks noGrp="1"/>
-          </p:cNvSpPr>
-          <p:nvPr>
-            <p:ph type="body" idx="1"/>
-          </p:nvPr>
-        </p:nvSpPr>
-        <p:spPr/>
-        <p:txBody>
-          <a:bodyPr/>
-          <a:lstStyle/>
-          <a:p>
-            <a:endParaRPr lang="ko-KR" altLang="en-US"/>
-          </a:p>
-        </p:txBody>
-      </p:sp>
-      <p:sp>
-        <p:nvSpPr>
-          <p:cNvPr id="4" name="슬라이드 번호 개체 틀 3"/>
-          <p:cNvSpPr>
-            <a:spLocks noGrp="1"/>
-          </p:cNvSpPr>
-          <p:nvPr>
-            <p:ph type="sldNum" sz="quarter" idx="10"/>
-          </p:nvPr>
-        </p:nvSpPr>
-        <p:spPr/>
-        <p:txBody>
-          <a:bodyPr/>
-          <a:lstStyle/>
-          <a:p>
-            <a:fld id="{420F09F9-D812-4758-8566-A65BCCCBDD8F}" type="slidenum">
-              <a:rPr lang="ko-KR" altLang="en-US" smtClean="0"/>
-              <a:t>17</a:t>
             </a:fld>
             <a:endParaRPr lang="ko-KR" altLang="en-US"/>
           </a:p>
@@ -1294,7 +869,7 @@
     </p:spTree>
     <p:extLst>
       <p:ext uri="{BB962C8B-B14F-4D97-AF65-F5344CB8AC3E}">
-        <p14:creationId xmlns:p14="http://schemas.microsoft.com/office/powerpoint/2010/main" val="2143869097"/>
+        <p14:creationId xmlns:p14="http://schemas.microsoft.com/office/powerpoint/2010/main" val="2060920045"/>
       </p:ext>
     </p:extLst>
   </p:cSld>
@@ -1378,7 +953,7 @@
     </p:spTree>
     <p:extLst>
       <p:ext uri="{BB962C8B-B14F-4D97-AF65-F5344CB8AC3E}">
-        <p14:creationId xmlns:p14="http://schemas.microsoft.com/office/powerpoint/2010/main" val="984920536"/>
+        <p14:creationId xmlns:p14="http://schemas.microsoft.com/office/powerpoint/2010/main" val="1064821796"/>
       </p:ext>
     </p:extLst>
   </p:cSld>
@@ -1462,7 +1037,7 @@
     </p:spTree>
     <p:extLst>
       <p:ext uri="{BB962C8B-B14F-4D97-AF65-F5344CB8AC3E}">
-        <p14:creationId xmlns:p14="http://schemas.microsoft.com/office/powerpoint/2010/main" val="3883418064"/>
+        <p14:creationId xmlns:p14="http://schemas.microsoft.com/office/powerpoint/2010/main" val="397985465"/>
       </p:ext>
     </p:extLst>
   </p:cSld>
@@ -1546,7 +1121,7 @@
     </p:spTree>
     <p:extLst>
       <p:ext uri="{BB962C8B-B14F-4D97-AF65-F5344CB8AC3E}">
-        <p14:creationId xmlns:p14="http://schemas.microsoft.com/office/powerpoint/2010/main" val="1108411260"/>
+        <p14:creationId xmlns:p14="http://schemas.microsoft.com/office/powerpoint/2010/main" val="2661632419"/>
       </p:ext>
     </p:extLst>
   </p:cSld>
@@ -1630,7 +1205,7 @@
     </p:spTree>
     <p:extLst>
       <p:ext uri="{BB962C8B-B14F-4D97-AF65-F5344CB8AC3E}">
-        <p14:creationId xmlns:p14="http://schemas.microsoft.com/office/powerpoint/2010/main" val="918451340"/>
+        <p14:creationId xmlns:p14="http://schemas.microsoft.com/office/powerpoint/2010/main" val="2392979738"/>
       </p:ext>
     </p:extLst>
   </p:cSld>
@@ -1714,7 +1289,7 @@
     </p:spTree>
     <p:extLst>
       <p:ext uri="{BB962C8B-B14F-4D97-AF65-F5344CB8AC3E}">
-        <p14:creationId xmlns:p14="http://schemas.microsoft.com/office/powerpoint/2010/main" val="2060920045"/>
+        <p14:creationId xmlns:p14="http://schemas.microsoft.com/office/powerpoint/2010/main" val="2802821085"/>
       </p:ext>
     </p:extLst>
   </p:cSld>
@@ -1798,7 +1373,7 @@
     </p:spTree>
     <p:extLst>
       <p:ext uri="{BB962C8B-B14F-4D97-AF65-F5344CB8AC3E}">
-        <p14:creationId xmlns:p14="http://schemas.microsoft.com/office/powerpoint/2010/main" val="1064821796"/>
+        <p14:creationId xmlns:p14="http://schemas.microsoft.com/office/powerpoint/2010/main" val="3965963517"/>
       </p:ext>
     </p:extLst>
   </p:cSld>
@@ -1882,7 +1457,7 @@
     </p:spTree>
     <p:extLst>
       <p:ext uri="{BB962C8B-B14F-4D97-AF65-F5344CB8AC3E}">
-        <p14:creationId xmlns:p14="http://schemas.microsoft.com/office/powerpoint/2010/main" val="397985465"/>
+        <p14:creationId xmlns:p14="http://schemas.microsoft.com/office/powerpoint/2010/main" val="296296861"/>
       </p:ext>
     </p:extLst>
   </p:cSld>
@@ -5621,18 +5196,17 @@
           <a:lstStyle/>
           <a:p>
             <a:r>
-              <a:rPr lang="ko-KR" altLang="en-US"/>
-              <a:t>구성도 </a:t>
-            </a:r>
-            <a:r>
-              <a:rPr lang="en-US" altLang="ko-KR"/>
-              <a:t>&amp; CS2 </a:t>
-            </a:r>
-            <a:r>
-              <a:rPr lang="ko-KR" altLang="en-US"/>
+              <a:rPr lang="en-US" altLang="ko-KR" dirty="0" err="1"/>
+              <a:t>CS2</a:t>
+            </a:r>
+            <a:r>
+              <a:rPr lang="en-US" altLang="ko-KR" dirty="0"/>
+              <a:t> </a:t>
+            </a:r>
+            <a:r>
+              <a:rPr lang="ko-KR" altLang="en-US" dirty="0"/>
               <a:t>개선</a:t>
             </a:r>
-            <a:endParaRPr lang="ko-KR" altLang="en-US" dirty="0"/>
           </a:p>
         </p:txBody>
       </p:sp>
@@ -5691,2185 +5265,6 @@
 </file>
 
 <file path=ppt/slides/slide10.xml><?xml version="1.0" encoding="utf-8"?>
-<p:sld xmlns:a="http://schemas.openxmlformats.org/drawingml/2006/main" xmlns:r="http://schemas.openxmlformats.org/officeDocument/2006/relationships" xmlns:p="http://schemas.openxmlformats.org/presentationml/2006/main">
-  <p:cSld>
-    <p:spTree>
-      <p:nvGrpSpPr>
-        <p:cNvPr id="1" name=""/>
-        <p:cNvGrpSpPr/>
-        <p:nvPr/>
-      </p:nvGrpSpPr>
-      <p:grpSpPr>
-        <a:xfrm>
-          <a:off x="0" y="0"/>
-          <a:ext cx="0" cy="0"/>
-          <a:chOff x="0" y="0"/>
-          <a:chExt cx="0" cy="0"/>
-        </a:xfrm>
-      </p:grpSpPr>
-      <p:sp>
-        <p:nvSpPr>
-          <p:cNvPr id="9" name="내용 개체 틀 2">
-            <a:extLst>
-              <a:ext uri="{FF2B5EF4-FFF2-40B4-BE49-F238E27FC236}">
-                <a16:creationId xmlns:a16="http://schemas.microsoft.com/office/drawing/2014/main" id="{0371F4DB-13CD-47C3-B2A8-AE9E160ACFE1}"/>
-              </a:ext>
-            </a:extLst>
-          </p:cNvPr>
-          <p:cNvSpPr>
-            <a:spLocks noGrp="1"/>
-          </p:cNvSpPr>
-          <p:nvPr>
-            <p:ph idx="1"/>
-          </p:nvPr>
-        </p:nvSpPr>
-        <p:spPr>
-          <a:xfrm>
-            <a:off x="898237" y="1052736"/>
-            <a:ext cx="8055254" cy="5646444"/>
-          </a:xfrm>
-        </p:spPr>
-        <p:txBody>
-          <a:bodyPr>
-            <a:normAutofit/>
-          </a:bodyPr>
-          <a:lstStyle/>
-          <a:p>
-            <a:r>
-              <a:rPr lang="en-US" altLang="ko-KR" sz="2400"/>
-              <a:t>Apache2, php, Mysql </a:t>
-            </a:r>
-            <a:r>
-              <a:rPr lang="ko-KR" altLang="en-US" sz="2400"/>
-              <a:t>설치</a:t>
-            </a:r>
-            <a:endParaRPr lang="en-US" altLang="ko-KR" sz="2400"/>
-          </a:p>
-          <a:p>
-            <a:endParaRPr lang="en-US" altLang="ko-KR" sz="2400"/>
-          </a:p>
-          <a:p>
-            <a:endParaRPr lang="en-US" altLang="ko-KR" sz="2400"/>
-          </a:p>
-          <a:p>
-            <a:endParaRPr lang="en-US" altLang="ko-KR" sz="2400"/>
-          </a:p>
-          <a:p>
-            <a:pPr marL="0" indent="0">
-              <a:buNone/>
-            </a:pPr>
-            <a:endParaRPr lang="en-US" altLang="ko-KR" sz="2400"/>
-          </a:p>
-          <a:p>
-            <a:r>
-              <a:rPr lang="en-US" altLang="ko-KR" sz="2400"/>
-              <a:t>Wordpress </a:t>
-            </a:r>
-            <a:r>
-              <a:rPr lang="ko-KR" altLang="en-US" sz="2400"/>
-              <a:t>복원</a:t>
-            </a:r>
-            <a:endParaRPr lang="en-US" altLang="ko-KR" sz="2400"/>
-          </a:p>
-          <a:p>
-            <a:endParaRPr lang="en-US" altLang="ko-KR" sz="2400"/>
-          </a:p>
-          <a:p>
-            <a:endParaRPr lang="en-US" altLang="ko-KR" sz="2400"/>
-          </a:p>
-          <a:p>
-            <a:r>
-              <a:rPr lang="en-US" altLang="ko-KR" sz="2400"/>
-              <a:t>Mysql </a:t>
-            </a:r>
-            <a:r>
-              <a:rPr lang="ko-KR" altLang="en-US" sz="2400"/>
-              <a:t>복원</a:t>
-            </a:r>
-            <a:endParaRPr lang="en-US" altLang="ko-KR" sz="2400"/>
-          </a:p>
-          <a:p>
-            <a:pPr lvl="1"/>
-            <a:endParaRPr lang="en-US" altLang="ko-KR" sz="2000"/>
-          </a:p>
-        </p:txBody>
-      </p:sp>
-      <p:sp>
-        <p:nvSpPr>
-          <p:cNvPr id="2" name="제목 1"/>
-          <p:cNvSpPr>
-            <a:spLocks noGrp="1"/>
-          </p:cNvSpPr>
-          <p:nvPr>
-            <p:ph type="title"/>
-          </p:nvPr>
-        </p:nvSpPr>
-        <p:spPr>
-          <a:xfrm>
-            <a:off x="755650" y="158820"/>
-            <a:ext cx="8137525" cy="707886"/>
-          </a:xfrm>
-        </p:spPr>
-        <p:txBody>
-          <a:bodyPr/>
-          <a:lstStyle/>
-          <a:p>
-            <a:r>
-              <a:rPr lang="en-US" altLang="ko-KR"/>
-              <a:t>CS2 </a:t>
-            </a:r>
-            <a:r>
-              <a:rPr lang="ko-KR" altLang="en-US"/>
-              <a:t>속도 개선</a:t>
-            </a:r>
-            <a:endParaRPr lang="ko-KR" altLang="en-US" dirty="0"/>
-          </a:p>
-        </p:txBody>
-      </p:sp>
-      <p:sp>
-        <p:nvSpPr>
-          <p:cNvPr id="5" name="직사각형 4">
-            <a:extLst>
-              <a:ext uri="{FF2B5EF4-FFF2-40B4-BE49-F238E27FC236}">
-                <a16:creationId xmlns:a16="http://schemas.microsoft.com/office/drawing/2014/main" id="{20929AC6-F120-4B30-B324-644C69EC00E7}"/>
-              </a:ext>
-            </a:extLst>
-          </p:cNvPr>
-          <p:cNvSpPr/>
-          <p:nvPr/>
-        </p:nvSpPr>
-        <p:spPr>
-          <a:xfrm>
-            <a:off x="1489157" y="1628800"/>
-            <a:ext cx="6912768" cy="1569660"/>
-          </a:xfrm>
-          <a:prstGeom prst="rect">
-            <a:avLst/>
-          </a:prstGeom>
-          <a:solidFill>
-            <a:srgbClr val="FFFF99"/>
-          </a:solidFill>
-          <a:ln w="19050">
-            <a:noFill/>
-          </a:ln>
-        </p:spPr>
-        <p:style>
-          <a:lnRef idx="2">
-            <a:schemeClr val="accent1">
-              <a:shade val="50000"/>
-            </a:schemeClr>
-          </a:lnRef>
-          <a:fillRef idx="1">
-            <a:schemeClr val="accent1"/>
-          </a:fillRef>
-          <a:effectRef idx="0">
-            <a:schemeClr val="accent1"/>
-          </a:effectRef>
-          <a:fontRef idx="minor">
-            <a:schemeClr val="lt1"/>
-          </a:fontRef>
-        </p:style>
-        <p:txBody>
-          <a:bodyPr rot="0" spcFirstLastPara="0" vertOverflow="overflow" horzOverflow="overflow" vert="horz" wrap="square" lIns="91440" tIns="45720" rIns="91440" bIns="45720" numCol="1" spcCol="0" rtlCol="0" fromWordArt="0" anchor="t" anchorCtr="0" forceAA="0" compatLnSpc="1">
-            <a:prstTxWarp prst="textNoShape">
-              <a:avLst/>
-            </a:prstTxWarp>
-            <a:spAutoFit/>
-          </a:bodyPr>
-          <a:lstStyle/>
-          <a:p>
-            <a:r>
-              <a:rPr lang="en-US" altLang="ko-KR" sz="1200">
-                <a:solidFill>
-                  <a:schemeClr val="tx1"/>
-                </a:solidFill>
-                <a:latin typeface="나눔스퀘어 Bold" panose="020B0600000101010101" pitchFamily="50" charset="-127"/>
-                <a:ea typeface="나눔스퀘어 Bold" panose="020B0600000101010101" pitchFamily="50" charset="-127"/>
-              </a:rPr>
-              <a:t>//Apache2</a:t>
-            </a:r>
-          </a:p>
-          <a:p>
-            <a:r>
-              <a:rPr lang="en-US" altLang="ko-KR" sz="1200">
-                <a:solidFill>
-                  <a:schemeClr val="tx1"/>
-                </a:solidFill>
-                <a:latin typeface="나눔스퀘어 Bold" panose="020B0600000101010101" pitchFamily="50" charset="-127"/>
-                <a:ea typeface="나눔스퀘어 Bold" panose="020B0600000101010101" pitchFamily="50" charset="-127"/>
-              </a:rPr>
-              <a:t>$sudo apt-get install apache2</a:t>
-            </a:r>
-          </a:p>
-          <a:p>
-            <a:endParaRPr lang="en-US" altLang="ko-KR" sz="1200">
-              <a:solidFill>
-                <a:schemeClr val="tx1"/>
-              </a:solidFill>
-              <a:latin typeface="나눔스퀘어 Bold" panose="020B0600000101010101" pitchFamily="50" charset="-127"/>
-              <a:ea typeface="나눔스퀘어 Bold" panose="020B0600000101010101" pitchFamily="50" charset="-127"/>
-            </a:endParaRPr>
-          </a:p>
-          <a:p>
-            <a:r>
-              <a:rPr lang="en-US" altLang="ko-KR" sz="1200">
-                <a:solidFill>
-                  <a:schemeClr val="tx1"/>
-                </a:solidFill>
-                <a:latin typeface="나눔스퀘어 Bold" panose="020B0600000101010101" pitchFamily="50" charset="-127"/>
-                <a:ea typeface="나눔스퀘어 Bold" panose="020B0600000101010101" pitchFamily="50" charset="-127"/>
-              </a:rPr>
-              <a:t>//Mysql</a:t>
-            </a:r>
-          </a:p>
-          <a:p>
-            <a:r>
-              <a:rPr lang="en-US" altLang="ko-KR" sz="1200">
-                <a:solidFill>
-                  <a:schemeClr val="tx1"/>
-                </a:solidFill>
-                <a:latin typeface="나눔스퀘어 Bold" panose="020B0600000101010101" pitchFamily="50" charset="-127"/>
-                <a:ea typeface="나눔스퀘어 Bold" panose="020B0600000101010101" pitchFamily="50" charset="-127"/>
-              </a:rPr>
-              <a:t>$sudo apt-get install mysql-server</a:t>
-            </a:r>
-            <a:br>
-              <a:rPr lang="en-US" altLang="ko-KR" sz="1200">
-                <a:solidFill>
-                  <a:schemeClr val="tx1"/>
-                </a:solidFill>
-                <a:latin typeface="나눔스퀘어 Bold" panose="020B0600000101010101" pitchFamily="50" charset="-127"/>
-                <a:ea typeface="나눔스퀘어 Bold" panose="020B0600000101010101" pitchFamily="50" charset="-127"/>
-              </a:rPr>
-            </a:br>
-            <a:endParaRPr lang="en-US" altLang="ko-KR" sz="1200">
-              <a:solidFill>
-                <a:schemeClr val="tx1"/>
-              </a:solidFill>
-              <a:latin typeface="나눔스퀘어 Bold" panose="020B0600000101010101" pitchFamily="50" charset="-127"/>
-              <a:ea typeface="나눔스퀘어 Bold" panose="020B0600000101010101" pitchFamily="50" charset="-127"/>
-            </a:endParaRPr>
-          </a:p>
-          <a:p>
-            <a:r>
-              <a:rPr lang="en-US" altLang="ko-KR" sz="1200">
-                <a:solidFill>
-                  <a:schemeClr val="tx1"/>
-                </a:solidFill>
-                <a:latin typeface="나눔스퀘어 Bold" panose="020B0600000101010101" pitchFamily="50" charset="-127"/>
-                <a:ea typeface="나눔스퀘어 Bold" panose="020B0600000101010101" pitchFamily="50" charset="-127"/>
-              </a:rPr>
-              <a:t>//php</a:t>
-            </a:r>
-          </a:p>
-          <a:p>
-            <a:r>
-              <a:rPr lang="en-US" altLang="ko-KR" sz="1200">
-                <a:solidFill>
-                  <a:schemeClr val="tx1"/>
-                </a:solidFill>
-                <a:latin typeface="나눔스퀘어 Bold" panose="020B0600000101010101" pitchFamily="50" charset="-127"/>
-                <a:ea typeface="나눔스퀘어 Bold" panose="020B0600000101010101" pitchFamily="50" charset="-127"/>
-              </a:rPr>
-              <a:t>$sudo apt-get install php libapache2-mod-php php-xml php-gd php-mysql</a:t>
-            </a:r>
-            <a:endParaRPr lang="ko-KR" altLang="en-US" sz="1200">
-              <a:solidFill>
-                <a:schemeClr val="tx1"/>
-              </a:solidFill>
-              <a:latin typeface="나눔스퀘어 Bold" panose="020B0600000101010101" pitchFamily="50" charset="-127"/>
-              <a:ea typeface="나눔스퀘어 Bold" panose="020B0600000101010101" pitchFamily="50" charset="-127"/>
-            </a:endParaRPr>
-          </a:p>
-        </p:txBody>
-      </p:sp>
-      <p:sp>
-        <p:nvSpPr>
-          <p:cNvPr id="6" name="직사각형 5">
-            <a:extLst>
-              <a:ext uri="{FF2B5EF4-FFF2-40B4-BE49-F238E27FC236}">
-                <a16:creationId xmlns:a16="http://schemas.microsoft.com/office/drawing/2014/main" id="{59F0A8D5-550C-48B7-85AB-5F3B4F4617BE}"/>
-              </a:ext>
-            </a:extLst>
-          </p:cNvPr>
-          <p:cNvSpPr/>
-          <p:nvPr/>
-        </p:nvSpPr>
-        <p:spPr>
-          <a:xfrm>
-            <a:off x="1489157" y="3774524"/>
-            <a:ext cx="6912768" cy="523220"/>
-          </a:xfrm>
-          <a:prstGeom prst="rect">
-            <a:avLst/>
-          </a:prstGeom>
-          <a:solidFill>
-            <a:srgbClr val="FFFF99"/>
-          </a:solidFill>
-          <a:ln w="19050">
-            <a:noFill/>
-          </a:ln>
-        </p:spPr>
-        <p:style>
-          <a:lnRef idx="2">
-            <a:schemeClr val="accent1">
-              <a:shade val="50000"/>
-            </a:schemeClr>
-          </a:lnRef>
-          <a:fillRef idx="1">
-            <a:schemeClr val="accent1"/>
-          </a:fillRef>
-          <a:effectRef idx="0">
-            <a:schemeClr val="accent1"/>
-          </a:effectRef>
-          <a:fontRef idx="minor">
-            <a:schemeClr val="lt1"/>
-          </a:fontRef>
-        </p:style>
-        <p:txBody>
-          <a:bodyPr rot="0" spcFirstLastPara="0" vertOverflow="overflow" horzOverflow="overflow" vert="horz" wrap="square" lIns="91440" tIns="45720" rIns="91440" bIns="45720" numCol="1" spcCol="0" rtlCol="0" fromWordArt="0" anchor="t" anchorCtr="0" forceAA="0" compatLnSpc="1">
-            <a:prstTxWarp prst="textNoShape">
-              <a:avLst/>
-            </a:prstTxWarp>
-            <a:spAutoFit/>
-          </a:bodyPr>
-          <a:lstStyle/>
-          <a:p>
-            <a:r>
-              <a:rPr lang="en-US" altLang="ko-KR" sz="1400">
-                <a:solidFill>
-                  <a:schemeClr val="tx1"/>
-                </a:solidFill>
-                <a:latin typeface="나눔스퀘어 Bold" panose="020B0600000101010101" pitchFamily="50" charset="-127"/>
-                <a:ea typeface="나눔스퀘어 Bold" panose="020B0600000101010101" pitchFamily="50" charset="-127"/>
-              </a:rPr>
-              <a:t>$tar</a:t>
-            </a:r>
-            <a:r>
-              <a:rPr lang="ko-KR" altLang="en-US" sz="1400">
-                <a:solidFill>
-                  <a:schemeClr val="tx1"/>
-                </a:solidFill>
-                <a:latin typeface="나눔스퀘어 Bold" panose="020B0600000101010101" pitchFamily="50" charset="-127"/>
-                <a:ea typeface="나눔스퀘어 Bold" panose="020B0600000101010101" pitchFamily="50" charset="-127"/>
-              </a:rPr>
-              <a:t> </a:t>
-            </a:r>
-            <a:r>
-              <a:rPr lang="en-US" altLang="ko-KR" sz="1400">
-                <a:solidFill>
-                  <a:schemeClr val="tx1"/>
-                </a:solidFill>
-                <a:latin typeface="나눔스퀘어 Bold" panose="020B0600000101010101" pitchFamily="50" charset="-127"/>
-                <a:ea typeface="나눔스퀘어 Bold" panose="020B0600000101010101" pitchFamily="50" charset="-127"/>
-              </a:rPr>
-              <a:t>-xvpf   </a:t>
-            </a:r>
-            <a:r>
-              <a:rPr lang="ko-KR" altLang="en-US" sz="1400">
-                <a:solidFill>
-                  <a:schemeClr val="tx1"/>
-                </a:solidFill>
-                <a:latin typeface="나눔스퀘어 Bold" panose="020B0600000101010101" pitchFamily="50" charset="-127"/>
-                <a:ea typeface="나눔스퀘어 Bold" panose="020B0600000101010101" pitchFamily="50" charset="-127"/>
-              </a:rPr>
-              <a:t>파일명</a:t>
-            </a:r>
-            <a:r>
-              <a:rPr lang="en-US" altLang="ko-KR" sz="1400">
-                <a:solidFill>
-                  <a:schemeClr val="tx1"/>
-                </a:solidFill>
-                <a:latin typeface="나눔스퀘어 Bold" panose="020B0600000101010101" pitchFamily="50" charset="-127"/>
-                <a:ea typeface="나눔스퀘어 Bold" panose="020B0600000101010101" pitchFamily="50" charset="-127"/>
-              </a:rPr>
-              <a:t>.tar.gz</a:t>
-            </a:r>
-          </a:p>
-          <a:p>
-            <a:r>
-              <a:rPr lang="en-US" altLang="ko-KR" sz="1400">
-                <a:solidFill>
-                  <a:schemeClr val="tx1"/>
-                </a:solidFill>
-                <a:latin typeface="나눔스퀘어 Bold" panose="020B0600000101010101" pitchFamily="50" charset="-127"/>
-                <a:ea typeface="나눔스퀘어 Bold" panose="020B0600000101010101" pitchFamily="50" charset="-127"/>
-              </a:rPr>
-              <a:t>$mv </a:t>
-            </a:r>
-            <a:r>
-              <a:rPr lang="ko-KR" altLang="en-US" sz="1400">
-                <a:solidFill>
-                  <a:schemeClr val="tx1"/>
-                </a:solidFill>
-                <a:latin typeface="나눔스퀘어 Bold" panose="020B0600000101010101" pitchFamily="50" charset="-127"/>
-                <a:ea typeface="나눔스퀘어 Bold" panose="020B0600000101010101" pitchFamily="50" charset="-127"/>
-              </a:rPr>
-              <a:t>파일명 </a:t>
-            </a:r>
-            <a:r>
-              <a:rPr lang="en-US" altLang="ko-KR" sz="1400">
-                <a:solidFill>
-                  <a:schemeClr val="tx1"/>
-                </a:solidFill>
-                <a:latin typeface="나눔스퀘어 Bold" panose="020B0600000101010101" pitchFamily="50" charset="-127"/>
-                <a:ea typeface="나눔스퀘어 Bold" panose="020B0600000101010101" pitchFamily="50" charset="-127"/>
-              </a:rPr>
-              <a:t>/var/www/</a:t>
-            </a:r>
-            <a:endParaRPr lang="ko-KR" altLang="en-US" sz="1400">
-              <a:solidFill>
-                <a:schemeClr val="tx1"/>
-              </a:solidFill>
-              <a:latin typeface="나눔스퀘어 Bold" panose="020B0600000101010101" pitchFamily="50" charset="-127"/>
-              <a:ea typeface="나눔스퀘어 Bold" panose="020B0600000101010101" pitchFamily="50" charset="-127"/>
-            </a:endParaRPr>
-          </a:p>
-        </p:txBody>
-      </p:sp>
-      <p:sp>
-        <p:nvSpPr>
-          <p:cNvPr id="7" name="직사각형 6">
-            <a:extLst>
-              <a:ext uri="{FF2B5EF4-FFF2-40B4-BE49-F238E27FC236}">
-                <a16:creationId xmlns:a16="http://schemas.microsoft.com/office/drawing/2014/main" id="{19D51F17-52EB-4AB3-8475-714BBD903C51}"/>
-              </a:ext>
-            </a:extLst>
-          </p:cNvPr>
-          <p:cNvSpPr/>
-          <p:nvPr/>
-        </p:nvSpPr>
-        <p:spPr>
-          <a:xfrm>
-            <a:off x="1489157" y="5075311"/>
-            <a:ext cx="6912768" cy="307777"/>
-          </a:xfrm>
-          <a:prstGeom prst="rect">
-            <a:avLst/>
-          </a:prstGeom>
-          <a:solidFill>
-            <a:srgbClr val="FFFF99"/>
-          </a:solidFill>
-          <a:ln w="19050">
-            <a:noFill/>
-          </a:ln>
-        </p:spPr>
-        <p:style>
-          <a:lnRef idx="2">
-            <a:schemeClr val="accent1">
-              <a:shade val="50000"/>
-            </a:schemeClr>
-          </a:lnRef>
-          <a:fillRef idx="1">
-            <a:schemeClr val="accent1"/>
-          </a:fillRef>
-          <a:effectRef idx="0">
-            <a:schemeClr val="accent1"/>
-          </a:effectRef>
-          <a:fontRef idx="minor">
-            <a:schemeClr val="lt1"/>
-          </a:fontRef>
-        </p:style>
-        <p:txBody>
-          <a:bodyPr rot="0" spcFirstLastPara="0" vertOverflow="overflow" horzOverflow="overflow" vert="horz" wrap="square" lIns="91440" tIns="45720" rIns="91440" bIns="45720" numCol="1" spcCol="0" rtlCol="0" fromWordArt="0" anchor="t" anchorCtr="0" forceAA="0" compatLnSpc="1">
-            <a:prstTxWarp prst="textNoShape">
-              <a:avLst/>
-            </a:prstTxWarp>
-            <a:spAutoFit/>
-          </a:bodyPr>
-          <a:lstStyle/>
-          <a:p>
-            <a:r>
-              <a:rPr lang="en-US" altLang="ko-KR" sz="1400">
-                <a:solidFill>
-                  <a:schemeClr val="tx1"/>
-                </a:solidFill>
-                <a:latin typeface="나눔스퀘어 Bold" panose="020B0600000101010101" pitchFamily="50" charset="-127"/>
-                <a:ea typeface="나눔스퀘어 Bold" panose="020B0600000101010101" pitchFamily="50" charset="-127"/>
-              </a:rPr>
-              <a:t>$mysqldump -uroot -p &lt; __________.sql </a:t>
-            </a:r>
-            <a:endParaRPr lang="ko-KR" altLang="en-US" sz="1400">
-              <a:solidFill>
-                <a:schemeClr val="tx1"/>
-              </a:solidFill>
-              <a:latin typeface="나눔스퀘어 Bold" panose="020B0600000101010101" pitchFamily="50" charset="-127"/>
-              <a:ea typeface="나눔스퀘어 Bold" panose="020B0600000101010101" pitchFamily="50" charset="-127"/>
-            </a:endParaRPr>
-          </a:p>
-        </p:txBody>
-      </p:sp>
-    </p:spTree>
-    <p:extLst>
-      <p:ext uri="{BB962C8B-B14F-4D97-AF65-F5344CB8AC3E}">
-        <p14:creationId xmlns:p14="http://schemas.microsoft.com/office/powerpoint/2010/main" val="1855678178"/>
-      </p:ext>
-    </p:extLst>
-  </p:cSld>
-  <p:clrMapOvr>
-    <a:masterClrMapping/>
-  </p:clrMapOvr>
-</p:sld>
-</file>
-
-<file path=ppt/slides/slide11.xml><?xml version="1.0" encoding="utf-8"?>
-<p:sld xmlns:a="http://schemas.openxmlformats.org/drawingml/2006/main" xmlns:r="http://schemas.openxmlformats.org/officeDocument/2006/relationships" xmlns:p="http://schemas.openxmlformats.org/presentationml/2006/main">
-  <p:cSld>
-    <p:spTree>
-      <p:nvGrpSpPr>
-        <p:cNvPr id="1" name=""/>
-        <p:cNvGrpSpPr/>
-        <p:nvPr/>
-      </p:nvGrpSpPr>
-      <p:grpSpPr>
-        <a:xfrm>
-          <a:off x="0" y="0"/>
-          <a:ext cx="0" cy="0"/>
-          <a:chOff x="0" y="0"/>
-          <a:chExt cx="0" cy="0"/>
-        </a:xfrm>
-      </p:grpSpPr>
-      <p:sp>
-        <p:nvSpPr>
-          <p:cNvPr id="9" name="내용 개체 틀 2">
-            <a:extLst>
-              <a:ext uri="{FF2B5EF4-FFF2-40B4-BE49-F238E27FC236}">
-                <a16:creationId xmlns:a16="http://schemas.microsoft.com/office/drawing/2014/main" id="{0371F4DB-13CD-47C3-B2A8-AE9E160ACFE1}"/>
-              </a:ext>
-            </a:extLst>
-          </p:cNvPr>
-          <p:cNvSpPr>
-            <a:spLocks noGrp="1"/>
-          </p:cNvSpPr>
-          <p:nvPr>
-            <p:ph idx="1"/>
-          </p:nvPr>
-        </p:nvSpPr>
-        <p:spPr>
-          <a:xfrm>
-            <a:off x="898237" y="1052736"/>
-            <a:ext cx="8055254" cy="5646444"/>
-          </a:xfrm>
-        </p:spPr>
-        <p:txBody>
-          <a:bodyPr>
-            <a:normAutofit/>
-          </a:bodyPr>
-          <a:lstStyle/>
-          <a:p>
-            <a:r>
-              <a:rPr lang="ko-KR" altLang="en-US" sz="2400"/>
-              <a:t>복원 된 </a:t>
-            </a:r>
-            <a:r>
-              <a:rPr lang="en-US" altLang="ko-KR" sz="2400"/>
-              <a:t>DB </a:t>
-            </a:r>
-            <a:r>
-              <a:rPr lang="ko-KR" altLang="en-US" sz="2400"/>
-              <a:t>확인</a:t>
-            </a:r>
-            <a:endParaRPr lang="en-US" altLang="ko-KR" sz="2000"/>
-          </a:p>
-        </p:txBody>
-      </p:sp>
-      <p:sp>
-        <p:nvSpPr>
-          <p:cNvPr id="2" name="제목 1"/>
-          <p:cNvSpPr>
-            <a:spLocks noGrp="1"/>
-          </p:cNvSpPr>
-          <p:nvPr>
-            <p:ph type="title"/>
-          </p:nvPr>
-        </p:nvSpPr>
-        <p:spPr>
-          <a:xfrm>
-            <a:off x="755650" y="158820"/>
-            <a:ext cx="8137525" cy="707886"/>
-          </a:xfrm>
-        </p:spPr>
-        <p:txBody>
-          <a:bodyPr/>
-          <a:lstStyle/>
-          <a:p>
-            <a:r>
-              <a:rPr lang="en-US" altLang="ko-KR"/>
-              <a:t>CS2 </a:t>
-            </a:r>
-            <a:r>
-              <a:rPr lang="ko-KR" altLang="en-US"/>
-              <a:t>속도 개선</a:t>
-            </a:r>
-            <a:endParaRPr lang="ko-KR" altLang="en-US" dirty="0"/>
-          </a:p>
-        </p:txBody>
-      </p:sp>
-      <p:sp>
-        <p:nvSpPr>
-          <p:cNvPr id="4" name="직사각형 3">
-            <a:extLst>
-              <a:ext uri="{FF2B5EF4-FFF2-40B4-BE49-F238E27FC236}">
-                <a16:creationId xmlns:a16="http://schemas.microsoft.com/office/drawing/2014/main" id="{68BDF848-5662-4AB9-B510-498282D051F3}"/>
-              </a:ext>
-            </a:extLst>
-          </p:cNvPr>
-          <p:cNvSpPr/>
-          <p:nvPr/>
-        </p:nvSpPr>
-        <p:spPr>
-          <a:xfrm>
-            <a:off x="1489157" y="1628800"/>
-            <a:ext cx="6912768" cy="954107"/>
-          </a:xfrm>
-          <a:prstGeom prst="rect">
-            <a:avLst/>
-          </a:prstGeom>
-          <a:solidFill>
-            <a:srgbClr val="FFFF99"/>
-          </a:solidFill>
-          <a:ln w="19050">
-            <a:noFill/>
-          </a:ln>
-        </p:spPr>
-        <p:style>
-          <a:lnRef idx="2">
-            <a:schemeClr val="accent1">
-              <a:shade val="50000"/>
-            </a:schemeClr>
-          </a:lnRef>
-          <a:fillRef idx="1">
-            <a:schemeClr val="accent1"/>
-          </a:fillRef>
-          <a:effectRef idx="0">
-            <a:schemeClr val="accent1"/>
-          </a:effectRef>
-          <a:fontRef idx="minor">
-            <a:schemeClr val="lt1"/>
-          </a:fontRef>
-        </p:style>
-        <p:txBody>
-          <a:bodyPr rot="0" spcFirstLastPara="0" vertOverflow="overflow" horzOverflow="overflow" vert="horz" wrap="square" lIns="91440" tIns="45720" rIns="91440" bIns="45720" numCol="1" spcCol="0" rtlCol="0" fromWordArt="0" anchor="t" anchorCtr="0" forceAA="0" compatLnSpc="1">
-            <a:prstTxWarp prst="textNoShape">
-              <a:avLst/>
-            </a:prstTxWarp>
-            <a:spAutoFit/>
-          </a:bodyPr>
-          <a:lstStyle/>
-          <a:p>
-            <a:r>
-              <a:rPr lang="en-US" altLang="ko-KR" sz="1400">
-                <a:solidFill>
-                  <a:schemeClr val="tx1"/>
-                </a:solidFill>
-                <a:latin typeface="나눔스퀘어 Bold" panose="020B0600000101010101" pitchFamily="50" charset="-127"/>
-                <a:ea typeface="나눔스퀘어 Bold" panose="020B0600000101010101" pitchFamily="50" charset="-127"/>
-              </a:rPr>
-              <a:t>$mysql</a:t>
-            </a:r>
-            <a:r>
-              <a:rPr lang="ko-KR" altLang="en-US" sz="1400">
-                <a:solidFill>
-                  <a:schemeClr val="tx1"/>
-                </a:solidFill>
-                <a:latin typeface="나눔스퀘어 Bold" panose="020B0600000101010101" pitchFamily="50" charset="-127"/>
-                <a:ea typeface="나눔스퀘어 Bold" panose="020B0600000101010101" pitchFamily="50" charset="-127"/>
-              </a:rPr>
-              <a:t> </a:t>
-            </a:r>
-            <a:r>
-              <a:rPr lang="en-US" altLang="ko-KR" sz="1400">
-                <a:solidFill>
-                  <a:schemeClr val="tx1"/>
-                </a:solidFill>
-                <a:latin typeface="나눔스퀘어 Bold" panose="020B0600000101010101" pitchFamily="50" charset="-127"/>
-                <a:ea typeface="나눔스퀘어 Bold" panose="020B0600000101010101" pitchFamily="50" charset="-127"/>
-              </a:rPr>
-              <a:t>-uroot</a:t>
-            </a:r>
-            <a:r>
-              <a:rPr lang="ko-KR" altLang="en-US" sz="1400">
-                <a:solidFill>
-                  <a:schemeClr val="tx1"/>
-                </a:solidFill>
-                <a:latin typeface="나눔스퀘어 Bold" panose="020B0600000101010101" pitchFamily="50" charset="-127"/>
-                <a:ea typeface="나눔스퀘어 Bold" panose="020B0600000101010101" pitchFamily="50" charset="-127"/>
-              </a:rPr>
-              <a:t> </a:t>
-            </a:r>
-            <a:r>
-              <a:rPr lang="en-US" altLang="ko-KR" sz="1400">
-                <a:solidFill>
-                  <a:schemeClr val="tx1"/>
-                </a:solidFill>
-                <a:latin typeface="나눔스퀘어 Bold" panose="020B0600000101010101" pitchFamily="50" charset="-127"/>
-                <a:ea typeface="나눔스퀘어 Bold" panose="020B0600000101010101" pitchFamily="50" charset="-127"/>
-              </a:rPr>
-              <a:t>-p</a:t>
-            </a:r>
-          </a:p>
-          <a:p>
-            <a:r>
-              <a:rPr lang="en-US" altLang="ko-KR" sz="1400">
-                <a:solidFill>
-                  <a:schemeClr val="tx1"/>
-                </a:solidFill>
-                <a:latin typeface="나눔스퀘어 Bold" panose="020B0600000101010101" pitchFamily="50" charset="-127"/>
-                <a:ea typeface="나눔스퀘어 Bold" panose="020B0600000101010101" pitchFamily="50" charset="-127"/>
-              </a:rPr>
-              <a:t>//</a:t>
-            </a:r>
-            <a:r>
-              <a:rPr lang="ko-KR" altLang="en-US" sz="1400">
-                <a:solidFill>
-                  <a:schemeClr val="tx1"/>
-                </a:solidFill>
-                <a:latin typeface="나눔스퀘어 Bold" panose="020B0600000101010101" pitchFamily="50" charset="-127"/>
-                <a:ea typeface="나눔스퀘어 Bold" panose="020B0600000101010101" pitchFamily="50" charset="-127"/>
-              </a:rPr>
-              <a:t>비밀번호 입력</a:t>
-            </a:r>
-            <a:endParaRPr lang="en-US" altLang="ko-KR" sz="1400">
-              <a:solidFill>
-                <a:schemeClr val="tx1"/>
-              </a:solidFill>
-              <a:latin typeface="나눔스퀘어 Bold" panose="020B0600000101010101" pitchFamily="50" charset="-127"/>
-              <a:ea typeface="나눔스퀘어 Bold" panose="020B0600000101010101" pitchFamily="50" charset="-127"/>
-            </a:endParaRPr>
-          </a:p>
-          <a:p>
-            <a:endParaRPr lang="en-US" altLang="ko-KR" sz="1400">
-              <a:solidFill>
-                <a:schemeClr val="tx1"/>
-              </a:solidFill>
-              <a:latin typeface="나눔스퀘어 Bold" panose="020B0600000101010101" pitchFamily="50" charset="-127"/>
-              <a:ea typeface="나눔스퀘어 Bold" panose="020B0600000101010101" pitchFamily="50" charset="-127"/>
-            </a:endParaRPr>
-          </a:p>
-          <a:p>
-            <a:r>
-              <a:rPr lang="en-US" altLang="ko-KR" sz="1400">
-                <a:solidFill>
-                  <a:schemeClr val="tx1"/>
-                </a:solidFill>
-                <a:latin typeface="나눔스퀘어 Bold" panose="020B0600000101010101" pitchFamily="50" charset="-127"/>
-                <a:ea typeface="나눔스퀘어 Bold" panose="020B0600000101010101" pitchFamily="50" charset="-127"/>
-              </a:rPr>
-              <a:t>mysql&gt; SHOW databases;</a:t>
-            </a:r>
-            <a:endParaRPr lang="ko-KR" altLang="en-US" sz="1400">
-              <a:solidFill>
-                <a:schemeClr val="tx1"/>
-              </a:solidFill>
-              <a:latin typeface="나눔스퀘어 Bold" panose="020B0600000101010101" pitchFamily="50" charset="-127"/>
-              <a:ea typeface="나눔스퀘어 Bold" panose="020B0600000101010101" pitchFamily="50" charset="-127"/>
-            </a:endParaRPr>
-          </a:p>
-        </p:txBody>
-      </p:sp>
-      <p:pic>
-        <p:nvPicPr>
-          <p:cNvPr id="3" name="그림 2">
-            <a:extLst>
-              <a:ext uri="{FF2B5EF4-FFF2-40B4-BE49-F238E27FC236}">
-                <a16:creationId xmlns:a16="http://schemas.microsoft.com/office/drawing/2014/main" id="{2A44F7AE-240C-4DC1-81AE-0977CCB4632A}"/>
-              </a:ext>
-            </a:extLst>
-          </p:cNvPr>
-          <p:cNvPicPr>
-            <a:picLocks noChangeAspect="1"/>
-          </p:cNvPicPr>
-          <p:nvPr/>
-        </p:nvPicPr>
-        <p:blipFill>
-          <a:blip r:embed="rId3"/>
-          <a:stretch>
-            <a:fillRect/>
-          </a:stretch>
-        </p:blipFill>
-        <p:spPr>
-          <a:xfrm>
-            <a:off x="1619672" y="2762749"/>
-            <a:ext cx="5112568" cy="3704994"/>
-          </a:xfrm>
-          <a:prstGeom prst="rect">
-            <a:avLst/>
-          </a:prstGeom>
-        </p:spPr>
-      </p:pic>
-      <p:sp>
-        <p:nvSpPr>
-          <p:cNvPr id="5" name="직사각형 4">
-            <a:extLst>
-              <a:ext uri="{FF2B5EF4-FFF2-40B4-BE49-F238E27FC236}">
-                <a16:creationId xmlns:a16="http://schemas.microsoft.com/office/drawing/2014/main" id="{FDD56F5C-2DB4-4DD9-A237-BEA8652F8032}"/>
-              </a:ext>
-            </a:extLst>
-          </p:cNvPr>
-          <p:cNvSpPr/>
-          <p:nvPr/>
-        </p:nvSpPr>
-        <p:spPr>
-          <a:xfrm>
-            <a:off x="1619672" y="5949280"/>
-            <a:ext cx="1440160" cy="216024"/>
-          </a:xfrm>
-          <a:prstGeom prst="rect">
-            <a:avLst/>
-          </a:prstGeom>
-          <a:noFill/>
-          <a:ln w="25400">
-            <a:solidFill>
-              <a:srgbClr val="FF0000"/>
-            </a:solidFill>
-          </a:ln>
-        </p:spPr>
-        <p:style>
-          <a:lnRef idx="2">
-            <a:schemeClr val="accent1">
-              <a:shade val="50000"/>
-            </a:schemeClr>
-          </a:lnRef>
-          <a:fillRef idx="1">
-            <a:schemeClr val="accent1"/>
-          </a:fillRef>
-          <a:effectRef idx="0">
-            <a:schemeClr val="accent1"/>
-          </a:effectRef>
-          <a:fontRef idx="minor">
-            <a:schemeClr val="lt1"/>
-          </a:fontRef>
-        </p:style>
-        <p:txBody>
-          <a:bodyPr rot="0" spcFirstLastPara="0" vertOverflow="overflow" horzOverflow="overflow" vert="horz" wrap="square" lIns="91440" tIns="45720" rIns="91440" bIns="45720" numCol="1" spcCol="0" rtlCol="0" fromWordArt="0" anchor="t" anchorCtr="0" forceAA="0" compatLnSpc="1">
-            <a:prstTxWarp prst="textNoShape">
-              <a:avLst/>
-            </a:prstTxWarp>
-            <a:spAutoFit/>
-          </a:bodyPr>
-          <a:lstStyle/>
-          <a:p>
-            <a:pPr algn="l"/>
-            <a:endParaRPr lang="ko-KR" altLang="en-US" sz="1400">
-              <a:solidFill>
-                <a:schemeClr val="tx1"/>
-              </a:solidFill>
-              <a:latin typeface="나눔스퀘어 Bold" panose="020B0600000101010101" pitchFamily="50" charset="-127"/>
-              <a:ea typeface="나눔스퀘어 Bold" panose="020B0600000101010101" pitchFamily="50" charset="-127"/>
-            </a:endParaRPr>
-          </a:p>
-        </p:txBody>
-      </p:sp>
-      <p:sp>
-        <p:nvSpPr>
-          <p:cNvPr id="7" name="직사각형 6">
-            <a:extLst>
-              <a:ext uri="{FF2B5EF4-FFF2-40B4-BE49-F238E27FC236}">
-                <a16:creationId xmlns:a16="http://schemas.microsoft.com/office/drawing/2014/main" id="{EF11F867-3F4A-48ED-B36F-60BBF78B9EE1}"/>
-              </a:ext>
-            </a:extLst>
-          </p:cNvPr>
-          <p:cNvSpPr/>
-          <p:nvPr/>
-        </p:nvSpPr>
-        <p:spPr>
-          <a:xfrm>
-            <a:off x="2627784" y="3332366"/>
-            <a:ext cx="1224136" cy="144016"/>
-          </a:xfrm>
-          <a:prstGeom prst="rect">
-            <a:avLst/>
-          </a:prstGeom>
-          <a:solidFill>
-            <a:schemeClr val="bg1"/>
-          </a:solidFill>
-          <a:ln w="19050">
-            <a:noFill/>
-          </a:ln>
-        </p:spPr>
-        <p:style>
-          <a:lnRef idx="2">
-            <a:schemeClr val="accent1">
-              <a:shade val="50000"/>
-            </a:schemeClr>
-          </a:lnRef>
-          <a:fillRef idx="1">
-            <a:schemeClr val="accent1"/>
-          </a:fillRef>
-          <a:effectRef idx="0">
-            <a:schemeClr val="accent1"/>
-          </a:effectRef>
-          <a:fontRef idx="minor">
-            <a:schemeClr val="lt1"/>
-          </a:fontRef>
-        </p:style>
-        <p:txBody>
-          <a:bodyPr rot="0" spcFirstLastPara="0" vertOverflow="overflow" horzOverflow="overflow" vert="horz" wrap="square" lIns="91440" tIns="45720" rIns="91440" bIns="45720" numCol="1" spcCol="0" rtlCol="0" fromWordArt="0" anchor="t" anchorCtr="0" forceAA="0" compatLnSpc="1">
-            <a:prstTxWarp prst="textNoShape">
-              <a:avLst/>
-            </a:prstTxWarp>
-            <a:spAutoFit/>
-          </a:bodyPr>
-          <a:lstStyle/>
-          <a:p>
-            <a:pPr algn="l"/>
-            <a:endParaRPr lang="ko-KR" altLang="en-US" sz="1400">
-              <a:solidFill>
-                <a:schemeClr val="tx1"/>
-              </a:solidFill>
-              <a:latin typeface="나눔스퀘어 Bold" panose="020B0600000101010101" pitchFamily="50" charset="-127"/>
-              <a:ea typeface="나눔스퀘어 Bold" panose="020B0600000101010101" pitchFamily="50" charset="-127"/>
-            </a:endParaRPr>
-          </a:p>
-        </p:txBody>
-      </p:sp>
-    </p:spTree>
-    <p:extLst>
-      <p:ext uri="{BB962C8B-B14F-4D97-AF65-F5344CB8AC3E}">
-        <p14:creationId xmlns:p14="http://schemas.microsoft.com/office/powerpoint/2010/main" val="1576084363"/>
-      </p:ext>
-    </p:extLst>
-  </p:cSld>
-  <p:clrMapOvr>
-    <a:masterClrMapping/>
-  </p:clrMapOvr>
-</p:sld>
-</file>
-
-<file path=ppt/slides/slide12.xml><?xml version="1.0" encoding="utf-8"?>
-<p:sld xmlns:a="http://schemas.openxmlformats.org/drawingml/2006/main" xmlns:r="http://schemas.openxmlformats.org/officeDocument/2006/relationships" xmlns:p="http://schemas.openxmlformats.org/presentationml/2006/main">
-  <p:cSld>
-    <p:spTree>
-      <p:nvGrpSpPr>
-        <p:cNvPr id="1" name=""/>
-        <p:cNvGrpSpPr/>
-        <p:nvPr/>
-      </p:nvGrpSpPr>
-      <p:grpSpPr>
-        <a:xfrm>
-          <a:off x="0" y="0"/>
-          <a:ext cx="0" cy="0"/>
-          <a:chOff x="0" y="0"/>
-          <a:chExt cx="0" cy="0"/>
-        </a:xfrm>
-      </p:grpSpPr>
-      <p:sp>
-        <p:nvSpPr>
-          <p:cNvPr id="9" name="내용 개체 틀 2">
-            <a:extLst>
-              <a:ext uri="{FF2B5EF4-FFF2-40B4-BE49-F238E27FC236}">
-                <a16:creationId xmlns:a16="http://schemas.microsoft.com/office/drawing/2014/main" id="{0371F4DB-13CD-47C3-B2A8-AE9E160ACFE1}"/>
-              </a:ext>
-            </a:extLst>
-          </p:cNvPr>
-          <p:cNvSpPr>
-            <a:spLocks noGrp="1"/>
-          </p:cNvSpPr>
-          <p:nvPr>
-            <p:ph idx="1"/>
-          </p:nvPr>
-        </p:nvSpPr>
-        <p:spPr>
-          <a:xfrm>
-            <a:off x="898237" y="1052736"/>
-            <a:ext cx="8055254" cy="5646444"/>
-          </a:xfrm>
-        </p:spPr>
-        <p:txBody>
-          <a:bodyPr>
-            <a:normAutofit/>
-          </a:bodyPr>
-          <a:lstStyle/>
-          <a:p>
-            <a:r>
-              <a:rPr lang="en-US" altLang="ko-KR" sz="2400"/>
-              <a:t>apache2 root </a:t>
-            </a:r>
-            <a:r>
-              <a:rPr lang="ko-KR" altLang="en-US" sz="2400"/>
-              <a:t>디렉토리 설정</a:t>
-            </a:r>
-            <a:endParaRPr lang="en-US" altLang="ko-KR" sz="2400"/>
-          </a:p>
-          <a:p>
-            <a:endParaRPr lang="en-US" altLang="ko-KR" sz="2400"/>
-          </a:p>
-          <a:p>
-            <a:endParaRPr lang="en-US" altLang="ko-KR" sz="2400"/>
-          </a:p>
-          <a:p>
-            <a:endParaRPr lang="en-US" altLang="ko-KR" sz="2400"/>
-          </a:p>
-          <a:p>
-            <a:pPr marL="0" indent="0">
-              <a:buNone/>
-            </a:pPr>
-            <a:endParaRPr lang="en-US" altLang="ko-KR" sz="2400"/>
-          </a:p>
-          <a:p>
-            <a:pPr lvl="1"/>
-            <a:endParaRPr lang="en-US" altLang="ko-KR" sz="2000"/>
-          </a:p>
-          <a:p>
-            <a:pPr lvl="1"/>
-            <a:endParaRPr lang="en-US" altLang="ko-KR" sz="2000"/>
-          </a:p>
-          <a:p>
-            <a:pPr lvl="1"/>
-            <a:endParaRPr lang="en-US" altLang="ko-KR" sz="2000"/>
-          </a:p>
-          <a:p>
-            <a:pPr lvl="1"/>
-            <a:r>
-              <a:rPr lang="en-US" altLang="ko-KR" sz="2000"/>
-              <a:t>/var/www/html </a:t>
-            </a:r>
-            <a:r>
-              <a:rPr lang="ko-KR" altLang="en-US" sz="2000"/>
-              <a:t>→ </a:t>
-            </a:r>
-            <a:r>
-              <a:rPr lang="en-US" altLang="ko-KR" sz="2000"/>
-              <a:t>/var/www/ </a:t>
-            </a:r>
-            <a:r>
-              <a:rPr lang="ko-KR" altLang="en-US" sz="2000"/>
-              <a:t>로 수정</a:t>
-            </a:r>
-            <a:endParaRPr lang="en-US" altLang="ko-KR" sz="2000"/>
-          </a:p>
-          <a:p>
-            <a:pPr lvl="1"/>
-            <a:r>
-              <a:rPr lang="en-US" altLang="ko-KR" sz="2000"/>
-              <a:t>apache2.conf</a:t>
-            </a:r>
-            <a:r>
-              <a:rPr lang="ko-KR" altLang="en-US" sz="2000"/>
-              <a:t>의 경우</a:t>
-            </a:r>
-            <a:r>
-              <a:rPr lang="en-US" altLang="ko-KR" sz="2000"/>
-              <a:t>, ServerName </a:t>
-            </a:r>
-            <a:r>
-              <a:rPr lang="ko-KR" altLang="en-US" sz="2000"/>
-              <a:t>설정 필요</a:t>
-            </a:r>
-            <a:endParaRPr lang="en-US" altLang="ko-KR" sz="2000"/>
-          </a:p>
-          <a:p>
-            <a:pPr lvl="1"/>
-            <a:endParaRPr lang="en-US" altLang="ko-KR" sz="2000"/>
-          </a:p>
-          <a:p>
-            <a:pPr lvl="1"/>
-            <a:r>
-              <a:rPr lang="ko-KR" altLang="en-US" sz="2000"/>
-              <a:t>만일</a:t>
-            </a:r>
-            <a:r>
-              <a:rPr lang="en-US" altLang="ko-KR" sz="2000"/>
-              <a:t>, </a:t>
-            </a:r>
-            <a:r>
-              <a:rPr lang="ko-KR" altLang="en-US" sz="2000"/>
-              <a:t>위와 다른 특정디렉토리에 </a:t>
-            </a:r>
-            <a:r>
-              <a:rPr lang="en-US" altLang="ko-KR" sz="2000"/>
-              <a:t>wordpress</a:t>
-            </a:r>
-            <a:r>
-              <a:rPr lang="ko-KR" altLang="en-US" sz="2000"/>
-              <a:t>를 두고자 한다면</a:t>
-            </a:r>
-            <a:r>
-              <a:rPr lang="en-US" altLang="ko-KR" sz="2000"/>
-              <a:t>, </a:t>
-            </a:r>
-            <a:r>
-              <a:rPr lang="ko-KR" altLang="en-US" sz="2000"/>
-              <a:t>해당 경로로 설정해주어야 함</a:t>
-            </a:r>
-            <a:r>
-              <a:rPr lang="en-US" altLang="ko-KR" sz="2000"/>
-              <a:t>.</a:t>
-            </a:r>
-            <a:endParaRPr lang="en-US" altLang="ko-KR"/>
-          </a:p>
-          <a:p>
-            <a:pPr lvl="1"/>
-            <a:endParaRPr lang="en-US" altLang="ko-KR" sz="2000"/>
-          </a:p>
-          <a:p>
-            <a:pPr lvl="1"/>
-            <a:endParaRPr lang="en-US" altLang="ko-KR" sz="2000"/>
-          </a:p>
-          <a:p>
-            <a:endParaRPr lang="en-US" altLang="ko-KR" sz="2000"/>
-          </a:p>
-        </p:txBody>
-      </p:sp>
-      <p:sp>
-        <p:nvSpPr>
-          <p:cNvPr id="2" name="제목 1"/>
-          <p:cNvSpPr>
-            <a:spLocks noGrp="1"/>
-          </p:cNvSpPr>
-          <p:nvPr>
-            <p:ph type="title"/>
-          </p:nvPr>
-        </p:nvSpPr>
-        <p:spPr>
-          <a:xfrm>
-            <a:off x="755650" y="158820"/>
-            <a:ext cx="8137525" cy="707886"/>
-          </a:xfrm>
-        </p:spPr>
-        <p:txBody>
-          <a:bodyPr/>
-          <a:lstStyle/>
-          <a:p>
-            <a:r>
-              <a:rPr lang="en-US" altLang="ko-KR"/>
-              <a:t>CS2 </a:t>
-            </a:r>
-            <a:r>
-              <a:rPr lang="ko-KR" altLang="en-US"/>
-              <a:t>속도 개선</a:t>
-            </a:r>
-            <a:endParaRPr lang="ko-KR" altLang="en-US" dirty="0"/>
-          </a:p>
-        </p:txBody>
-      </p:sp>
-      <p:pic>
-        <p:nvPicPr>
-          <p:cNvPr id="3" name="그림 2">
-            <a:extLst>
-              <a:ext uri="{FF2B5EF4-FFF2-40B4-BE49-F238E27FC236}">
-                <a16:creationId xmlns:a16="http://schemas.microsoft.com/office/drawing/2014/main" id="{9A4722DE-738D-4866-8605-FFFEEE7D35D1}"/>
-              </a:ext>
-            </a:extLst>
-          </p:cNvPr>
-          <p:cNvPicPr>
-            <a:picLocks noChangeAspect="1"/>
-          </p:cNvPicPr>
-          <p:nvPr/>
-        </p:nvPicPr>
-        <p:blipFill>
-          <a:blip r:embed="rId3"/>
-          <a:stretch>
-            <a:fillRect/>
-          </a:stretch>
-        </p:blipFill>
-        <p:spPr>
-          <a:xfrm>
-            <a:off x="1469480" y="2036112"/>
-            <a:ext cx="2238424" cy="1023280"/>
-          </a:xfrm>
-          <a:prstGeom prst="rect">
-            <a:avLst/>
-          </a:prstGeom>
-        </p:spPr>
-      </p:pic>
-      <p:sp>
-        <p:nvSpPr>
-          <p:cNvPr id="8" name="직사각형 7">
-            <a:extLst>
-              <a:ext uri="{FF2B5EF4-FFF2-40B4-BE49-F238E27FC236}">
-                <a16:creationId xmlns:a16="http://schemas.microsoft.com/office/drawing/2014/main" id="{97835786-DA94-4C27-80BC-85297A88A2FD}"/>
-              </a:ext>
-            </a:extLst>
-          </p:cNvPr>
-          <p:cNvSpPr/>
-          <p:nvPr/>
-        </p:nvSpPr>
-        <p:spPr>
-          <a:xfrm>
-            <a:off x="1469480" y="1654932"/>
-            <a:ext cx="6912768" cy="307777"/>
-          </a:xfrm>
-          <a:prstGeom prst="rect">
-            <a:avLst/>
-          </a:prstGeom>
-          <a:solidFill>
-            <a:srgbClr val="FFFF99"/>
-          </a:solidFill>
-          <a:ln w="19050">
-            <a:noFill/>
-          </a:ln>
-        </p:spPr>
-        <p:style>
-          <a:lnRef idx="2">
-            <a:schemeClr val="accent1">
-              <a:shade val="50000"/>
-            </a:schemeClr>
-          </a:lnRef>
-          <a:fillRef idx="1">
-            <a:schemeClr val="accent1"/>
-          </a:fillRef>
-          <a:effectRef idx="0">
-            <a:schemeClr val="accent1"/>
-          </a:effectRef>
-          <a:fontRef idx="minor">
-            <a:schemeClr val="lt1"/>
-          </a:fontRef>
-        </p:style>
-        <p:txBody>
-          <a:bodyPr rot="0" spcFirstLastPara="0" vertOverflow="overflow" horzOverflow="overflow" vert="horz" wrap="square" lIns="91440" tIns="45720" rIns="91440" bIns="45720" numCol="1" spcCol="0" rtlCol="0" fromWordArt="0" anchor="t" anchorCtr="0" forceAA="0" compatLnSpc="1">
-            <a:prstTxWarp prst="textNoShape">
-              <a:avLst/>
-            </a:prstTxWarp>
-            <a:spAutoFit/>
-          </a:bodyPr>
-          <a:lstStyle/>
-          <a:p>
-            <a:r>
-              <a:rPr lang="en-US" altLang="ko-KR" sz="1400">
-                <a:solidFill>
-                  <a:schemeClr val="tx1"/>
-                </a:solidFill>
-                <a:latin typeface="나눔스퀘어 Bold" panose="020B0600000101010101" pitchFamily="50" charset="-127"/>
-                <a:ea typeface="나눔스퀘어 Bold" panose="020B0600000101010101" pitchFamily="50" charset="-127"/>
-              </a:rPr>
-              <a:t>$sudo vim</a:t>
-            </a:r>
-            <a:r>
-              <a:rPr lang="ko-KR" altLang="en-US" sz="1400">
-                <a:solidFill>
-                  <a:schemeClr val="tx1"/>
-                </a:solidFill>
-                <a:latin typeface="나눔스퀘어 Bold" panose="020B0600000101010101" pitchFamily="50" charset="-127"/>
-                <a:ea typeface="나눔스퀘어 Bold" panose="020B0600000101010101" pitchFamily="50" charset="-127"/>
-              </a:rPr>
-              <a:t> </a:t>
-            </a:r>
-            <a:r>
-              <a:rPr lang="en-US" altLang="ko-KR" sz="1400">
-                <a:solidFill>
-                  <a:schemeClr val="tx1"/>
-                </a:solidFill>
-                <a:latin typeface="나눔스퀘어 Bold" panose="020B0600000101010101" pitchFamily="50" charset="-127"/>
-                <a:ea typeface="나눔스퀘어 Bold" panose="020B0600000101010101" pitchFamily="50" charset="-127"/>
-              </a:rPr>
-              <a:t>/etc/apache2/apache2.conf</a:t>
-            </a:r>
-            <a:endParaRPr lang="ko-KR" altLang="en-US" sz="1400">
-              <a:solidFill>
-                <a:schemeClr val="tx1"/>
-              </a:solidFill>
-              <a:latin typeface="나눔스퀘어 Bold" panose="020B0600000101010101" pitchFamily="50" charset="-127"/>
-              <a:ea typeface="나눔스퀘어 Bold" panose="020B0600000101010101" pitchFamily="50" charset="-127"/>
-            </a:endParaRPr>
-          </a:p>
-        </p:txBody>
-      </p:sp>
-      <p:sp>
-        <p:nvSpPr>
-          <p:cNvPr id="6" name="직사각형 5">
-            <a:extLst>
-              <a:ext uri="{FF2B5EF4-FFF2-40B4-BE49-F238E27FC236}">
-                <a16:creationId xmlns:a16="http://schemas.microsoft.com/office/drawing/2014/main" id="{5646209E-C7FB-4C5D-B1B8-3327255F8F77}"/>
-              </a:ext>
-            </a:extLst>
-          </p:cNvPr>
-          <p:cNvSpPr/>
-          <p:nvPr/>
-        </p:nvSpPr>
-        <p:spPr>
-          <a:xfrm>
-            <a:off x="1469480" y="3132795"/>
-            <a:ext cx="6912768" cy="307777"/>
-          </a:xfrm>
-          <a:prstGeom prst="rect">
-            <a:avLst/>
-          </a:prstGeom>
-          <a:solidFill>
-            <a:srgbClr val="FFFF99"/>
-          </a:solidFill>
-          <a:ln w="19050">
-            <a:noFill/>
-          </a:ln>
-        </p:spPr>
-        <p:style>
-          <a:lnRef idx="2">
-            <a:schemeClr val="accent1">
-              <a:shade val="50000"/>
-            </a:schemeClr>
-          </a:lnRef>
-          <a:fillRef idx="1">
-            <a:schemeClr val="accent1"/>
-          </a:fillRef>
-          <a:effectRef idx="0">
-            <a:schemeClr val="accent1"/>
-          </a:effectRef>
-          <a:fontRef idx="minor">
-            <a:schemeClr val="lt1"/>
-          </a:fontRef>
-        </p:style>
-        <p:txBody>
-          <a:bodyPr rot="0" spcFirstLastPara="0" vertOverflow="overflow" horzOverflow="overflow" vert="horz" wrap="square" lIns="91440" tIns="45720" rIns="91440" bIns="45720" numCol="1" spcCol="0" rtlCol="0" fromWordArt="0" anchor="t" anchorCtr="0" forceAA="0" compatLnSpc="1">
-            <a:prstTxWarp prst="textNoShape">
-              <a:avLst/>
-            </a:prstTxWarp>
-            <a:spAutoFit/>
-          </a:bodyPr>
-          <a:lstStyle/>
-          <a:p>
-            <a:r>
-              <a:rPr lang="en-US" altLang="ko-KR" sz="1400">
-                <a:solidFill>
-                  <a:schemeClr val="tx1"/>
-                </a:solidFill>
-                <a:latin typeface="나눔스퀘어 Bold" panose="020B0600000101010101" pitchFamily="50" charset="-127"/>
-                <a:ea typeface="나눔스퀘어 Bold" panose="020B0600000101010101" pitchFamily="50" charset="-127"/>
-              </a:rPr>
-              <a:t>$sudo vim</a:t>
-            </a:r>
-            <a:r>
-              <a:rPr lang="ko-KR" altLang="en-US" sz="1400">
-                <a:solidFill>
-                  <a:schemeClr val="tx1"/>
-                </a:solidFill>
-                <a:latin typeface="나눔스퀘어 Bold" panose="020B0600000101010101" pitchFamily="50" charset="-127"/>
-                <a:ea typeface="나눔스퀘어 Bold" panose="020B0600000101010101" pitchFamily="50" charset="-127"/>
-              </a:rPr>
-              <a:t> </a:t>
-            </a:r>
-            <a:r>
-              <a:rPr lang="en-US" altLang="ko-KR" sz="1400">
-                <a:solidFill>
-                  <a:schemeClr val="tx1"/>
-                </a:solidFill>
-                <a:latin typeface="나눔스퀘어 Bold" panose="020B0600000101010101" pitchFamily="50" charset="-127"/>
-                <a:ea typeface="나눔스퀘어 Bold" panose="020B0600000101010101" pitchFamily="50" charset="-127"/>
-              </a:rPr>
-              <a:t>/etc/apache2/site-available/000-default.conf</a:t>
-            </a:r>
-            <a:endParaRPr lang="ko-KR" altLang="en-US" sz="1400">
-              <a:solidFill>
-                <a:schemeClr val="tx1"/>
-              </a:solidFill>
-              <a:latin typeface="나눔스퀘어 Bold" panose="020B0600000101010101" pitchFamily="50" charset="-127"/>
-              <a:ea typeface="나눔스퀘어 Bold" panose="020B0600000101010101" pitchFamily="50" charset="-127"/>
-            </a:endParaRPr>
-          </a:p>
-        </p:txBody>
-      </p:sp>
-      <p:pic>
-        <p:nvPicPr>
-          <p:cNvPr id="4" name="그림 3">
-            <a:extLst>
-              <a:ext uri="{FF2B5EF4-FFF2-40B4-BE49-F238E27FC236}">
-                <a16:creationId xmlns:a16="http://schemas.microsoft.com/office/drawing/2014/main" id="{0C0440BE-7FA5-4C89-8237-CEDB4CA36602}"/>
-              </a:ext>
-            </a:extLst>
-          </p:cNvPr>
-          <p:cNvPicPr>
-            <a:picLocks noChangeAspect="1"/>
-          </p:cNvPicPr>
-          <p:nvPr/>
-        </p:nvPicPr>
-        <p:blipFill rotWithShape="1">
-          <a:blip r:embed="rId4"/>
-          <a:srcRect t="69119"/>
-          <a:stretch/>
-        </p:blipFill>
-        <p:spPr>
-          <a:xfrm>
-            <a:off x="1455797" y="3560387"/>
-            <a:ext cx="5236245" cy="631142"/>
-          </a:xfrm>
-          <a:prstGeom prst="rect">
-            <a:avLst/>
-          </a:prstGeom>
-        </p:spPr>
-      </p:pic>
-      <p:sp>
-        <p:nvSpPr>
-          <p:cNvPr id="10" name="직사각형 9">
-            <a:extLst>
-              <a:ext uri="{FF2B5EF4-FFF2-40B4-BE49-F238E27FC236}">
-                <a16:creationId xmlns:a16="http://schemas.microsoft.com/office/drawing/2014/main" id="{002B4157-5547-4094-A81A-AE2EE387E0A0}"/>
-              </a:ext>
-            </a:extLst>
-          </p:cNvPr>
-          <p:cNvSpPr/>
-          <p:nvPr/>
-        </p:nvSpPr>
-        <p:spPr>
-          <a:xfrm>
-            <a:off x="2699792" y="3804828"/>
-            <a:ext cx="1368152" cy="144016"/>
-          </a:xfrm>
-          <a:prstGeom prst="rect">
-            <a:avLst/>
-          </a:prstGeom>
-          <a:solidFill>
-            <a:schemeClr val="bg1"/>
-          </a:solidFill>
-          <a:ln w="19050">
-            <a:noFill/>
-          </a:ln>
-        </p:spPr>
-        <p:style>
-          <a:lnRef idx="2">
-            <a:schemeClr val="accent1">
-              <a:shade val="50000"/>
-            </a:schemeClr>
-          </a:lnRef>
-          <a:fillRef idx="1">
-            <a:schemeClr val="accent1"/>
-          </a:fillRef>
-          <a:effectRef idx="0">
-            <a:schemeClr val="accent1"/>
-          </a:effectRef>
-          <a:fontRef idx="minor">
-            <a:schemeClr val="lt1"/>
-          </a:fontRef>
-        </p:style>
-        <p:txBody>
-          <a:bodyPr rot="0" spcFirstLastPara="0" vertOverflow="overflow" horzOverflow="overflow" vert="horz" wrap="square" lIns="91440" tIns="45720" rIns="91440" bIns="45720" numCol="1" spcCol="0" rtlCol="0" fromWordArt="0" anchor="t" anchorCtr="0" forceAA="0" compatLnSpc="1">
-            <a:prstTxWarp prst="textNoShape">
-              <a:avLst/>
-            </a:prstTxWarp>
-            <a:spAutoFit/>
-          </a:bodyPr>
-          <a:lstStyle/>
-          <a:p>
-            <a:pPr algn="l"/>
-            <a:endParaRPr lang="ko-KR" altLang="en-US" sz="1400">
-              <a:solidFill>
-                <a:schemeClr val="tx1"/>
-              </a:solidFill>
-              <a:latin typeface="나눔스퀘어 Bold" panose="020B0600000101010101" pitchFamily="50" charset="-127"/>
-              <a:ea typeface="나눔스퀘어 Bold" panose="020B0600000101010101" pitchFamily="50" charset="-127"/>
-            </a:endParaRPr>
-          </a:p>
-        </p:txBody>
-      </p:sp>
-      <p:sp>
-        <p:nvSpPr>
-          <p:cNvPr id="12" name="직사각형 11">
-            <a:extLst>
-              <a:ext uri="{FF2B5EF4-FFF2-40B4-BE49-F238E27FC236}">
-                <a16:creationId xmlns:a16="http://schemas.microsoft.com/office/drawing/2014/main" id="{F7386DEF-BDAA-4D22-9A45-16CA014ACF2C}"/>
-              </a:ext>
-            </a:extLst>
-          </p:cNvPr>
-          <p:cNvSpPr/>
-          <p:nvPr/>
-        </p:nvSpPr>
-        <p:spPr>
-          <a:xfrm>
-            <a:off x="1683659" y="2060848"/>
-            <a:ext cx="1224136" cy="144016"/>
-          </a:xfrm>
-          <a:prstGeom prst="rect">
-            <a:avLst/>
-          </a:prstGeom>
-          <a:solidFill>
-            <a:schemeClr val="bg1"/>
-          </a:solidFill>
-          <a:ln w="19050">
-            <a:noFill/>
-          </a:ln>
-        </p:spPr>
-        <p:style>
-          <a:lnRef idx="2">
-            <a:schemeClr val="accent1">
-              <a:shade val="50000"/>
-            </a:schemeClr>
-          </a:lnRef>
-          <a:fillRef idx="1">
-            <a:schemeClr val="accent1"/>
-          </a:fillRef>
-          <a:effectRef idx="0">
-            <a:schemeClr val="accent1"/>
-          </a:effectRef>
-          <a:fontRef idx="minor">
-            <a:schemeClr val="lt1"/>
-          </a:fontRef>
-        </p:style>
-        <p:txBody>
-          <a:bodyPr rot="0" spcFirstLastPara="0" vertOverflow="overflow" horzOverflow="overflow" vert="horz" wrap="square" lIns="91440" tIns="45720" rIns="91440" bIns="45720" numCol="1" spcCol="0" rtlCol="0" fromWordArt="0" anchor="t" anchorCtr="0" forceAA="0" compatLnSpc="1">
-            <a:prstTxWarp prst="textNoShape">
-              <a:avLst/>
-            </a:prstTxWarp>
-            <a:spAutoFit/>
-          </a:bodyPr>
-          <a:lstStyle/>
-          <a:p>
-            <a:pPr algn="l"/>
-            <a:endParaRPr lang="ko-KR" altLang="en-US" sz="1400">
-              <a:solidFill>
-                <a:schemeClr val="tx1"/>
-              </a:solidFill>
-              <a:latin typeface="나눔스퀘어 Bold" panose="020B0600000101010101" pitchFamily="50" charset="-127"/>
-              <a:ea typeface="나눔스퀘어 Bold" panose="020B0600000101010101" pitchFamily="50" charset="-127"/>
-            </a:endParaRPr>
-          </a:p>
-        </p:txBody>
-      </p:sp>
-    </p:spTree>
-    <p:extLst>
-      <p:ext uri="{BB962C8B-B14F-4D97-AF65-F5344CB8AC3E}">
-        <p14:creationId xmlns:p14="http://schemas.microsoft.com/office/powerpoint/2010/main" val="996645628"/>
-      </p:ext>
-    </p:extLst>
-  </p:cSld>
-  <p:clrMapOvr>
-    <a:masterClrMapping/>
-  </p:clrMapOvr>
-</p:sld>
-</file>
-
-<file path=ppt/slides/slide13.xml><?xml version="1.0" encoding="utf-8"?>
-<p:sld xmlns:a="http://schemas.openxmlformats.org/drawingml/2006/main" xmlns:r="http://schemas.openxmlformats.org/officeDocument/2006/relationships" xmlns:p="http://schemas.openxmlformats.org/presentationml/2006/main">
-  <p:cSld>
-    <p:spTree>
-      <p:nvGrpSpPr>
-        <p:cNvPr id="1" name=""/>
-        <p:cNvGrpSpPr/>
-        <p:nvPr/>
-      </p:nvGrpSpPr>
-      <p:grpSpPr>
-        <a:xfrm>
-          <a:off x="0" y="0"/>
-          <a:ext cx="0" cy="0"/>
-          <a:chOff x="0" y="0"/>
-          <a:chExt cx="0" cy="0"/>
-        </a:xfrm>
-      </p:grpSpPr>
-      <p:sp>
-        <p:nvSpPr>
-          <p:cNvPr id="9" name="내용 개체 틀 2">
-            <a:extLst>
-              <a:ext uri="{FF2B5EF4-FFF2-40B4-BE49-F238E27FC236}">
-                <a16:creationId xmlns:a16="http://schemas.microsoft.com/office/drawing/2014/main" id="{0371F4DB-13CD-47C3-B2A8-AE9E160ACFE1}"/>
-              </a:ext>
-            </a:extLst>
-          </p:cNvPr>
-          <p:cNvSpPr>
-            <a:spLocks noGrp="1"/>
-          </p:cNvSpPr>
-          <p:nvPr>
-            <p:ph idx="1"/>
-          </p:nvPr>
-        </p:nvSpPr>
-        <p:spPr>
-          <a:xfrm>
-            <a:off x="898237" y="1052736"/>
-            <a:ext cx="8055254" cy="5646444"/>
-          </a:xfrm>
-        </p:spPr>
-        <p:txBody>
-          <a:bodyPr>
-            <a:normAutofit/>
-          </a:bodyPr>
-          <a:lstStyle/>
-          <a:p>
-            <a:r>
-              <a:rPr lang="ko-KR" altLang="en-US" sz="2400"/>
-              <a:t>고유주소 설정</a:t>
-            </a:r>
-            <a:endParaRPr lang="en-US" altLang="ko-KR" sz="2400"/>
-          </a:p>
-          <a:p>
-            <a:pPr lvl="1"/>
-            <a:r>
-              <a:rPr lang="en-US" altLang="ko-KR" sz="2000"/>
-              <a:t>cs2.sch.ac.kr/wordpress </a:t>
-            </a:r>
-            <a:r>
-              <a:rPr lang="ko-KR" altLang="en-US" sz="2000"/>
-              <a:t>→ </a:t>
-            </a:r>
-            <a:r>
-              <a:rPr lang="en-US" altLang="ko-KR" sz="2000"/>
-              <a:t>cs2.sch.ac.kr </a:t>
-            </a:r>
-            <a:r>
-              <a:rPr lang="ko-KR" altLang="en-US" sz="2000"/>
-              <a:t>로 변경</a:t>
-            </a:r>
-            <a:endParaRPr lang="en-US" altLang="ko-KR" sz="2000"/>
-          </a:p>
-          <a:p>
-            <a:pPr lvl="1"/>
-            <a:r>
-              <a:rPr lang="en-US" altLang="ko-KR" sz="2000"/>
-              <a:t>/var/www</a:t>
-            </a:r>
-            <a:r>
-              <a:rPr lang="ko-KR" altLang="en-US" sz="2000"/>
-              <a:t>로 아래의 파일들을 복사</a:t>
-            </a:r>
-            <a:endParaRPr lang="en-US" altLang="ko-KR" sz="2000"/>
-          </a:p>
-          <a:p>
-            <a:pPr lvl="2"/>
-            <a:r>
-              <a:rPr lang="en-US" altLang="ko-KR" sz="1600"/>
-              <a:t>/var/www/wordpress/index.php</a:t>
-            </a:r>
-          </a:p>
-          <a:p>
-            <a:pPr lvl="2"/>
-            <a:r>
-              <a:rPr lang="en-US" altLang="ko-KR" sz="1600"/>
-              <a:t>/var/www/wordpress/.htaccess</a:t>
-            </a:r>
-            <a:br>
-              <a:rPr lang="en-US" altLang="ko-KR" sz="1600"/>
-            </a:br>
-            <a:r>
-              <a:rPr lang="ko-KR" altLang="en-US" sz="1600"/>
-              <a:t>→ </a:t>
-            </a:r>
-            <a:r>
-              <a:rPr lang="en-US" altLang="ko-KR" sz="1600"/>
-              <a:t>.htaccess </a:t>
-            </a:r>
-            <a:r>
-              <a:rPr lang="ko-KR" altLang="en-US" sz="1600"/>
-              <a:t>파일의 경우</a:t>
-            </a:r>
-            <a:r>
-              <a:rPr lang="en-US" altLang="ko-KR" sz="1600"/>
-              <a:t>, </a:t>
-            </a:r>
-            <a:r>
-              <a:rPr lang="ko-KR" altLang="en-US" sz="1600"/>
-              <a:t>없다면 </a:t>
-            </a:r>
-            <a:r>
-              <a:rPr lang="en-US" altLang="ko-KR" sz="1600"/>
-              <a:t>wordpress </a:t>
-            </a:r>
-            <a:r>
-              <a:rPr lang="ko-KR" altLang="en-US" sz="1600"/>
-              <a:t>관리자페이지에 접속하여 설정 </a:t>
-            </a:r>
-            <a:r>
-              <a:rPr lang="en-US" altLang="ko-KR" sz="1600"/>
-              <a:t>- </a:t>
-            </a:r>
-            <a:r>
-              <a:rPr lang="ko-KR" altLang="en-US" sz="1600"/>
-              <a:t>고유주소 에서 일반 설정을 아무렇게 바꾸면 생성됨</a:t>
-            </a:r>
-            <a:br>
-              <a:rPr lang="en-US" altLang="ko-KR" sz="1600"/>
-            </a:br>
-            <a:r>
-              <a:rPr lang="ko-KR" altLang="en-US" sz="1600"/>
-              <a:t>→ 혹은 직접 만들어 줄 것</a:t>
-            </a:r>
-            <a:endParaRPr lang="en-US" altLang="ko-KR" sz="1600"/>
-          </a:p>
-          <a:p>
-            <a:pPr lvl="1"/>
-            <a:r>
-              <a:rPr lang="en-US" altLang="ko-KR" sz="2000"/>
-              <a:t>.htaccess</a:t>
-            </a:r>
-            <a:r>
-              <a:rPr lang="ko-KR" altLang="en-US" sz="2000"/>
-              <a:t>파일 </a:t>
-            </a:r>
-            <a:r>
-              <a:rPr lang="en-US" altLang="ko-KR" sz="2000"/>
-              <a:t>: RewriteRule </a:t>
-            </a:r>
-            <a:r>
-              <a:rPr lang="ko-KR" altLang="en-US" sz="2000"/>
-              <a:t>경로를 아래와 같이 수정</a:t>
-            </a:r>
-            <a:endParaRPr lang="en-US" altLang="ko-KR" sz="2000"/>
-          </a:p>
-          <a:p>
-            <a:endParaRPr lang="en-US" altLang="ko-KR" sz="2000"/>
-          </a:p>
-        </p:txBody>
-      </p:sp>
-      <p:sp>
-        <p:nvSpPr>
-          <p:cNvPr id="2" name="제목 1"/>
-          <p:cNvSpPr>
-            <a:spLocks noGrp="1"/>
-          </p:cNvSpPr>
-          <p:nvPr>
-            <p:ph type="title"/>
-          </p:nvPr>
-        </p:nvSpPr>
-        <p:spPr>
-          <a:xfrm>
-            <a:off x="755650" y="158820"/>
-            <a:ext cx="8137525" cy="707886"/>
-          </a:xfrm>
-        </p:spPr>
-        <p:txBody>
-          <a:bodyPr/>
-          <a:lstStyle/>
-          <a:p>
-            <a:r>
-              <a:rPr lang="en-US" altLang="ko-KR"/>
-              <a:t>CS2 </a:t>
-            </a:r>
-            <a:r>
-              <a:rPr lang="ko-KR" altLang="en-US"/>
-              <a:t>속도 개선</a:t>
-            </a:r>
-            <a:endParaRPr lang="ko-KR" altLang="en-US" dirty="0"/>
-          </a:p>
-        </p:txBody>
-      </p:sp>
-      <p:pic>
-        <p:nvPicPr>
-          <p:cNvPr id="5" name="그림 4">
-            <a:extLst>
-              <a:ext uri="{FF2B5EF4-FFF2-40B4-BE49-F238E27FC236}">
-                <a16:creationId xmlns:a16="http://schemas.microsoft.com/office/drawing/2014/main" id="{EFDCFF8B-FA3F-4ED7-97D7-C39F60D3E881}"/>
-              </a:ext>
-            </a:extLst>
-          </p:cNvPr>
-          <p:cNvPicPr>
-            <a:picLocks noChangeAspect="1"/>
-          </p:cNvPicPr>
-          <p:nvPr/>
-        </p:nvPicPr>
-        <p:blipFill>
-          <a:blip r:embed="rId3"/>
-          <a:stretch>
-            <a:fillRect/>
-          </a:stretch>
-        </p:blipFill>
-        <p:spPr>
-          <a:xfrm>
-            <a:off x="1907704" y="3933056"/>
-            <a:ext cx="5174989" cy="2646212"/>
-          </a:xfrm>
-          <a:prstGeom prst="rect">
-            <a:avLst/>
-          </a:prstGeom>
-        </p:spPr>
-      </p:pic>
-      <p:sp>
-        <p:nvSpPr>
-          <p:cNvPr id="6" name="직사각형 5">
-            <a:extLst>
-              <a:ext uri="{FF2B5EF4-FFF2-40B4-BE49-F238E27FC236}">
-                <a16:creationId xmlns:a16="http://schemas.microsoft.com/office/drawing/2014/main" id="{60F5587F-D119-4768-8858-B6A007CC378F}"/>
-              </a:ext>
-            </a:extLst>
-          </p:cNvPr>
-          <p:cNvSpPr/>
-          <p:nvPr/>
-        </p:nvSpPr>
-        <p:spPr>
-          <a:xfrm>
-            <a:off x="1798690" y="4797152"/>
-            <a:ext cx="5393016" cy="504056"/>
-          </a:xfrm>
-          <a:prstGeom prst="rect">
-            <a:avLst/>
-          </a:prstGeom>
-          <a:noFill/>
-          <a:ln w="19050">
-            <a:solidFill>
-              <a:srgbClr val="FF0000"/>
-            </a:solidFill>
-          </a:ln>
-        </p:spPr>
-        <p:style>
-          <a:lnRef idx="2">
-            <a:schemeClr val="accent1">
-              <a:shade val="50000"/>
-            </a:schemeClr>
-          </a:lnRef>
-          <a:fillRef idx="1">
-            <a:schemeClr val="accent1"/>
-          </a:fillRef>
-          <a:effectRef idx="0">
-            <a:schemeClr val="accent1"/>
-          </a:effectRef>
-          <a:fontRef idx="minor">
-            <a:schemeClr val="lt1"/>
-          </a:fontRef>
-        </p:style>
-        <p:txBody>
-          <a:bodyPr rot="0" spcFirstLastPara="0" vertOverflow="overflow" horzOverflow="overflow" vert="horz" wrap="square" lIns="91440" tIns="45720" rIns="91440" bIns="45720" numCol="1" spcCol="0" rtlCol="0" fromWordArt="0" anchor="ctr" anchorCtr="0" forceAA="0" compatLnSpc="1">
-            <a:prstTxWarp prst="textNoShape">
-              <a:avLst/>
-            </a:prstTxWarp>
-            <a:noAutofit/>
-          </a:bodyPr>
-          <a:lstStyle/>
-          <a:p>
-            <a:pPr algn="ctr"/>
-            <a:endParaRPr lang="ko-KR" altLang="en-US" sz="1400">
-              <a:solidFill>
-                <a:schemeClr val="tx1"/>
-              </a:solidFill>
-              <a:latin typeface="나눔스퀘어 Bold" panose="020B0600000101010101" pitchFamily="50" charset="-127"/>
-              <a:ea typeface="나눔스퀘어 Bold" panose="020B0600000101010101" pitchFamily="50" charset="-127"/>
-            </a:endParaRPr>
-          </a:p>
-        </p:txBody>
-      </p:sp>
-      <p:sp>
-        <p:nvSpPr>
-          <p:cNvPr id="7" name="직사각형 6">
-            <a:extLst>
-              <a:ext uri="{FF2B5EF4-FFF2-40B4-BE49-F238E27FC236}">
-                <a16:creationId xmlns:a16="http://schemas.microsoft.com/office/drawing/2014/main" id="{72EA11BD-F053-4EBD-93CC-50B4E79D4510}"/>
-              </a:ext>
-            </a:extLst>
-          </p:cNvPr>
-          <p:cNvSpPr/>
-          <p:nvPr/>
-        </p:nvSpPr>
-        <p:spPr>
-          <a:xfrm>
-            <a:off x="2123728" y="3972417"/>
-            <a:ext cx="1224136" cy="144016"/>
-          </a:xfrm>
-          <a:prstGeom prst="rect">
-            <a:avLst/>
-          </a:prstGeom>
-          <a:solidFill>
-            <a:schemeClr val="bg1"/>
-          </a:solidFill>
-          <a:ln w="19050">
-            <a:noFill/>
-          </a:ln>
-        </p:spPr>
-        <p:style>
-          <a:lnRef idx="2">
-            <a:schemeClr val="accent1">
-              <a:shade val="50000"/>
-            </a:schemeClr>
-          </a:lnRef>
-          <a:fillRef idx="1">
-            <a:schemeClr val="accent1"/>
-          </a:fillRef>
-          <a:effectRef idx="0">
-            <a:schemeClr val="accent1"/>
-          </a:effectRef>
-          <a:fontRef idx="minor">
-            <a:schemeClr val="lt1"/>
-          </a:fontRef>
-        </p:style>
-        <p:txBody>
-          <a:bodyPr rot="0" spcFirstLastPara="0" vertOverflow="overflow" horzOverflow="overflow" vert="horz" wrap="square" lIns="91440" tIns="45720" rIns="91440" bIns="45720" numCol="1" spcCol="0" rtlCol="0" fromWordArt="0" anchor="t" anchorCtr="0" forceAA="0" compatLnSpc="1">
-            <a:prstTxWarp prst="textNoShape">
-              <a:avLst/>
-            </a:prstTxWarp>
-            <a:spAutoFit/>
-          </a:bodyPr>
-          <a:lstStyle/>
-          <a:p>
-            <a:pPr algn="l"/>
-            <a:endParaRPr lang="ko-KR" altLang="en-US" sz="1400">
-              <a:solidFill>
-                <a:schemeClr val="tx1"/>
-              </a:solidFill>
-              <a:latin typeface="나눔스퀘어 Bold" panose="020B0600000101010101" pitchFamily="50" charset="-127"/>
-              <a:ea typeface="나눔스퀘어 Bold" panose="020B0600000101010101" pitchFamily="50" charset="-127"/>
-            </a:endParaRPr>
-          </a:p>
-        </p:txBody>
-      </p:sp>
-    </p:spTree>
-    <p:extLst>
-      <p:ext uri="{BB962C8B-B14F-4D97-AF65-F5344CB8AC3E}">
-        <p14:creationId xmlns:p14="http://schemas.microsoft.com/office/powerpoint/2010/main" val="2611332880"/>
-      </p:ext>
-    </p:extLst>
-  </p:cSld>
-  <p:clrMapOvr>
-    <a:masterClrMapping/>
-  </p:clrMapOvr>
-</p:sld>
-</file>
-
-<file path=ppt/slides/slide14.xml><?xml version="1.0" encoding="utf-8"?>
-<p:sld xmlns:a="http://schemas.openxmlformats.org/drawingml/2006/main" xmlns:r="http://schemas.openxmlformats.org/officeDocument/2006/relationships" xmlns:p="http://schemas.openxmlformats.org/presentationml/2006/main">
-  <p:cSld>
-    <p:spTree>
-      <p:nvGrpSpPr>
-        <p:cNvPr id="1" name=""/>
-        <p:cNvGrpSpPr/>
-        <p:nvPr/>
-      </p:nvGrpSpPr>
-      <p:grpSpPr>
-        <a:xfrm>
-          <a:off x="0" y="0"/>
-          <a:ext cx="0" cy="0"/>
-          <a:chOff x="0" y="0"/>
-          <a:chExt cx="0" cy="0"/>
-        </a:xfrm>
-      </p:grpSpPr>
-      <p:sp>
-        <p:nvSpPr>
-          <p:cNvPr id="9" name="내용 개체 틀 2">
-            <a:extLst>
-              <a:ext uri="{FF2B5EF4-FFF2-40B4-BE49-F238E27FC236}">
-                <a16:creationId xmlns:a16="http://schemas.microsoft.com/office/drawing/2014/main" id="{0371F4DB-13CD-47C3-B2A8-AE9E160ACFE1}"/>
-              </a:ext>
-            </a:extLst>
-          </p:cNvPr>
-          <p:cNvSpPr>
-            <a:spLocks noGrp="1"/>
-          </p:cNvSpPr>
-          <p:nvPr>
-            <p:ph idx="1"/>
-          </p:nvPr>
-        </p:nvSpPr>
-        <p:spPr>
-          <a:xfrm>
-            <a:off x="898237" y="1052736"/>
-            <a:ext cx="8055254" cy="5646444"/>
-          </a:xfrm>
-        </p:spPr>
-        <p:txBody>
-          <a:bodyPr>
-            <a:normAutofit/>
-          </a:bodyPr>
-          <a:lstStyle/>
-          <a:p>
-            <a:r>
-              <a:rPr lang="ko-KR" altLang="en-US" sz="2400"/>
-              <a:t>고유주소 설정</a:t>
-            </a:r>
-            <a:endParaRPr lang="en-US" altLang="ko-KR" sz="2400"/>
-          </a:p>
-          <a:p>
-            <a:pPr lvl="1"/>
-            <a:r>
-              <a:rPr lang="en-US" altLang="ko-KR" sz="2000"/>
-              <a:t>index.php</a:t>
-            </a:r>
-            <a:r>
-              <a:rPr lang="ko-KR" altLang="en-US" sz="2000"/>
-              <a:t> 파일 </a:t>
-            </a:r>
-            <a:r>
-              <a:rPr lang="en-US" altLang="ko-KR" sz="2000"/>
-              <a:t>: </a:t>
-            </a:r>
-            <a:r>
-              <a:rPr lang="ko-KR" altLang="en-US" sz="2000"/>
-              <a:t>아래의 그림과 같이 경로수정</a:t>
-            </a:r>
-            <a:endParaRPr lang="en-US" altLang="ko-KR" sz="2000"/>
-          </a:p>
-        </p:txBody>
-      </p:sp>
-      <p:sp>
-        <p:nvSpPr>
-          <p:cNvPr id="2" name="제목 1"/>
-          <p:cNvSpPr>
-            <a:spLocks noGrp="1"/>
-          </p:cNvSpPr>
-          <p:nvPr>
-            <p:ph type="title"/>
-          </p:nvPr>
-        </p:nvSpPr>
-        <p:spPr>
-          <a:xfrm>
-            <a:off x="755650" y="158820"/>
-            <a:ext cx="8137525" cy="707886"/>
-          </a:xfrm>
-        </p:spPr>
-        <p:txBody>
-          <a:bodyPr/>
-          <a:lstStyle/>
-          <a:p>
-            <a:r>
-              <a:rPr lang="en-US" altLang="ko-KR"/>
-              <a:t>CS2 </a:t>
-            </a:r>
-            <a:r>
-              <a:rPr lang="ko-KR" altLang="en-US"/>
-              <a:t>속도 개선</a:t>
-            </a:r>
-            <a:endParaRPr lang="ko-KR" altLang="en-US" dirty="0"/>
-          </a:p>
-        </p:txBody>
-      </p:sp>
-      <p:pic>
-        <p:nvPicPr>
-          <p:cNvPr id="3" name="그림 2">
-            <a:extLst>
-              <a:ext uri="{FF2B5EF4-FFF2-40B4-BE49-F238E27FC236}">
-                <a16:creationId xmlns:a16="http://schemas.microsoft.com/office/drawing/2014/main" id="{C9284672-E59D-4312-A4CA-E7578964FEC8}"/>
-              </a:ext>
-            </a:extLst>
-          </p:cNvPr>
-          <p:cNvPicPr>
-            <a:picLocks noChangeAspect="1"/>
-          </p:cNvPicPr>
-          <p:nvPr/>
-        </p:nvPicPr>
-        <p:blipFill>
-          <a:blip r:embed="rId3"/>
-          <a:stretch>
-            <a:fillRect/>
-          </a:stretch>
-        </p:blipFill>
-        <p:spPr>
-          <a:xfrm>
-            <a:off x="2267744" y="1986641"/>
-            <a:ext cx="5386437" cy="2884718"/>
-          </a:xfrm>
-          <a:prstGeom prst="rect">
-            <a:avLst/>
-          </a:prstGeom>
-        </p:spPr>
-      </p:pic>
-      <p:sp>
-        <p:nvSpPr>
-          <p:cNvPr id="6" name="직사각형 5">
-            <a:extLst>
-              <a:ext uri="{FF2B5EF4-FFF2-40B4-BE49-F238E27FC236}">
-                <a16:creationId xmlns:a16="http://schemas.microsoft.com/office/drawing/2014/main" id="{F9EED393-C73A-4EF4-BBAA-09B10CFC63FA}"/>
-              </a:ext>
-            </a:extLst>
-          </p:cNvPr>
-          <p:cNvSpPr/>
-          <p:nvPr/>
-        </p:nvSpPr>
-        <p:spPr>
-          <a:xfrm>
-            <a:off x="4283968" y="4293096"/>
-            <a:ext cx="2304256" cy="216024"/>
-          </a:xfrm>
-          <a:prstGeom prst="rect">
-            <a:avLst/>
-          </a:prstGeom>
-          <a:noFill/>
-          <a:ln w="19050">
-            <a:solidFill>
-              <a:srgbClr val="FF0000"/>
-            </a:solidFill>
-          </a:ln>
-        </p:spPr>
-        <p:style>
-          <a:lnRef idx="2">
-            <a:schemeClr val="accent1">
-              <a:shade val="50000"/>
-            </a:schemeClr>
-          </a:lnRef>
-          <a:fillRef idx="1">
-            <a:schemeClr val="accent1"/>
-          </a:fillRef>
-          <a:effectRef idx="0">
-            <a:schemeClr val="accent1"/>
-          </a:effectRef>
-          <a:fontRef idx="minor">
-            <a:schemeClr val="lt1"/>
-          </a:fontRef>
-        </p:style>
-        <p:txBody>
-          <a:bodyPr rot="0" spcFirstLastPara="0" vertOverflow="overflow" horzOverflow="overflow" vert="horz" wrap="square" lIns="91440" tIns="45720" rIns="91440" bIns="45720" numCol="1" spcCol="0" rtlCol="0" fromWordArt="0" anchor="ctr" anchorCtr="0" forceAA="0" compatLnSpc="1">
-            <a:prstTxWarp prst="textNoShape">
-              <a:avLst/>
-            </a:prstTxWarp>
-            <a:noAutofit/>
-          </a:bodyPr>
-          <a:lstStyle/>
-          <a:p>
-            <a:pPr algn="ctr"/>
-            <a:endParaRPr lang="ko-KR" altLang="en-US" sz="1400">
-              <a:solidFill>
-                <a:schemeClr val="tx1"/>
-              </a:solidFill>
-              <a:latin typeface="나눔스퀘어 Bold" panose="020B0600000101010101" pitchFamily="50" charset="-127"/>
-              <a:ea typeface="나눔스퀘어 Bold" panose="020B0600000101010101" pitchFamily="50" charset="-127"/>
-            </a:endParaRPr>
-          </a:p>
-        </p:txBody>
-      </p:sp>
-      <p:sp>
-        <p:nvSpPr>
-          <p:cNvPr id="4" name="직사각형 3">
-            <a:extLst>
-              <a:ext uri="{FF2B5EF4-FFF2-40B4-BE49-F238E27FC236}">
-                <a16:creationId xmlns:a16="http://schemas.microsoft.com/office/drawing/2014/main" id="{A0A2444D-8D88-4398-9B62-145214827B5B}"/>
-              </a:ext>
-            </a:extLst>
-          </p:cNvPr>
-          <p:cNvSpPr/>
-          <p:nvPr/>
-        </p:nvSpPr>
-        <p:spPr>
-          <a:xfrm>
-            <a:off x="2507650" y="2036785"/>
-            <a:ext cx="1224136" cy="144016"/>
-          </a:xfrm>
-          <a:prstGeom prst="rect">
-            <a:avLst/>
-          </a:prstGeom>
-          <a:solidFill>
-            <a:schemeClr val="bg1"/>
-          </a:solidFill>
-          <a:ln w="19050">
-            <a:noFill/>
-          </a:ln>
-        </p:spPr>
-        <p:style>
-          <a:lnRef idx="2">
-            <a:schemeClr val="accent1">
-              <a:shade val="50000"/>
-            </a:schemeClr>
-          </a:lnRef>
-          <a:fillRef idx="1">
-            <a:schemeClr val="accent1"/>
-          </a:fillRef>
-          <a:effectRef idx="0">
-            <a:schemeClr val="accent1"/>
-          </a:effectRef>
-          <a:fontRef idx="minor">
-            <a:schemeClr val="lt1"/>
-          </a:fontRef>
-        </p:style>
-        <p:txBody>
-          <a:bodyPr rot="0" spcFirstLastPara="0" vertOverflow="overflow" horzOverflow="overflow" vert="horz" wrap="square" lIns="91440" tIns="45720" rIns="91440" bIns="45720" numCol="1" spcCol="0" rtlCol="0" fromWordArt="0" anchor="t" anchorCtr="0" forceAA="0" compatLnSpc="1">
-            <a:prstTxWarp prst="textNoShape">
-              <a:avLst/>
-            </a:prstTxWarp>
-            <a:spAutoFit/>
-          </a:bodyPr>
-          <a:lstStyle/>
-          <a:p>
-            <a:pPr algn="l"/>
-            <a:endParaRPr lang="ko-KR" altLang="en-US" sz="1400">
-              <a:solidFill>
-                <a:schemeClr val="tx1"/>
-              </a:solidFill>
-              <a:latin typeface="나눔스퀘어 Bold" panose="020B0600000101010101" pitchFamily="50" charset="-127"/>
-              <a:ea typeface="나눔스퀘어 Bold" panose="020B0600000101010101" pitchFamily="50" charset="-127"/>
-            </a:endParaRPr>
-          </a:p>
-        </p:txBody>
-      </p:sp>
-    </p:spTree>
-    <p:extLst>
-      <p:ext uri="{BB962C8B-B14F-4D97-AF65-F5344CB8AC3E}">
-        <p14:creationId xmlns:p14="http://schemas.microsoft.com/office/powerpoint/2010/main" val="3304114213"/>
-      </p:ext>
-    </p:extLst>
-  </p:cSld>
-  <p:clrMapOvr>
-    <a:masterClrMapping/>
-  </p:clrMapOvr>
-</p:sld>
-</file>
-
-<file path=ppt/slides/slide15.xml><?xml version="1.0" encoding="utf-8"?>
 <p:sld xmlns:a="http://schemas.openxmlformats.org/drawingml/2006/main" xmlns:r="http://schemas.openxmlformats.org/officeDocument/2006/relationships" xmlns:p="http://schemas.openxmlformats.org/presentationml/2006/main">
   <p:cSld>
     <p:spTree>
@@ -8310,7 +5705,7 @@
 </p:sld>
 </file>
 
-<file path=ppt/slides/slide16.xml><?xml version="1.0" encoding="utf-8"?>
+<file path=ppt/slides/slide11.xml><?xml version="1.0" encoding="utf-8"?>
 <p:sld xmlns:a="http://schemas.openxmlformats.org/drawingml/2006/main" xmlns:r="http://schemas.openxmlformats.org/officeDocument/2006/relationships" xmlns:p="http://schemas.openxmlformats.org/presentationml/2006/main">
   <p:cSld>
     <p:spTree>
@@ -8545,7 +5940,7 @@
 </p:sld>
 </file>
 
-<file path=ppt/slides/slide17.xml><?xml version="1.0" encoding="utf-8"?>
+<file path=ppt/slides/slide12.xml><?xml version="1.0" encoding="utf-8"?>
 <p:sld xmlns:a="http://schemas.openxmlformats.org/drawingml/2006/main" xmlns:r="http://schemas.openxmlformats.org/officeDocument/2006/relationships" xmlns:p="http://schemas.openxmlformats.org/presentationml/2006/main">
   <p:cSld>
     <p:spTree>
@@ -8727,7 +6122,7 @@
 </p:sld>
 </file>
 
-<file path=ppt/slides/slide18.xml><?xml version="1.0" encoding="utf-8"?>
+<file path=ppt/slides/slide13.xml><?xml version="1.0" encoding="utf-8"?>
 <p:sld xmlns:a="http://schemas.openxmlformats.org/drawingml/2006/main" xmlns:r="http://schemas.openxmlformats.org/officeDocument/2006/relationships" xmlns:p="http://schemas.openxmlformats.org/presentationml/2006/main">
   <p:cSld>
     <p:spTree>
@@ -8803,124 +6198,59 @@
           <a:lstStyle/>
           <a:p>
             <a:r>
-              <a:rPr lang="ko-KR" altLang="en-US"/>
-              <a:t>구성도 수정</a:t>
-            </a:r>
-            <a:endParaRPr lang="en-US" altLang="ko-KR"/>
+              <a:rPr lang="en-US" altLang="ko-KR" dirty="0" err="1"/>
+              <a:t>CS2</a:t>
+            </a:r>
+            <a:r>
+              <a:rPr lang="en-US" altLang="ko-KR" dirty="0"/>
+              <a:t> </a:t>
+            </a:r>
+            <a:r>
+              <a:rPr lang="ko-KR" altLang="en-US" dirty="0"/>
+              <a:t>속도 개선</a:t>
+            </a:r>
+            <a:endParaRPr lang="en-US" altLang="ko-KR" sz="3200" dirty="0"/>
           </a:p>
           <a:p>
             <a:pPr lvl="1"/>
             <a:r>
-              <a:rPr lang="en-US" altLang="ko-KR"/>
-              <a:t>IoT</a:t>
-            </a:r>
-            <a:r>
-              <a:rPr lang="ko-KR" altLang="en-US"/>
+              <a:rPr lang="en-US" altLang="ko-KR" sz="2000" dirty="0"/>
+              <a:t>OS</a:t>
+            </a:r>
+            <a:r>
+              <a:rPr lang="ko-KR" altLang="en-US" sz="2000" dirty="0"/>
               <a:t> </a:t>
             </a:r>
             <a:r>
-              <a:rPr lang="en-US" altLang="ko-KR"/>
-              <a:t>Management</a:t>
-            </a:r>
-            <a:r>
-              <a:rPr lang="ko-KR" altLang="en-US"/>
-              <a:t> → </a:t>
-            </a:r>
-            <a:r>
-              <a:rPr lang="en-US" altLang="ko-KR"/>
-              <a:t>Device Agent</a:t>
-            </a:r>
-            <a:br>
-              <a:rPr lang="en-US" altLang="ko-KR"/>
-            </a:br>
-            <a:r>
-              <a:rPr lang="ko-KR" altLang="en-US"/>
-              <a:t>내부 요소 세분화</a:t>
-            </a:r>
-            <a:endParaRPr lang="en-US" altLang="ko-KR"/>
-          </a:p>
-          <a:p>
-            <a:pPr lvl="2"/>
-            <a:r>
-              <a:rPr lang="en-US" altLang="ko-KR"/>
-              <a:t>Device Discovery</a:t>
-            </a:r>
-          </a:p>
-          <a:p>
-            <a:pPr lvl="2"/>
-            <a:r>
-              <a:rPr lang="en-US" altLang="ko-KR"/>
-              <a:t>MetaData Collecter</a:t>
-            </a:r>
-          </a:p>
-          <a:p>
-            <a:pPr lvl="2"/>
-            <a:r>
-              <a:rPr lang="en-US" altLang="ko-KR"/>
-              <a:t>Script Writer</a:t>
-            </a:r>
-          </a:p>
-          <a:p>
-            <a:r>
-              <a:rPr lang="en-US" altLang="ko-KR"/>
-              <a:t>Device Agent </a:t>
-            </a:r>
-            <a:r>
-              <a:rPr lang="ko-KR" altLang="en-US"/>
-              <a:t>수정</a:t>
-            </a:r>
-            <a:endParaRPr lang="en-US" altLang="ko-KR"/>
-          </a:p>
-          <a:p>
-            <a:endParaRPr lang="en-US" altLang="ko-KR" sz="2000"/>
-          </a:p>
-          <a:p>
-            <a:r>
-              <a:rPr lang="en-US" altLang="ko-KR"/>
-              <a:t>CS2 </a:t>
-            </a:r>
-            <a:r>
-              <a:rPr lang="ko-KR" altLang="en-US"/>
-              <a:t>속도 개선</a:t>
-            </a:r>
-            <a:endParaRPr lang="en-US" altLang="ko-KR" sz="3200"/>
+              <a:rPr lang="en-US" altLang="ko-KR" sz="2000" dirty="0"/>
+              <a:t>:</a:t>
+            </a:r>
+            <a:r>
+              <a:rPr lang="ko-KR" altLang="en-US" sz="2000" dirty="0"/>
+              <a:t> </a:t>
+            </a:r>
+            <a:r>
+              <a:rPr lang="en-US" altLang="ko-KR" sz="2000" dirty="0"/>
+              <a:t>Ubuntu</a:t>
+            </a:r>
+            <a:r>
+              <a:rPr lang="ko-KR" altLang="en-US" sz="2000" dirty="0"/>
+              <a:t> </a:t>
+            </a:r>
+            <a:r>
+              <a:rPr lang="en-US" altLang="ko-KR" sz="2000" dirty="0"/>
+              <a:t>16.04</a:t>
+            </a:r>
           </a:p>
           <a:p>
             <a:pPr lvl="1"/>
             <a:r>
-              <a:rPr lang="en-US" altLang="ko-KR" sz="2000"/>
-              <a:t>OS</a:t>
-            </a:r>
-            <a:r>
-              <a:rPr lang="ko-KR" altLang="en-US" sz="2000"/>
-              <a:t> </a:t>
-            </a:r>
-            <a:r>
-              <a:rPr lang="en-US" altLang="ko-KR" sz="2000"/>
-              <a:t>:</a:t>
-            </a:r>
-            <a:r>
-              <a:rPr lang="ko-KR" altLang="en-US" sz="2000"/>
-              <a:t> </a:t>
-            </a:r>
-            <a:r>
-              <a:rPr lang="en-US" altLang="ko-KR" sz="2000"/>
-              <a:t>Ubuntu</a:t>
-            </a:r>
-            <a:r>
-              <a:rPr lang="ko-KR" altLang="en-US" sz="2000"/>
-              <a:t> </a:t>
-            </a:r>
-            <a:r>
-              <a:rPr lang="en-US" altLang="ko-KR" sz="2000"/>
-              <a:t>16.04</a:t>
-            </a:r>
-          </a:p>
-          <a:p>
-            <a:pPr lvl="1"/>
-            <a:r>
-              <a:rPr lang="en-US" altLang="ko-KR" sz="2000"/>
-              <a:t>wordpress : 4.7.5</a:t>
+              <a:rPr lang="en-US" altLang="ko-KR" sz="2000" dirty="0" err="1"/>
+              <a:t>wordpress</a:t>
+            </a:r>
+            <a:r>
+              <a:rPr lang="en-US" altLang="ko-KR" sz="2000" dirty="0"/>
+              <a:t> : 4.7.5</a:t>
             </a:r>
           </a:p>
         </p:txBody>
@@ -8983,36 +6313,257 @@
           <a:chExt cx="0" cy="0"/>
         </a:xfrm>
       </p:grpSpPr>
-      <p:pic>
-        <p:nvPicPr>
-          <p:cNvPr id="3" name="그림 2">
+      <p:sp>
+        <p:nvSpPr>
+          <p:cNvPr id="9" name="내용 개체 틀 2">
             <a:extLst>
               <a:ext uri="{FF2B5EF4-FFF2-40B4-BE49-F238E27FC236}">
-                <a16:creationId xmlns:a16="http://schemas.microsoft.com/office/drawing/2014/main" id="{7413078A-1CE4-450B-9AD1-2FBCB07D4B0F}"/>
+                <a16:creationId xmlns:a16="http://schemas.microsoft.com/office/drawing/2014/main" id="{0371F4DB-13CD-47C3-B2A8-AE9E160ACFE1}"/>
               </a:ext>
             </a:extLst>
           </p:cNvPr>
-          <p:cNvPicPr>
-            <a:picLocks noChangeAspect="1"/>
-          </p:cNvPicPr>
-          <p:nvPr/>
-        </p:nvPicPr>
-        <p:blipFill>
-          <a:blip r:embed="rId3"/>
-          <a:stretch>
-            <a:fillRect/>
-          </a:stretch>
-        </p:blipFill>
+          <p:cNvSpPr>
+            <a:spLocks noGrp="1"/>
+          </p:cNvSpPr>
+          <p:nvPr>
+            <p:ph idx="1"/>
+          </p:nvPr>
+        </p:nvSpPr>
         <p:spPr>
           <a:xfrm>
-            <a:off x="4438764" y="1168823"/>
-            <a:ext cx="4469577" cy="5508558"/>
-          </a:xfrm>
-          <a:prstGeom prst="rect">
-            <a:avLst/>
-          </a:prstGeom>
-        </p:spPr>
-      </p:pic>
+            <a:off x="898237" y="1052736"/>
+            <a:ext cx="8055254" cy="5646444"/>
+          </a:xfrm>
+        </p:spPr>
+        <p:txBody>
+          <a:bodyPr>
+            <a:normAutofit/>
+          </a:bodyPr>
+          <a:lstStyle/>
+          <a:p>
+            <a:r>
+              <a:rPr lang="ko-KR" altLang="en-US" sz="2400"/>
+              <a:t>이전 방식</a:t>
+            </a:r>
+            <a:endParaRPr lang="en-US" altLang="ko-KR" sz="2400"/>
+          </a:p>
+          <a:p>
+            <a:pPr lvl="1"/>
+            <a:r>
+              <a:rPr lang="en-US" altLang="ko-KR" sz="2000"/>
+              <a:t>(</a:t>
+            </a:r>
+            <a:r>
+              <a:rPr lang="ko-KR" altLang="en-US" sz="2000"/>
+              <a:t>구</a:t>
+            </a:r>
+            <a:r>
+              <a:rPr lang="en-US" altLang="ko-KR" sz="2000"/>
+              <a:t>) </a:t>
+            </a:r>
+            <a:r>
+              <a:rPr lang="ko-KR" altLang="en-US" sz="2000"/>
+              <a:t>봉서산 </a:t>
+            </a:r>
+            <a:r>
+              <a:rPr lang="en-US" altLang="ko-KR" sz="2000"/>
+              <a:t>HDD : 300GB </a:t>
+            </a:r>
+            <a:r>
+              <a:rPr lang="en-US" altLang="ko-KR" sz="1800"/>
+              <a:t>(Ubuntu 14.04)</a:t>
+            </a:r>
+            <a:r>
+              <a:rPr lang="en-US" altLang="ko-KR" sz="2000"/>
+              <a:t> + 300GB </a:t>
+            </a:r>
+            <a:r>
+              <a:rPr lang="en-US" altLang="ko-KR" sz="1800"/>
+              <a:t>(Backup)</a:t>
+            </a:r>
+          </a:p>
+          <a:p>
+            <a:pPr lvl="1"/>
+            <a:r>
+              <a:rPr lang="ko-KR" altLang="en-US" sz="2000"/>
+              <a:t>기존에 설치되어있던 </a:t>
+            </a:r>
+            <a:r>
+              <a:rPr lang="en-US" altLang="ko-KR" sz="2000"/>
+              <a:t>HDD</a:t>
+            </a:r>
+            <a:r>
+              <a:rPr lang="ko-KR" altLang="en-US" sz="2000"/>
+              <a:t>를 새로 구매한 </a:t>
+            </a:r>
+            <a:r>
+              <a:rPr lang="en-US" altLang="ko-KR" sz="2000"/>
+              <a:t>2TB HDD</a:t>
+            </a:r>
+            <a:r>
+              <a:rPr lang="ko-KR" altLang="en-US" sz="2000"/>
+              <a:t>에 </a:t>
+            </a:r>
+            <a:r>
+              <a:rPr lang="en-US" altLang="ko-KR" sz="2000"/>
+              <a:t>dump.</a:t>
+            </a:r>
+          </a:p>
+          <a:p>
+            <a:pPr lvl="1"/>
+            <a:endParaRPr lang="en-US" altLang="ko-KR" sz="2000"/>
+          </a:p>
+          <a:p>
+            <a:pPr lvl="1"/>
+            <a:r>
+              <a:rPr lang="ko-KR" altLang="en-US" sz="2000"/>
+              <a:t>이전 </a:t>
+            </a:r>
+            <a:r>
+              <a:rPr lang="en-US" altLang="ko-KR" sz="2000"/>
+              <a:t>Backup HDD, </a:t>
+            </a:r>
+            <a:r>
+              <a:rPr lang="ko-KR" altLang="en-US" sz="2000"/>
+              <a:t>외장 하드는 동일하게 사용</a:t>
+            </a:r>
+            <a:r>
+              <a:rPr lang="en-US" altLang="ko-KR" sz="2000"/>
+              <a:t>. </a:t>
+            </a:r>
+            <a:r>
+              <a:rPr lang="ko-KR" altLang="en-US" sz="2000"/>
+              <a:t>따라서 </a:t>
+            </a:r>
+            <a:r>
+              <a:rPr lang="en-US" altLang="ko-KR" sz="2000"/>
+              <a:t>OS</a:t>
+            </a:r>
+            <a:r>
+              <a:rPr lang="ko-KR" altLang="en-US" sz="2000"/>
+              <a:t>가 설치된 </a:t>
+            </a:r>
+            <a:r>
+              <a:rPr lang="en-US" altLang="ko-KR" sz="2000"/>
+              <a:t>HDD</a:t>
+            </a:r>
+            <a:r>
+              <a:rPr lang="ko-KR" altLang="en-US" sz="2000"/>
+              <a:t>의 용량만 늘려 사용</a:t>
+            </a:r>
+            <a:endParaRPr lang="en-US" altLang="ko-KR" sz="2000"/>
+          </a:p>
+          <a:p>
+            <a:pPr lvl="1"/>
+            <a:endParaRPr lang="en-US" altLang="ko-KR" sz="2000"/>
+          </a:p>
+          <a:p>
+            <a:r>
+              <a:rPr lang="ko-KR" altLang="en-US" sz="2400"/>
+              <a:t>이전 방식 문제점</a:t>
+            </a:r>
+            <a:endParaRPr lang="en-US" altLang="ko-KR" sz="2400"/>
+          </a:p>
+          <a:p>
+            <a:pPr lvl="1"/>
+            <a:r>
+              <a:rPr lang="en-US" altLang="ko-KR" sz="2000"/>
+              <a:t>(</a:t>
+            </a:r>
+            <a:r>
+              <a:rPr lang="ko-KR" altLang="en-US" sz="2000"/>
+              <a:t>구</a:t>
+            </a:r>
+            <a:r>
+              <a:rPr lang="en-US" altLang="ko-KR" sz="2000"/>
+              <a:t>) </a:t>
+            </a:r>
+            <a:r>
+              <a:rPr lang="ko-KR" altLang="en-US" sz="2000"/>
+              <a:t>봉서산 </a:t>
+            </a:r>
+            <a:r>
+              <a:rPr lang="en-US" altLang="ko-KR" sz="2000"/>
+              <a:t>HDD</a:t>
+            </a:r>
+            <a:r>
+              <a:rPr lang="ko-KR" altLang="en-US" sz="2000"/>
+              <a:t>와 속도차이가 거의 없음</a:t>
+            </a:r>
+            <a:r>
+              <a:rPr lang="en-US" altLang="ko-KR" sz="2000"/>
+              <a:t>.</a:t>
+            </a:r>
+          </a:p>
+          <a:p>
+            <a:pPr lvl="2"/>
+            <a:r>
+              <a:rPr lang="ko-KR" altLang="en-US" sz="1600"/>
+              <a:t>장기간 사용한 </a:t>
+            </a:r>
+            <a:r>
+              <a:rPr lang="en-US" altLang="ko-KR" sz="1600"/>
+              <a:t>HDD</a:t>
+            </a:r>
+            <a:r>
+              <a:rPr lang="ko-KR" altLang="en-US" sz="1600"/>
+              <a:t>의 환경을 그대로 가져왔으므로 속도향상 기대 어려움</a:t>
+            </a:r>
+            <a:endParaRPr lang="en-US" altLang="ko-KR" sz="1600"/>
+          </a:p>
+          <a:p>
+            <a:pPr lvl="1"/>
+            <a:r>
+              <a:rPr lang="en-US" altLang="ko-KR" sz="2000"/>
+              <a:t>GRUB</a:t>
+            </a:r>
+            <a:r>
+              <a:rPr lang="ko-KR" altLang="en-US" sz="2000"/>
+              <a:t> </a:t>
+            </a:r>
+            <a:r>
+              <a:rPr lang="en-US" altLang="ko-KR" sz="2000"/>
+              <a:t>timeout</a:t>
+            </a:r>
+            <a:r>
+              <a:rPr lang="ko-KR" altLang="en-US" sz="2000"/>
+              <a:t> 설정 미반영</a:t>
+            </a:r>
+            <a:endParaRPr lang="en-US" altLang="ko-KR" sz="2000"/>
+          </a:p>
+          <a:p>
+            <a:pPr lvl="2"/>
+            <a:r>
+              <a:rPr lang="ko-KR" altLang="en-US" sz="1600"/>
+              <a:t>부팅 시</a:t>
+            </a:r>
+            <a:r>
+              <a:rPr lang="en-US" altLang="ko-KR" sz="1600"/>
+              <a:t>, GRUB </a:t>
+            </a:r>
+            <a:r>
+              <a:rPr lang="ko-KR" altLang="en-US" sz="1600"/>
+              <a:t>화면에서 엔터를 누르기 전까지 부팅되지 않음</a:t>
+            </a:r>
+            <a:r>
+              <a:rPr lang="en-US" altLang="ko-KR" sz="1600"/>
+              <a:t>.	</a:t>
+            </a:r>
+          </a:p>
+          <a:p>
+            <a:pPr lvl="2"/>
+            <a:r>
+              <a:rPr lang="en-US" altLang="ko-KR" sz="1600"/>
+              <a:t>GRUB </a:t>
+            </a:r>
+            <a:r>
+              <a:rPr lang="ko-KR" altLang="en-US" sz="1600"/>
+              <a:t>설정을 변경하여도 반영되지 않음</a:t>
+            </a:r>
+            <a:endParaRPr lang="en-US" altLang="ko-KR" sz="1600"/>
+          </a:p>
+        </p:txBody>
+      </p:sp>
       <p:sp>
         <p:nvSpPr>
           <p:cNvPr id="2" name="제목 1"/>
@@ -9034,301 +6585,21 @@
           <a:lstStyle/>
           <a:p>
             <a:r>
+              <a:rPr lang="en-US" altLang="ko-KR"/>
+              <a:t>CS2 </a:t>
+            </a:r>
+            <a:r>
               <a:rPr lang="ko-KR" altLang="en-US"/>
-              <a:t>전체 구성도 </a:t>
+              <a:t>속도 개선</a:t>
             </a:r>
             <a:endParaRPr lang="ko-KR" altLang="en-US" dirty="0"/>
           </a:p>
         </p:txBody>
       </p:sp>
-      <p:sp>
-        <p:nvSpPr>
-          <p:cNvPr id="5" name="내용 개체 틀 2">
-            <a:extLst>
-              <a:ext uri="{FF2B5EF4-FFF2-40B4-BE49-F238E27FC236}">
-                <a16:creationId xmlns:a16="http://schemas.microsoft.com/office/drawing/2014/main" id="{B1EA2DBB-1E23-4940-9A49-922C02E3528D}"/>
-              </a:ext>
-            </a:extLst>
-          </p:cNvPr>
-          <p:cNvSpPr>
-            <a:spLocks noGrp="1"/>
-          </p:cNvSpPr>
-          <p:nvPr>
-            <p:ph idx="1"/>
-          </p:nvPr>
-        </p:nvSpPr>
-        <p:spPr>
-          <a:xfrm>
-            <a:off x="898237" y="1052736"/>
-            <a:ext cx="8055254" cy="5646444"/>
-          </a:xfrm>
-        </p:spPr>
-        <p:txBody>
-          <a:bodyPr>
-            <a:normAutofit/>
-          </a:bodyPr>
-          <a:lstStyle/>
-          <a:p>
-            <a:r>
-              <a:rPr lang="ko-KR" altLang="en-US" sz="2000"/>
-              <a:t>용어 변경 및 구성 수정</a:t>
-            </a:r>
-            <a:endParaRPr lang="en-US" altLang="ko-KR" sz="2000"/>
-          </a:p>
-          <a:p>
-            <a:pPr lvl="1"/>
-            <a:r>
-              <a:rPr lang="en-US" altLang="ko-KR" sz="1600"/>
-              <a:t>IoT Management</a:t>
-            </a:r>
-            <a:br>
-              <a:rPr lang="en-US" altLang="ko-KR" sz="1600"/>
-            </a:br>
-            <a:r>
-              <a:rPr lang="ko-KR" altLang="en-US" sz="1600"/>
-              <a:t>→ </a:t>
-            </a:r>
-            <a:r>
-              <a:rPr lang="en-US" altLang="ko-KR" sz="1600"/>
-              <a:t>Device Agent</a:t>
-            </a:r>
-          </a:p>
-          <a:p>
-            <a:pPr lvl="2"/>
-            <a:r>
-              <a:rPr lang="en-US" altLang="ko-KR" sz="1200"/>
-              <a:t>Device Discovery</a:t>
-            </a:r>
-          </a:p>
-          <a:p>
-            <a:pPr lvl="2"/>
-            <a:r>
-              <a:rPr lang="en-US" altLang="ko-KR" sz="1200"/>
-              <a:t>MetaData Collecter (</a:t>
-            </a:r>
-            <a:r>
-              <a:rPr lang="ko-KR" altLang="en-US" sz="1200"/>
-              <a:t>임시</a:t>
-            </a:r>
-            <a:r>
-              <a:rPr lang="en-US" altLang="ko-KR" sz="1200"/>
-              <a:t>) </a:t>
-            </a:r>
-            <a:br>
-              <a:rPr lang="en-US" altLang="ko-KR" sz="1200"/>
-            </a:br>
-            <a:r>
-              <a:rPr lang="ko-KR" altLang="en-US" sz="1200"/>
-              <a:t>→ </a:t>
-            </a:r>
-            <a:r>
-              <a:rPr lang="en-US" altLang="ko-KR" sz="1050"/>
-              <a:t>(</a:t>
-            </a:r>
-            <a:r>
-              <a:rPr lang="ko-KR" altLang="en-US" sz="1050"/>
-              <a:t>메타데이터 저장</a:t>
-            </a:r>
-            <a:r>
-              <a:rPr lang="en-US" altLang="ko-KR" sz="1050"/>
-              <a:t>)</a:t>
-            </a:r>
-            <a:endParaRPr lang="en-US" altLang="ko-KR" sz="1200"/>
-          </a:p>
-          <a:p>
-            <a:pPr lvl="2"/>
-            <a:r>
-              <a:rPr lang="en-US" altLang="ko-KR" sz="1200"/>
-              <a:t>Script Writer (</a:t>
-            </a:r>
-            <a:r>
-              <a:rPr lang="ko-KR" altLang="en-US" sz="1200"/>
-              <a:t>임시</a:t>
-            </a:r>
-            <a:r>
-              <a:rPr lang="en-US" altLang="ko-KR" sz="1200"/>
-              <a:t>) </a:t>
-            </a:r>
-            <a:br>
-              <a:rPr lang="en-US" altLang="ko-KR" sz="1200"/>
-            </a:br>
-            <a:r>
-              <a:rPr lang="ko-KR" altLang="en-US" sz="1200"/>
-              <a:t>→ </a:t>
-            </a:r>
-            <a:r>
-              <a:rPr lang="en-US" altLang="ko-KR" sz="1000"/>
-              <a:t>(openHAB2 </a:t>
-            </a:r>
-            <a:r>
-              <a:rPr lang="ko-KR" altLang="en-US" sz="1000"/>
-              <a:t>스크립트 작성</a:t>
-            </a:r>
-            <a:r>
-              <a:rPr lang="en-US" altLang="ko-KR" sz="1000"/>
-              <a:t>)</a:t>
-            </a:r>
-          </a:p>
-          <a:p>
-            <a:pPr lvl="2"/>
-            <a:endParaRPr lang="en-US" altLang="ko-KR" sz="1000"/>
-          </a:p>
-          <a:p>
-            <a:pPr lvl="1"/>
-            <a:r>
-              <a:rPr lang="en-US" altLang="ko-KR" sz="1600"/>
-              <a:t>Snode </a:t>
-            </a:r>
-            <a:br>
-              <a:rPr lang="en-US" altLang="ko-KR" sz="1600"/>
-            </a:br>
-            <a:r>
-              <a:rPr lang="ko-KR" altLang="en-US" sz="1600"/>
-              <a:t>→ </a:t>
-            </a:r>
-            <a:r>
-              <a:rPr lang="en-US" altLang="ko-KR" sz="1600"/>
-              <a:t>gateway_id</a:t>
-            </a:r>
-          </a:p>
-          <a:p>
-            <a:pPr lvl="2"/>
-            <a:r>
-              <a:rPr lang="en-US" altLang="ko-KR" sz="1200"/>
-              <a:t>0</a:t>
-            </a:r>
-            <a:r>
-              <a:rPr lang="ko-KR" altLang="en-US" sz="1200"/>
-              <a:t>인 경우 </a:t>
-            </a:r>
-            <a:r>
-              <a:rPr lang="en-US" altLang="ko-KR" sz="1200"/>
-              <a:t>Gateway</a:t>
-            </a:r>
-            <a:r>
-              <a:rPr lang="ko-KR" altLang="en-US" sz="1200"/>
-              <a:t>를 거치지 않음</a:t>
-            </a:r>
-            <a:br>
-              <a:rPr lang="en-US" altLang="ko-KR" sz="1200"/>
-            </a:br>
-            <a:endParaRPr lang="en-US" altLang="ko-KR" sz="1200"/>
-          </a:p>
-          <a:p>
-            <a:pPr marL="457200" lvl="1" indent="0">
-              <a:buNone/>
-            </a:pPr>
-            <a:endParaRPr lang="en-US" altLang="ko-KR" sz="1400"/>
-          </a:p>
-          <a:p>
-            <a:pPr marL="457200" lvl="1" indent="0">
-              <a:buNone/>
-            </a:pPr>
-            <a:br>
-              <a:rPr lang="en-US" altLang="ko-KR" sz="1400"/>
-            </a:br>
-            <a:endParaRPr lang="en-US" altLang="ko-KR" sz="1400"/>
-          </a:p>
-        </p:txBody>
-      </p:sp>
-      <p:sp>
-        <p:nvSpPr>
-          <p:cNvPr id="6" name="직사각형 5">
-            <a:extLst>
-              <a:ext uri="{FF2B5EF4-FFF2-40B4-BE49-F238E27FC236}">
-                <a16:creationId xmlns:a16="http://schemas.microsoft.com/office/drawing/2014/main" id="{B7BDE614-7239-407F-8A54-AAD0B0C2CD90}"/>
-              </a:ext>
-            </a:extLst>
-          </p:cNvPr>
-          <p:cNvSpPr/>
-          <p:nvPr/>
-        </p:nvSpPr>
-        <p:spPr>
-          <a:xfrm>
-            <a:off x="6164197" y="3789040"/>
-            <a:ext cx="1152128" cy="864096"/>
-          </a:xfrm>
-          <a:prstGeom prst="rect">
-            <a:avLst/>
-          </a:prstGeom>
-          <a:noFill/>
-          <a:ln w="19050">
-            <a:solidFill>
-              <a:srgbClr val="FF0000"/>
-            </a:solidFill>
-          </a:ln>
-        </p:spPr>
-        <p:style>
-          <a:lnRef idx="2">
-            <a:schemeClr val="accent1">
-              <a:shade val="50000"/>
-            </a:schemeClr>
-          </a:lnRef>
-          <a:fillRef idx="1">
-            <a:schemeClr val="accent1"/>
-          </a:fillRef>
-          <a:effectRef idx="0">
-            <a:schemeClr val="accent1"/>
-          </a:effectRef>
-          <a:fontRef idx="minor">
-            <a:schemeClr val="lt1"/>
-          </a:fontRef>
-        </p:style>
-        <p:txBody>
-          <a:bodyPr rtlCol="0" anchor="ctr"/>
-          <a:lstStyle/>
-          <a:p>
-            <a:pPr algn="ctr"/>
-            <a:endParaRPr lang="ko-KR" altLang="en-US" sz="1400">
-              <a:solidFill>
-                <a:schemeClr val="tx1"/>
-              </a:solidFill>
-              <a:latin typeface="나눔스퀘어 Bold" panose="020B0600000101010101" pitchFamily="50" charset="-127"/>
-              <a:ea typeface="나눔스퀘어 Bold" panose="020B0600000101010101" pitchFamily="50" charset="-127"/>
-            </a:endParaRPr>
-          </a:p>
-        </p:txBody>
-      </p:sp>
-      <p:cxnSp>
-        <p:nvCxnSpPr>
-          <p:cNvPr id="11" name="직선 화살표 연결선 10">
-            <a:extLst>
-              <a:ext uri="{FF2B5EF4-FFF2-40B4-BE49-F238E27FC236}">
-                <a16:creationId xmlns:a16="http://schemas.microsoft.com/office/drawing/2014/main" id="{C7B1674E-EBCF-4E54-859B-94810E71A2D4}"/>
-              </a:ext>
-            </a:extLst>
-          </p:cNvPr>
-          <p:cNvCxnSpPr>
-            <a:cxnSpLocks/>
-          </p:cNvCxnSpPr>
-          <p:nvPr/>
-        </p:nvCxnSpPr>
-        <p:spPr>
-          <a:xfrm>
-            <a:off x="2979804" y="3068960"/>
-            <a:ext cx="3184393" cy="1152128"/>
-          </a:xfrm>
-          <a:prstGeom prst="straightConnector1">
-            <a:avLst/>
-          </a:prstGeom>
-          <a:solidFill>
-            <a:schemeClr val="accent1"/>
-          </a:solidFill>
-          <a:ln w="9525" cap="flat" cmpd="sng" algn="ctr">
-            <a:solidFill>
-              <a:srgbClr val="FF0000"/>
-            </a:solidFill>
-            <a:prstDash val="solid"/>
-            <a:round/>
-            <a:tailEnd type="triangle"/>
-          </a:ln>
-          <a:effectLst/>
-        </p:spPr>
-      </p:cxnSp>
     </p:spTree>
     <p:extLst>
       <p:ext uri="{BB962C8B-B14F-4D97-AF65-F5344CB8AC3E}">
-        <p14:creationId xmlns:p14="http://schemas.microsoft.com/office/powerpoint/2010/main" val="428442998"/>
+        <p14:creationId xmlns:p14="http://schemas.microsoft.com/office/powerpoint/2010/main" val="3280254913"/>
       </p:ext>
     </p:extLst>
   </p:cSld>
@@ -9357,6 +6628,175 @@
       </p:grpSpPr>
       <p:sp>
         <p:nvSpPr>
+          <p:cNvPr id="9" name="내용 개체 틀 2">
+            <a:extLst>
+              <a:ext uri="{FF2B5EF4-FFF2-40B4-BE49-F238E27FC236}">
+                <a16:creationId xmlns:a16="http://schemas.microsoft.com/office/drawing/2014/main" id="{0371F4DB-13CD-47C3-B2A8-AE9E160ACFE1}"/>
+              </a:ext>
+            </a:extLst>
+          </p:cNvPr>
+          <p:cNvSpPr>
+            <a:spLocks noGrp="1"/>
+          </p:cNvSpPr>
+          <p:nvPr>
+            <p:ph idx="1"/>
+          </p:nvPr>
+        </p:nvSpPr>
+        <p:spPr>
+          <a:xfrm>
+            <a:off x="898237" y="1052736"/>
+            <a:ext cx="8055254" cy="5646444"/>
+          </a:xfrm>
+        </p:spPr>
+        <p:txBody>
+          <a:bodyPr>
+            <a:normAutofit/>
+          </a:bodyPr>
+          <a:lstStyle/>
+          <a:p>
+            <a:r>
+              <a:rPr lang="ko-KR" altLang="en-US" sz="2400"/>
+              <a:t>개선 사항</a:t>
+            </a:r>
+          </a:p>
+          <a:p>
+            <a:pPr lvl="1"/>
+            <a:r>
+              <a:rPr lang="en-US" altLang="ko-KR" sz="2000"/>
+              <a:t>Ubuntu 16.04 LTS </a:t>
+            </a:r>
+            <a:r>
+              <a:rPr lang="ko-KR" altLang="en-US" sz="2000"/>
+              <a:t>설치 후</a:t>
+            </a:r>
+            <a:r>
+              <a:rPr lang="en-US" altLang="ko-KR" sz="2000"/>
+              <a:t>, Wordpress, APM</a:t>
+            </a:r>
+            <a:r>
+              <a:rPr lang="ko-KR" altLang="en-US" sz="2000"/>
+              <a:t>을 따로 설치</a:t>
+            </a:r>
+            <a:r>
+              <a:rPr lang="en-US" altLang="ko-KR" sz="2000"/>
+              <a:t>.</a:t>
+            </a:r>
+          </a:p>
+          <a:p>
+            <a:pPr lvl="1"/>
+            <a:r>
+              <a:rPr lang="en-US" altLang="ko-KR" sz="2000"/>
+              <a:t>APM : Apache2, php</a:t>
+            </a:r>
+          </a:p>
+          <a:p>
+            <a:endParaRPr lang="en-US" altLang="ko-KR" sz="2400"/>
+          </a:p>
+          <a:p>
+            <a:r>
+              <a:rPr lang="en-US" altLang="ko-KR" sz="2400"/>
+              <a:t>Wordpress </a:t>
+            </a:r>
+            <a:r>
+              <a:rPr lang="ko-KR" altLang="en-US" sz="2400"/>
+              <a:t>백업</a:t>
+            </a:r>
+          </a:p>
+          <a:p>
+            <a:pPr lvl="1"/>
+            <a:r>
+              <a:rPr lang="en-US" altLang="ko-KR" sz="2000"/>
+              <a:t>(</a:t>
+            </a:r>
+            <a:r>
+              <a:rPr lang="ko-KR" altLang="en-US" sz="2000"/>
+              <a:t>구</a:t>
+            </a:r>
+            <a:r>
+              <a:rPr lang="en-US" altLang="ko-KR" sz="2000"/>
+              <a:t>) </a:t>
+            </a:r>
+            <a:r>
+              <a:rPr lang="ko-KR" altLang="en-US" sz="2000"/>
+              <a:t>봉서산 </a:t>
+            </a:r>
+            <a:r>
+              <a:rPr lang="en-US" altLang="ko-KR" sz="2000"/>
+              <a:t>HDD</a:t>
+            </a:r>
+            <a:r>
+              <a:rPr lang="ko-KR" altLang="en-US" sz="2000"/>
+              <a:t>의 </a:t>
+            </a:r>
+            <a:r>
+              <a:rPr lang="en-US" altLang="ko-KR" sz="2000"/>
+              <a:t>Wordpress </a:t>
+            </a:r>
+            <a:r>
+              <a:rPr lang="ko-KR" altLang="en-US" sz="2000"/>
+              <a:t>폴더 백업</a:t>
+            </a:r>
+          </a:p>
+          <a:p>
+            <a:pPr lvl="1"/>
+            <a:r>
+              <a:rPr lang="en-US" altLang="ko-KR" sz="2000"/>
+              <a:t>/var/www/wordpress</a:t>
+            </a:r>
+          </a:p>
+          <a:p>
+            <a:pPr lvl="1"/>
+            <a:endParaRPr lang="en-US" altLang="ko-KR" sz="2000"/>
+          </a:p>
+          <a:p>
+            <a:pPr lvl="1"/>
+            <a:endParaRPr lang="en-US" altLang="ko-KR" sz="2000"/>
+          </a:p>
+          <a:p>
+            <a:r>
+              <a:rPr lang="en-US" altLang="ko-KR" sz="2400"/>
+              <a:t>Mysql</a:t>
+            </a:r>
+            <a:r>
+              <a:rPr lang="ko-KR" altLang="en-US" sz="2400"/>
+              <a:t> </a:t>
+            </a:r>
+            <a:r>
+              <a:rPr lang="en-US" altLang="ko-KR" sz="2400"/>
+              <a:t>dump</a:t>
+            </a:r>
+          </a:p>
+          <a:p>
+            <a:pPr lvl="1"/>
+            <a:r>
+              <a:rPr lang="en-US" altLang="ko-KR" sz="2000"/>
+              <a:t>Mysql </a:t>
+            </a:r>
+            <a:r>
+              <a:rPr lang="ko-KR" altLang="en-US" sz="2000"/>
+              <a:t>서버의 모든 </a:t>
+            </a:r>
+            <a:r>
+              <a:rPr lang="en-US" altLang="ko-KR" sz="2000"/>
+              <a:t>DB</a:t>
+            </a:r>
+            <a:r>
+              <a:rPr lang="ko-KR" altLang="en-US" sz="2000"/>
+              <a:t>를 가져옴</a:t>
+            </a:r>
+            <a:r>
+              <a:rPr lang="en-US" altLang="ko-KR" sz="2000"/>
+              <a:t>.</a:t>
+            </a:r>
+          </a:p>
+          <a:p>
+            <a:pPr lvl="1"/>
+            <a:endParaRPr lang="en-US" altLang="ko-KR" sz="2000"/>
+          </a:p>
+        </p:txBody>
+      </p:sp>
+      <p:sp>
+        <p:nvSpPr>
           <p:cNvPr id="2" name="제목 1"/>
           <p:cNvSpPr>
             <a:spLocks noGrp="1"/>
@@ -9376,59 +6816,265 @@
           <a:lstStyle/>
           <a:p>
             <a:r>
+              <a:rPr lang="en-US" altLang="ko-KR"/>
+              <a:t>CS2 </a:t>
+            </a:r>
+            <a:r>
               <a:rPr lang="ko-KR" altLang="en-US"/>
-              <a:t>메시지 플로우 차트 </a:t>
-            </a:r>
-            <a:r>
-              <a:rPr lang="en-US" altLang="ko-KR"/>
-              <a:t>(</a:t>
-            </a:r>
-            <a:r>
-              <a:rPr lang="ko-KR" altLang="en-US"/>
-              <a:t>등록</a:t>
-            </a:r>
-            <a:r>
-              <a:rPr lang="en-US" altLang="ko-KR"/>
-              <a:t>)</a:t>
+              <a:t>속도 개선</a:t>
             </a:r>
             <a:endParaRPr lang="ko-KR" altLang="en-US" dirty="0"/>
           </a:p>
         </p:txBody>
       </p:sp>
-      <p:pic>
-        <p:nvPicPr>
-          <p:cNvPr id="3" name="그림 2">
+      <p:sp>
+        <p:nvSpPr>
+          <p:cNvPr id="3" name="직사각형 2">
             <a:extLst>
               <a:ext uri="{FF2B5EF4-FFF2-40B4-BE49-F238E27FC236}">
-                <a16:creationId xmlns:a16="http://schemas.microsoft.com/office/drawing/2014/main" id="{5DC9073C-A0E5-4CF6-A4D6-A124693740B1}"/>
+                <a16:creationId xmlns:a16="http://schemas.microsoft.com/office/drawing/2014/main" id="{8EAA83B3-0439-4A56-B85F-796EC87AC21C}"/>
               </a:ext>
             </a:extLst>
           </p:cNvPr>
-          <p:cNvPicPr>
-            <a:picLocks noChangeAspect="1"/>
-          </p:cNvPicPr>
+          <p:cNvSpPr/>
           <p:nvPr/>
-        </p:nvPicPr>
-        <p:blipFill>
-          <a:blip r:embed="rId3"/>
-          <a:stretch>
-            <a:fillRect/>
-          </a:stretch>
-        </p:blipFill>
+        </p:nvSpPr>
         <p:spPr>
           <a:xfrm>
-            <a:off x="1475655" y="1124744"/>
-            <a:ext cx="6687447" cy="5422463"/>
+            <a:off x="1475656" y="5445224"/>
+            <a:ext cx="6912768" cy="360040"/>
           </a:xfrm>
           <a:prstGeom prst="rect">
             <a:avLst/>
           </a:prstGeom>
-        </p:spPr>
-      </p:pic>
+          <a:solidFill>
+            <a:srgbClr val="FFFF99"/>
+          </a:solidFill>
+          <a:ln w="19050">
+            <a:noFill/>
+          </a:ln>
+        </p:spPr>
+        <p:style>
+          <a:lnRef idx="2">
+            <a:schemeClr val="accent1">
+              <a:shade val="50000"/>
+            </a:schemeClr>
+          </a:lnRef>
+          <a:fillRef idx="1">
+            <a:schemeClr val="accent1"/>
+          </a:fillRef>
+          <a:effectRef idx="0">
+            <a:schemeClr val="accent1"/>
+          </a:effectRef>
+          <a:fontRef idx="minor">
+            <a:schemeClr val="lt1"/>
+          </a:fontRef>
+        </p:style>
+        <p:txBody>
+          <a:bodyPr rot="0" spcFirstLastPara="0" vertOverflow="overflow" horzOverflow="overflow" vert="horz" wrap="square" lIns="91440" tIns="45720" rIns="91440" bIns="45720" numCol="1" spcCol="0" rtlCol="0" fromWordArt="0" anchor="ctr" anchorCtr="0" forceAA="0" compatLnSpc="1">
+            <a:prstTxWarp prst="textNoShape">
+              <a:avLst/>
+            </a:prstTxWarp>
+            <a:noAutofit/>
+          </a:bodyPr>
+          <a:lstStyle/>
+          <a:p>
+            <a:r>
+              <a:rPr lang="en-US" altLang="ko-KR" sz="1400">
+                <a:solidFill>
+                  <a:schemeClr val="tx1"/>
+                </a:solidFill>
+                <a:latin typeface="나눔스퀘어 Bold" panose="020B0600000101010101" pitchFamily="50" charset="-127"/>
+                <a:ea typeface="나눔스퀘어 Bold" panose="020B0600000101010101" pitchFamily="50" charset="-127"/>
+              </a:rPr>
+              <a:t>$mysqldump</a:t>
+            </a:r>
+            <a:r>
+              <a:rPr lang="ko-KR" altLang="en-US" sz="1400">
+                <a:solidFill>
+                  <a:schemeClr val="tx1"/>
+                </a:solidFill>
+                <a:latin typeface="나눔스퀘어 Bold" panose="020B0600000101010101" pitchFamily="50" charset="-127"/>
+                <a:ea typeface="나눔스퀘어 Bold" panose="020B0600000101010101" pitchFamily="50" charset="-127"/>
+              </a:rPr>
+              <a:t> </a:t>
+            </a:r>
+            <a:r>
+              <a:rPr lang="en-US" altLang="ko-KR" sz="1400">
+                <a:solidFill>
+                  <a:schemeClr val="tx1"/>
+                </a:solidFill>
+                <a:latin typeface="나눔스퀘어 Bold" panose="020B0600000101010101" pitchFamily="50" charset="-127"/>
+                <a:ea typeface="나눔스퀘어 Bold" panose="020B0600000101010101" pitchFamily="50" charset="-127"/>
+              </a:rPr>
+              <a:t>-uroot</a:t>
+            </a:r>
+            <a:r>
+              <a:rPr lang="ko-KR" altLang="en-US" sz="1400">
+                <a:solidFill>
+                  <a:schemeClr val="tx1"/>
+                </a:solidFill>
+                <a:latin typeface="나눔스퀘어 Bold" panose="020B0600000101010101" pitchFamily="50" charset="-127"/>
+                <a:ea typeface="나눔스퀘어 Bold" panose="020B0600000101010101" pitchFamily="50" charset="-127"/>
+              </a:rPr>
+              <a:t> </a:t>
+            </a:r>
+            <a:r>
+              <a:rPr lang="en-US" altLang="ko-KR" sz="1400">
+                <a:solidFill>
+                  <a:schemeClr val="tx1"/>
+                </a:solidFill>
+                <a:latin typeface="나눔스퀘어 Bold" panose="020B0600000101010101" pitchFamily="50" charset="-127"/>
+                <a:ea typeface="나눔스퀘어 Bold" panose="020B0600000101010101" pitchFamily="50" charset="-127"/>
+              </a:rPr>
+              <a:t>-p </a:t>
+            </a:r>
+            <a:r>
+              <a:rPr lang="en-US" altLang="ko-KR" sz="1400">
+                <a:solidFill>
+                  <a:srgbClr val="FF0000"/>
+                </a:solidFill>
+                <a:latin typeface="나눔스퀘어 Bold" panose="020B0600000101010101" pitchFamily="50" charset="-127"/>
+                <a:ea typeface="나눔스퀘어 Bold" panose="020B0600000101010101" pitchFamily="50" charset="-127"/>
+              </a:rPr>
+              <a:t>-A </a:t>
+            </a:r>
+            <a:r>
+              <a:rPr lang="en-US" altLang="ko-KR" sz="1400">
+                <a:solidFill>
+                  <a:schemeClr val="tx1"/>
+                </a:solidFill>
+                <a:latin typeface="나눔스퀘어 Bold" panose="020B0600000101010101" pitchFamily="50" charset="-127"/>
+                <a:ea typeface="나눔스퀘어 Bold" panose="020B0600000101010101" pitchFamily="50" charset="-127"/>
+              </a:rPr>
+              <a:t>&gt; __________.sql</a:t>
+            </a:r>
+            <a:endParaRPr lang="ko-KR" altLang="en-US" sz="1400">
+              <a:solidFill>
+                <a:schemeClr val="tx1"/>
+              </a:solidFill>
+              <a:latin typeface="나눔스퀘어 Bold" panose="020B0600000101010101" pitchFamily="50" charset="-127"/>
+              <a:ea typeface="나눔스퀘어 Bold" panose="020B0600000101010101" pitchFamily="50" charset="-127"/>
+            </a:endParaRPr>
+          </a:p>
+        </p:txBody>
+      </p:sp>
+      <p:sp>
+        <p:nvSpPr>
+          <p:cNvPr id="10" name="직사각형 9">
+            <a:extLst>
+              <a:ext uri="{FF2B5EF4-FFF2-40B4-BE49-F238E27FC236}">
+                <a16:creationId xmlns:a16="http://schemas.microsoft.com/office/drawing/2014/main" id="{A71E6CB3-4F0E-4468-A620-90FC31648F2E}"/>
+              </a:ext>
+            </a:extLst>
+          </p:cNvPr>
+          <p:cNvSpPr/>
+          <p:nvPr/>
+        </p:nvSpPr>
+        <p:spPr>
+          <a:xfrm>
+            <a:off x="1489157" y="3933056"/>
+            <a:ext cx="6912768" cy="360040"/>
+          </a:xfrm>
+          <a:prstGeom prst="rect">
+            <a:avLst/>
+          </a:prstGeom>
+          <a:solidFill>
+            <a:srgbClr val="FFFF99"/>
+          </a:solidFill>
+          <a:ln w="19050">
+            <a:noFill/>
+          </a:ln>
+        </p:spPr>
+        <p:style>
+          <a:lnRef idx="2">
+            <a:schemeClr val="accent1">
+              <a:shade val="50000"/>
+            </a:schemeClr>
+          </a:lnRef>
+          <a:fillRef idx="1">
+            <a:schemeClr val="accent1"/>
+          </a:fillRef>
+          <a:effectRef idx="0">
+            <a:schemeClr val="accent1"/>
+          </a:effectRef>
+          <a:fontRef idx="minor">
+            <a:schemeClr val="lt1"/>
+          </a:fontRef>
+        </p:style>
+        <p:txBody>
+          <a:bodyPr rot="0" spcFirstLastPara="0" vertOverflow="overflow" horzOverflow="overflow" vert="horz" wrap="square" lIns="91440" tIns="45720" rIns="91440" bIns="45720" numCol="1" spcCol="0" rtlCol="0" fromWordArt="0" anchor="ctr" anchorCtr="0" forceAA="0" compatLnSpc="1">
+            <a:prstTxWarp prst="textNoShape">
+              <a:avLst/>
+            </a:prstTxWarp>
+            <a:noAutofit/>
+          </a:bodyPr>
+          <a:lstStyle/>
+          <a:p>
+            <a:r>
+              <a:rPr lang="en-US" altLang="ko-KR" sz="1400">
+                <a:solidFill>
+                  <a:schemeClr val="tx1"/>
+                </a:solidFill>
+                <a:latin typeface="나눔스퀘어 Bold" panose="020B0600000101010101" pitchFamily="50" charset="-127"/>
+                <a:ea typeface="나눔스퀘어 Bold" panose="020B0600000101010101" pitchFamily="50" charset="-127"/>
+              </a:rPr>
+              <a:t>$tar</a:t>
+            </a:r>
+            <a:r>
+              <a:rPr lang="ko-KR" altLang="en-US" sz="1400">
+                <a:solidFill>
+                  <a:schemeClr val="tx1"/>
+                </a:solidFill>
+                <a:latin typeface="나눔스퀘어 Bold" panose="020B0600000101010101" pitchFamily="50" charset="-127"/>
+                <a:ea typeface="나눔스퀘어 Bold" panose="020B0600000101010101" pitchFamily="50" charset="-127"/>
+              </a:rPr>
+              <a:t> </a:t>
+            </a:r>
+            <a:r>
+              <a:rPr lang="en-US" altLang="ko-KR" sz="1400">
+                <a:solidFill>
+                  <a:schemeClr val="tx1"/>
+                </a:solidFill>
+                <a:latin typeface="나눔스퀘어 Bold" panose="020B0600000101010101" pitchFamily="50" charset="-127"/>
+                <a:ea typeface="나눔스퀘어 Bold" panose="020B0600000101010101" pitchFamily="50" charset="-127"/>
+              </a:rPr>
+              <a:t>-cvpf   </a:t>
+            </a:r>
+            <a:r>
+              <a:rPr lang="ko-KR" altLang="en-US" sz="1400">
+                <a:solidFill>
+                  <a:schemeClr val="tx1"/>
+                </a:solidFill>
+                <a:latin typeface="나눔스퀘어 Bold" panose="020B0600000101010101" pitchFamily="50" charset="-127"/>
+                <a:ea typeface="나눔스퀘어 Bold" panose="020B0600000101010101" pitchFamily="50" charset="-127"/>
+              </a:rPr>
+              <a:t>파일명</a:t>
+            </a:r>
+            <a:r>
+              <a:rPr lang="en-US" altLang="ko-KR" sz="1400">
+                <a:solidFill>
+                  <a:schemeClr val="tx1"/>
+                </a:solidFill>
+                <a:latin typeface="나눔스퀘어 Bold" panose="020B0600000101010101" pitchFamily="50" charset="-127"/>
+                <a:ea typeface="나눔스퀘어 Bold" panose="020B0600000101010101" pitchFamily="50" charset="-127"/>
+              </a:rPr>
+              <a:t>.tar.gz   /var/www/wordpress </a:t>
+            </a:r>
+            <a:endParaRPr lang="ko-KR" altLang="en-US" sz="1400">
+              <a:solidFill>
+                <a:schemeClr val="tx1"/>
+              </a:solidFill>
+              <a:latin typeface="나눔스퀘어 Bold" panose="020B0600000101010101" pitchFamily="50" charset="-127"/>
+              <a:ea typeface="나눔스퀘어 Bold" panose="020B0600000101010101" pitchFamily="50" charset="-127"/>
+            </a:endParaRPr>
+          </a:p>
+        </p:txBody>
+      </p:sp>
     </p:spTree>
     <p:extLst>
       <p:ext uri="{BB962C8B-B14F-4D97-AF65-F5344CB8AC3E}">
-        <p14:creationId xmlns:p14="http://schemas.microsoft.com/office/powerpoint/2010/main" val="3075508715"/>
+        <p14:creationId xmlns:p14="http://schemas.microsoft.com/office/powerpoint/2010/main" val="3282169566"/>
       </p:ext>
     </p:extLst>
   </p:cSld>
@@ -9457,6 +7103,93 @@
       </p:grpSpPr>
       <p:sp>
         <p:nvSpPr>
+          <p:cNvPr id="9" name="내용 개체 틀 2">
+            <a:extLst>
+              <a:ext uri="{FF2B5EF4-FFF2-40B4-BE49-F238E27FC236}">
+                <a16:creationId xmlns:a16="http://schemas.microsoft.com/office/drawing/2014/main" id="{0371F4DB-13CD-47C3-B2A8-AE9E160ACFE1}"/>
+              </a:ext>
+            </a:extLst>
+          </p:cNvPr>
+          <p:cNvSpPr>
+            <a:spLocks noGrp="1"/>
+          </p:cNvSpPr>
+          <p:nvPr>
+            <p:ph idx="1"/>
+          </p:nvPr>
+        </p:nvSpPr>
+        <p:spPr>
+          <a:xfrm>
+            <a:off x="898237" y="1052736"/>
+            <a:ext cx="8055254" cy="5646444"/>
+          </a:xfrm>
+        </p:spPr>
+        <p:txBody>
+          <a:bodyPr>
+            <a:normAutofit/>
+          </a:bodyPr>
+          <a:lstStyle/>
+          <a:p>
+            <a:r>
+              <a:rPr lang="en-US" altLang="ko-KR" sz="2400"/>
+              <a:t>Apache2, php, Mysql </a:t>
+            </a:r>
+            <a:r>
+              <a:rPr lang="ko-KR" altLang="en-US" sz="2400"/>
+              <a:t>설치</a:t>
+            </a:r>
+            <a:endParaRPr lang="en-US" altLang="ko-KR" sz="2400"/>
+          </a:p>
+          <a:p>
+            <a:endParaRPr lang="en-US" altLang="ko-KR" sz="2400"/>
+          </a:p>
+          <a:p>
+            <a:endParaRPr lang="en-US" altLang="ko-KR" sz="2400"/>
+          </a:p>
+          <a:p>
+            <a:endParaRPr lang="en-US" altLang="ko-KR" sz="2400"/>
+          </a:p>
+          <a:p>
+            <a:pPr marL="0" indent="0">
+              <a:buNone/>
+            </a:pPr>
+            <a:endParaRPr lang="en-US" altLang="ko-KR" sz="2400"/>
+          </a:p>
+          <a:p>
+            <a:r>
+              <a:rPr lang="en-US" altLang="ko-KR" sz="2400"/>
+              <a:t>Wordpress </a:t>
+            </a:r>
+            <a:r>
+              <a:rPr lang="ko-KR" altLang="en-US" sz="2400"/>
+              <a:t>복원</a:t>
+            </a:r>
+            <a:endParaRPr lang="en-US" altLang="ko-KR" sz="2400"/>
+          </a:p>
+          <a:p>
+            <a:endParaRPr lang="en-US" altLang="ko-KR" sz="2400"/>
+          </a:p>
+          <a:p>
+            <a:endParaRPr lang="en-US" altLang="ko-KR" sz="2400"/>
+          </a:p>
+          <a:p>
+            <a:r>
+              <a:rPr lang="en-US" altLang="ko-KR" sz="2400"/>
+              <a:t>Mysql </a:t>
+            </a:r>
+            <a:r>
+              <a:rPr lang="ko-KR" altLang="en-US" sz="2400"/>
+              <a:t>복원</a:t>
+            </a:r>
+            <a:endParaRPr lang="en-US" altLang="ko-KR" sz="2400"/>
+          </a:p>
+          <a:p>
+            <a:pPr lvl="1"/>
+            <a:endParaRPr lang="en-US" altLang="ko-KR" sz="2000"/>
+          </a:p>
+        </p:txBody>
+      </p:sp>
+      <p:sp>
+        <p:nvSpPr>
           <p:cNvPr id="2" name="제목 1"/>
           <p:cNvSpPr>
             <a:spLocks noGrp="1"/>
@@ -9476,67 +7209,394 @@
           <a:lstStyle/>
           <a:p>
             <a:r>
+              <a:rPr lang="en-US" altLang="ko-KR"/>
+              <a:t>CS2 </a:t>
+            </a:r>
+            <a:r>
               <a:rPr lang="ko-KR" altLang="en-US"/>
-              <a:t>메시지 플로우 차트 </a:t>
-            </a:r>
-            <a:r>
-              <a:rPr lang="en-US" altLang="ko-KR"/>
-              <a:t>(</a:t>
-            </a:r>
-            <a:r>
-              <a:rPr lang="ko-KR" altLang="en-US"/>
-              <a:t>수집 </a:t>
-            </a:r>
-            <a:r>
-              <a:rPr lang="en-US" altLang="ko-KR"/>
-              <a:t>/ </a:t>
-            </a:r>
-            <a:r>
-              <a:rPr lang="ko-KR" altLang="en-US"/>
-              <a:t>제어</a:t>
-            </a:r>
-            <a:r>
-              <a:rPr lang="en-US" altLang="ko-KR"/>
-              <a:t>)</a:t>
+              <a:t>속도 개선</a:t>
             </a:r>
             <a:endParaRPr lang="ko-KR" altLang="en-US" dirty="0"/>
           </a:p>
         </p:txBody>
       </p:sp>
-      <p:pic>
-        <p:nvPicPr>
-          <p:cNvPr id="3" name="그림 2">
+      <p:sp>
+        <p:nvSpPr>
+          <p:cNvPr id="5" name="직사각형 4">
             <a:extLst>
               <a:ext uri="{FF2B5EF4-FFF2-40B4-BE49-F238E27FC236}">
-                <a16:creationId xmlns:a16="http://schemas.microsoft.com/office/drawing/2014/main" id="{83FC3155-7DC3-4599-85CC-34EB975DE7A7}"/>
+                <a16:creationId xmlns:a16="http://schemas.microsoft.com/office/drawing/2014/main" id="{20929AC6-F120-4B30-B324-644C69EC00E7}"/>
               </a:ext>
             </a:extLst>
           </p:cNvPr>
-          <p:cNvPicPr>
-            <a:picLocks noChangeAspect="1"/>
-          </p:cNvPicPr>
+          <p:cNvSpPr/>
           <p:nvPr/>
-        </p:nvPicPr>
-        <p:blipFill>
-          <a:blip r:embed="rId3"/>
-          <a:stretch>
-            <a:fillRect/>
-          </a:stretch>
-        </p:blipFill>
+        </p:nvSpPr>
         <p:spPr>
           <a:xfrm>
-            <a:off x="1403648" y="1124744"/>
-            <a:ext cx="6852407" cy="5127652"/>
+            <a:off x="1489157" y="1628800"/>
+            <a:ext cx="6912768" cy="1569660"/>
           </a:xfrm>
           <a:prstGeom prst="rect">
             <a:avLst/>
           </a:prstGeom>
-        </p:spPr>
-      </p:pic>
+          <a:solidFill>
+            <a:srgbClr val="FFFF99"/>
+          </a:solidFill>
+          <a:ln w="19050">
+            <a:noFill/>
+          </a:ln>
+        </p:spPr>
+        <p:style>
+          <a:lnRef idx="2">
+            <a:schemeClr val="accent1">
+              <a:shade val="50000"/>
+            </a:schemeClr>
+          </a:lnRef>
+          <a:fillRef idx="1">
+            <a:schemeClr val="accent1"/>
+          </a:fillRef>
+          <a:effectRef idx="0">
+            <a:schemeClr val="accent1"/>
+          </a:effectRef>
+          <a:fontRef idx="minor">
+            <a:schemeClr val="lt1"/>
+          </a:fontRef>
+        </p:style>
+        <p:txBody>
+          <a:bodyPr rot="0" spcFirstLastPara="0" vertOverflow="overflow" horzOverflow="overflow" vert="horz" wrap="square" lIns="91440" tIns="45720" rIns="91440" bIns="45720" numCol="1" spcCol="0" rtlCol="0" fromWordArt="0" anchor="t" anchorCtr="0" forceAA="0" compatLnSpc="1">
+            <a:prstTxWarp prst="textNoShape">
+              <a:avLst/>
+            </a:prstTxWarp>
+            <a:spAutoFit/>
+          </a:bodyPr>
+          <a:lstStyle/>
+          <a:p>
+            <a:r>
+              <a:rPr lang="en-US" altLang="ko-KR" sz="1200">
+                <a:solidFill>
+                  <a:schemeClr val="tx1"/>
+                </a:solidFill>
+                <a:latin typeface="나눔스퀘어 Bold" panose="020B0600000101010101" pitchFamily="50" charset="-127"/>
+                <a:ea typeface="나눔스퀘어 Bold" panose="020B0600000101010101" pitchFamily="50" charset="-127"/>
+              </a:rPr>
+              <a:t>//Apache2</a:t>
+            </a:r>
+          </a:p>
+          <a:p>
+            <a:r>
+              <a:rPr lang="en-US" altLang="ko-KR" sz="1200">
+                <a:solidFill>
+                  <a:schemeClr val="tx1"/>
+                </a:solidFill>
+                <a:latin typeface="나눔스퀘어 Bold" panose="020B0600000101010101" pitchFamily="50" charset="-127"/>
+                <a:ea typeface="나눔스퀘어 Bold" panose="020B0600000101010101" pitchFamily="50" charset="-127"/>
+              </a:rPr>
+              <a:t>$sudo apt-get install apache2</a:t>
+            </a:r>
+          </a:p>
+          <a:p>
+            <a:endParaRPr lang="en-US" altLang="ko-KR" sz="1200">
+              <a:solidFill>
+                <a:schemeClr val="tx1"/>
+              </a:solidFill>
+              <a:latin typeface="나눔스퀘어 Bold" panose="020B0600000101010101" pitchFamily="50" charset="-127"/>
+              <a:ea typeface="나눔스퀘어 Bold" panose="020B0600000101010101" pitchFamily="50" charset="-127"/>
+            </a:endParaRPr>
+          </a:p>
+          <a:p>
+            <a:r>
+              <a:rPr lang="en-US" altLang="ko-KR" sz="1200">
+                <a:solidFill>
+                  <a:schemeClr val="tx1"/>
+                </a:solidFill>
+                <a:latin typeface="나눔스퀘어 Bold" panose="020B0600000101010101" pitchFamily="50" charset="-127"/>
+                <a:ea typeface="나눔스퀘어 Bold" panose="020B0600000101010101" pitchFamily="50" charset="-127"/>
+              </a:rPr>
+              <a:t>//Mysql</a:t>
+            </a:r>
+          </a:p>
+          <a:p>
+            <a:r>
+              <a:rPr lang="en-US" altLang="ko-KR" sz="1200">
+                <a:solidFill>
+                  <a:schemeClr val="tx1"/>
+                </a:solidFill>
+                <a:latin typeface="나눔스퀘어 Bold" panose="020B0600000101010101" pitchFamily="50" charset="-127"/>
+                <a:ea typeface="나눔스퀘어 Bold" panose="020B0600000101010101" pitchFamily="50" charset="-127"/>
+              </a:rPr>
+              <a:t>$sudo apt-get install mysql-server</a:t>
+            </a:r>
+            <a:br>
+              <a:rPr lang="en-US" altLang="ko-KR" sz="1200">
+                <a:solidFill>
+                  <a:schemeClr val="tx1"/>
+                </a:solidFill>
+                <a:latin typeface="나눔스퀘어 Bold" panose="020B0600000101010101" pitchFamily="50" charset="-127"/>
+                <a:ea typeface="나눔스퀘어 Bold" panose="020B0600000101010101" pitchFamily="50" charset="-127"/>
+              </a:rPr>
+            </a:br>
+            <a:endParaRPr lang="en-US" altLang="ko-KR" sz="1200">
+              <a:solidFill>
+                <a:schemeClr val="tx1"/>
+              </a:solidFill>
+              <a:latin typeface="나눔스퀘어 Bold" panose="020B0600000101010101" pitchFamily="50" charset="-127"/>
+              <a:ea typeface="나눔스퀘어 Bold" panose="020B0600000101010101" pitchFamily="50" charset="-127"/>
+            </a:endParaRPr>
+          </a:p>
+          <a:p>
+            <a:r>
+              <a:rPr lang="en-US" altLang="ko-KR" sz="1200">
+                <a:solidFill>
+                  <a:schemeClr val="tx1"/>
+                </a:solidFill>
+                <a:latin typeface="나눔스퀘어 Bold" panose="020B0600000101010101" pitchFamily="50" charset="-127"/>
+                <a:ea typeface="나눔스퀘어 Bold" panose="020B0600000101010101" pitchFamily="50" charset="-127"/>
+              </a:rPr>
+              <a:t>//php</a:t>
+            </a:r>
+          </a:p>
+          <a:p>
+            <a:r>
+              <a:rPr lang="en-US" altLang="ko-KR" sz="1200">
+                <a:solidFill>
+                  <a:schemeClr val="tx1"/>
+                </a:solidFill>
+                <a:latin typeface="나눔스퀘어 Bold" panose="020B0600000101010101" pitchFamily="50" charset="-127"/>
+                <a:ea typeface="나눔스퀘어 Bold" panose="020B0600000101010101" pitchFamily="50" charset="-127"/>
+              </a:rPr>
+              <a:t>$sudo apt-get install php libapache2-mod-php php-xml php-gd php-mysql</a:t>
+            </a:r>
+            <a:endParaRPr lang="ko-KR" altLang="en-US" sz="1200">
+              <a:solidFill>
+                <a:schemeClr val="tx1"/>
+              </a:solidFill>
+              <a:latin typeface="나눔스퀘어 Bold" panose="020B0600000101010101" pitchFamily="50" charset="-127"/>
+              <a:ea typeface="나눔스퀘어 Bold" panose="020B0600000101010101" pitchFamily="50" charset="-127"/>
+            </a:endParaRPr>
+          </a:p>
+        </p:txBody>
+      </p:sp>
+      <p:sp>
+        <p:nvSpPr>
+          <p:cNvPr id="6" name="직사각형 5">
+            <a:extLst>
+              <a:ext uri="{FF2B5EF4-FFF2-40B4-BE49-F238E27FC236}">
+                <a16:creationId xmlns:a16="http://schemas.microsoft.com/office/drawing/2014/main" id="{59F0A8D5-550C-48B7-85AB-5F3B4F4617BE}"/>
+              </a:ext>
+            </a:extLst>
+          </p:cNvPr>
+          <p:cNvSpPr/>
+          <p:nvPr/>
+        </p:nvSpPr>
+        <p:spPr>
+          <a:xfrm>
+            <a:off x="1489157" y="3774524"/>
+            <a:ext cx="6912768" cy="523220"/>
+          </a:xfrm>
+          <a:prstGeom prst="rect">
+            <a:avLst/>
+          </a:prstGeom>
+          <a:solidFill>
+            <a:srgbClr val="FFFF99"/>
+          </a:solidFill>
+          <a:ln w="19050">
+            <a:noFill/>
+          </a:ln>
+        </p:spPr>
+        <p:style>
+          <a:lnRef idx="2">
+            <a:schemeClr val="accent1">
+              <a:shade val="50000"/>
+            </a:schemeClr>
+          </a:lnRef>
+          <a:fillRef idx="1">
+            <a:schemeClr val="accent1"/>
+          </a:fillRef>
+          <a:effectRef idx="0">
+            <a:schemeClr val="accent1"/>
+          </a:effectRef>
+          <a:fontRef idx="minor">
+            <a:schemeClr val="lt1"/>
+          </a:fontRef>
+        </p:style>
+        <p:txBody>
+          <a:bodyPr rot="0" spcFirstLastPara="0" vertOverflow="overflow" horzOverflow="overflow" vert="horz" wrap="square" lIns="91440" tIns="45720" rIns="91440" bIns="45720" numCol="1" spcCol="0" rtlCol="0" fromWordArt="0" anchor="t" anchorCtr="0" forceAA="0" compatLnSpc="1">
+            <a:prstTxWarp prst="textNoShape">
+              <a:avLst/>
+            </a:prstTxWarp>
+            <a:spAutoFit/>
+          </a:bodyPr>
+          <a:lstStyle/>
+          <a:p>
+            <a:r>
+              <a:rPr lang="en-US" altLang="ko-KR" sz="1400">
+                <a:solidFill>
+                  <a:schemeClr val="tx1"/>
+                </a:solidFill>
+                <a:latin typeface="나눔스퀘어 Bold" panose="020B0600000101010101" pitchFamily="50" charset="-127"/>
+                <a:ea typeface="나눔스퀘어 Bold" panose="020B0600000101010101" pitchFamily="50" charset="-127"/>
+              </a:rPr>
+              <a:t>$tar</a:t>
+            </a:r>
+            <a:r>
+              <a:rPr lang="ko-KR" altLang="en-US" sz="1400">
+                <a:solidFill>
+                  <a:schemeClr val="tx1"/>
+                </a:solidFill>
+                <a:latin typeface="나눔스퀘어 Bold" panose="020B0600000101010101" pitchFamily="50" charset="-127"/>
+                <a:ea typeface="나눔스퀘어 Bold" panose="020B0600000101010101" pitchFamily="50" charset="-127"/>
+              </a:rPr>
+              <a:t> </a:t>
+            </a:r>
+            <a:r>
+              <a:rPr lang="en-US" altLang="ko-KR" sz="1400">
+                <a:solidFill>
+                  <a:schemeClr val="tx1"/>
+                </a:solidFill>
+                <a:latin typeface="나눔스퀘어 Bold" panose="020B0600000101010101" pitchFamily="50" charset="-127"/>
+                <a:ea typeface="나눔스퀘어 Bold" panose="020B0600000101010101" pitchFamily="50" charset="-127"/>
+              </a:rPr>
+              <a:t>-xvpf   </a:t>
+            </a:r>
+            <a:r>
+              <a:rPr lang="ko-KR" altLang="en-US" sz="1400">
+                <a:solidFill>
+                  <a:schemeClr val="tx1"/>
+                </a:solidFill>
+                <a:latin typeface="나눔스퀘어 Bold" panose="020B0600000101010101" pitchFamily="50" charset="-127"/>
+                <a:ea typeface="나눔스퀘어 Bold" panose="020B0600000101010101" pitchFamily="50" charset="-127"/>
+              </a:rPr>
+              <a:t>파일명</a:t>
+            </a:r>
+            <a:r>
+              <a:rPr lang="en-US" altLang="ko-KR" sz="1400">
+                <a:solidFill>
+                  <a:schemeClr val="tx1"/>
+                </a:solidFill>
+                <a:latin typeface="나눔스퀘어 Bold" panose="020B0600000101010101" pitchFamily="50" charset="-127"/>
+                <a:ea typeface="나눔스퀘어 Bold" panose="020B0600000101010101" pitchFamily="50" charset="-127"/>
+              </a:rPr>
+              <a:t>.tar.gz</a:t>
+            </a:r>
+          </a:p>
+          <a:p>
+            <a:r>
+              <a:rPr lang="en-US" altLang="ko-KR" sz="1400">
+                <a:solidFill>
+                  <a:schemeClr val="tx1"/>
+                </a:solidFill>
+                <a:latin typeface="나눔스퀘어 Bold" panose="020B0600000101010101" pitchFamily="50" charset="-127"/>
+                <a:ea typeface="나눔스퀘어 Bold" panose="020B0600000101010101" pitchFamily="50" charset="-127"/>
+              </a:rPr>
+              <a:t>$mv </a:t>
+            </a:r>
+            <a:r>
+              <a:rPr lang="ko-KR" altLang="en-US" sz="1400">
+                <a:solidFill>
+                  <a:schemeClr val="tx1"/>
+                </a:solidFill>
+                <a:latin typeface="나눔스퀘어 Bold" panose="020B0600000101010101" pitchFamily="50" charset="-127"/>
+                <a:ea typeface="나눔스퀘어 Bold" panose="020B0600000101010101" pitchFamily="50" charset="-127"/>
+              </a:rPr>
+              <a:t>파일명 </a:t>
+            </a:r>
+            <a:r>
+              <a:rPr lang="en-US" altLang="ko-KR" sz="1400">
+                <a:solidFill>
+                  <a:schemeClr val="tx1"/>
+                </a:solidFill>
+                <a:latin typeface="나눔스퀘어 Bold" panose="020B0600000101010101" pitchFamily="50" charset="-127"/>
+                <a:ea typeface="나눔스퀘어 Bold" panose="020B0600000101010101" pitchFamily="50" charset="-127"/>
+              </a:rPr>
+              <a:t>/var/www/</a:t>
+            </a:r>
+            <a:endParaRPr lang="ko-KR" altLang="en-US" sz="1400">
+              <a:solidFill>
+                <a:schemeClr val="tx1"/>
+              </a:solidFill>
+              <a:latin typeface="나눔스퀘어 Bold" panose="020B0600000101010101" pitchFamily="50" charset="-127"/>
+              <a:ea typeface="나눔스퀘어 Bold" panose="020B0600000101010101" pitchFamily="50" charset="-127"/>
+            </a:endParaRPr>
+          </a:p>
+        </p:txBody>
+      </p:sp>
+      <p:sp>
+        <p:nvSpPr>
+          <p:cNvPr id="7" name="직사각형 6">
+            <a:extLst>
+              <a:ext uri="{FF2B5EF4-FFF2-40B4-BE49-F238E27FC236}">
+                <a16:creationId xmlns:a16="http://schemas.microsoft.com/office/drawing/2014/main" id="{19D51F17-52EB-4AB3-8475-714BBD903C51}"/>
+              </a:ext>
+            </a:extLst>
+          </p:cNvPr>
+          <p:cNvSpPr/>
+          <p:nvPr/>
+        </p:nvSpPr>
+        <p:spPr>
+          <a:xfrm>
+            <a:off x="1489157" y="5075311"/>
+            <a:ext cx="6912768" cy="307777"/>
+          </a:xfrm>
+          <a:prstGeom prst="rect">
+            <a:avLst/>
+          </a:prstGeom>
+          <a:solidFill>
+            <a:srgbClr val="FFFF99"/>
+          </a:solidFill>
+          <a:ln w="19050">
+            <a:noFill/>
+          </a:ln>
+        </p:spPr>
+        <p:style>
+          <a:lnRef idx="2">
+            <a:schemeClr val="accent1">
+              <a:shade val="50000"/>
+            </a:schemeClr>
+          </a:lnRef>
+          <a:fillRef idx="1">
+            <a:schemeClr val="accent1"/>
+          </a:fillRef>
+          <a:effectRef idx="0">
+            <a:schemeClr val="accent1"/>
+          </a:effectRef>
+          <a:fontRef idx="minor">
+            <a:schemeClr val="lt1"/>
+          </a:fontRef>
+        </p:style>
+        <p:txBody>
+          <a:bodyPr rot="0" spcFirstLastPara="0" vertOverflow="overflow" horzOverflow="overflow" vert="horz" wrap="square" lIns="91440" tIns="45720" rIns="91440" bIns="45720" numCol="1" spcCol="0" rtlCol="0" fromWordArt="0" anchor="t" anchorCtr="0" forceAA="0" compatLnSpc="1">
+            <a:prstTxWarp prst="textNoShape">
+              <a:avLst/>
+            </a:prstTxWarp>
+            <a:spAutoFit/>
+          </a:bodyPr>
+          <a:lstStyle/>
+          <a:p>
+            <a:r>
+              <a:rPr lang="en-US" altLang="ko-KR" sz="1400">
+                <a:solidFill>
+                  <a:schemeClr val="tx1"/>
+                </a:solidFill>
+                <a:latin typeface="나눔스퀘어 Bold" panose="020B0600000101010101" pitchFamily="50" charset="-127"/>
+                <a:ea typeface="나눔스퀘어 Bold" panose="020B0600000101010101" pitchFamily="50" charset="-127"/>
+              </a:rPr>
+              <a:t>$mysqldump -uroot -p &lt; __________.sql </a:t>
+            </a:r>
+            <a:endParaRPr lang="ko-KR" altLang="en-US" sz="1400">
+              <a:solidFill>
+                <a:schemeClr val="tx1"/>
+              </a:solidFill>
+              <a:latin typeface="나눔스퀘어 Bold" panose="020B0600000101010101" pitchFamily="50" charset="-127"/>
+              <a:ea typeface="나눔스퀘어 Bold" panose="020B0600000101010101" pitchFamily="50" charset="-127"/>
+            </a:endParaRPr>
+          </a:p>
+        </p:txBody>
+      </p:sp>
     </p:spTree>
     <p:extLst>
       <p:ext uri="{BB962C8B-B14F-4D97-AF65-F5344CB8AC3E}">
-        <p14:creationId xmlns:p14="http://schemas.microsoft.com/office/powerpoint/2010/main" val="3473508994"/>
+        <p14:creationId xmlns:p14="http://schemas.microsoft.com/office/powerpoint/2010/main" val="1855678178"/>
       </p:ext>
     </p:extLst>
   </p:cSld>
@@ -9565,6 +7625,50 @@
       </p:grpSpPr>
       <p:sp>
         <p:nvSpPr>
+          <p:cNvPr id="9" name="내용 개체 틀 2">
+            <a:extLst>
+              <a:ext uri="{FF2B5EF4-FFF2-40B4-BE49-F238E27FC236}">
+                <a16:creationId xmlns:a16="http://schemas.microsoft.com/office/drawing/2014/main" id="{0371F4DB-13CD-47C3-B2A8-AE9E160ACFE1}"/>
+              </a:ext>
+            </a:extLst>
+          </p:cNvPr>
+          <p:cNvSpPr>
+            <a:spLocks noGrp="1"/>
+          </p:cNvSpPr>
+          <p:nvPr>
+            <p:ph idx="1"/>
+          </p:nvPr>
+        </p:nvSpPr>
+        <p:spPr>
+          <a:xfrm>
+            <a:off x="898237" y="1052736"/>
+            <a:ext cx="8055254" cy="5646444"/>
+          </a:xfrm>
+        </p:spPr>
+        <p:txBody>
+          <a:bodyPr>
+            <a:normAutofit/>
+          </a:bodyPr>
+          <a:lstStyle/>
+          <a:p>
+            <a:r>
+              <a:rPr lang="ko-KR" altLang="en-US" sz="2400"/>
+              <a:t>복원 된 </a:t>
+            </a:r>
+            <a:r>
+              <a:rPr lang="en-US" altLang="ko-KR" sz="2400"/>
+              <a:t>DB </a:t>
+            </a:r>
+            <a:r>
+              <a:rPr lang="ko-KR" altLang="en-US" sz="2400"/>
+              <a:t>확인</a:t>
+            </a:r>
+            <a:endParaRPr lang="en-US" altLang="ko-KR" sz="2000"/>
+          </a:p>
+        </p:txBody>
+      </p:sp>
+      <p:sp>
+        <p:nvSpPr>
           <p:cNvPr id="2" name="제목 1"/>
           <p:cNvSpPr>
             <a:spLocks noGrp="1"/>
@@ -9585,11 +7689,11 @@
           <a:p>
             <a:r>
               <a:rPr lang="en-US" altLang="ko-KR"/>
-              <a:t>Device Agent </a:t>
+              <a:t>CS2 </a:t>
             </a:r>
             <a:r>
               <a:rPr lang="ko-KR" altLang="en-US"/>
-              <a:t>수정</a:t>
+              <a:t>속도 개선</a:t>
             </a:r>
             <a:endParaRPr lang="ko-KR" altLang="en-US" dirty="0"/>
           </a:p>
@@ -9597,210 +7701,172 @@
       </p:sp>
       <p:sp>
         <p:nvSpPr>
-          <p:cNvPr id="3" name="내용 개체 틀 2">
+          <p:cNvPr id="4" name="직사각형 3">
             <a:extLst>
               <a:ext uri="{FF2B5EF4-FFF2-40B4-BE49-F238E27FC236}">
-                <a16:creationId xmlns:a16="http://schemas.microsoft.com/office/drawing/2014/main" id="{B20CBE7C-153B-4286-9D38-D46D9745D45F}"/>
+                <a16:creationId xmlns:a16="http://schemas.microsoft.com/office/drawing/2014/main" id="{68BDF848-5662-4AB9-B510-498282D051F3}"/>
               </a:ext>
             </a:extLst>
           </p:cNvPr>
-          <p:cNvSpPr>
-            <a:spLocks noGrp="1"/>
-          </p:cNvSpPr>
-          <p:nvPr>
-            <p:ph idx="1"/>
-          </p:nvPr>
+          <p:cNvSpPr/>
+          <p:nvPr/>
         </p:nvSpPr>
         <p:spPr>
           <a:xfrm>
-            <a:off x="898237" y="1052736"/>
-            <a:ext cx="8055254" cy="5646444"/>
-          </a:xfrm>
-        </p:spPr>
-        <p:txBody>
-          <a:bodyPr>
-            <a:normAutofit/>
+            <a:off x="1489157" y="1628800"/>
+            <a:ext cx="6912768" cy="954107"/>
+          </a:xfrm>
+          <a:prstGeom prst="rect">
+            <a:avLst/>
+          </a:prstGeom>
+          <a:solidFill>
+            <a:srgbClr val="FFFF99"/>
+          </a:solidFill>
+          <a:ln w="19050">
+            <a:noFill/>
+          </a:ln>
+        </p:spPr>
+        <p:style>
+          <a:lnRef idx="2">
+            <a:schemeClr val="accent1">
+              <a:shade val="50000"/>
+            </a:schemeClr>
+          </a:lnRef>
+          <a:fillRef idx="1">
+            <a:schemeClr val="accent1"/>
+          </a:fillRef>
+          <a:effectRef idx="0">
+            <a:schemeClr val="accent1"/>
+          </a:effectRef>
+          <a:fontRef idx="minor">
+            <a:schemeClr val="lt1"/>
+          </a:fontRef>
+        </p:style>
+        <p:txBody>
+          <a:bodyPr rot="0" spcFirstLastPara="0" vertOverflow="overflow" horzOverflow="overflow" vert="horz" wrap="square" lIns="91440" tIns="45720" rIns="91440" bIns="45720" numCol="1" spcCol="0" rtlCol="0" fromWordArt="0" anchor="t" anchorCtr="0" forceAA="0" compatLnSpc="1">
+            <a:prstTxWarp prst="textNoShape">
+              <a:avLst/>
+            </a:prstTxWarp>
+            <a:spAutoFit/>
           </a:bodyPr>
           <a:lstStyle/>
           <a:p>
             <a:r>
-              <a:rPr lang="en-US" altLang="ko-KR" sz="2400"/>
-              <a:t>rule</a:t>
-            </a:r>
-            <a:r>
-              <a:rPr lang="ko-KR" altLang="en-US" sz="2400"/>
-              <a:t> 스크립트 작성 부 추가</a:t>
-            </a:r>
-            <a:endParaRPr lang="en-US" altLang="ko-KR" sz="2400"/>
-          </a:p>
-          <a:p>
-            <a:pPr lvl="1"/>
-            <a:r>
-              <a:rPr lang="en-US" altLang="ko-KR" sz="2000"/>
-              <a:t>ruleWriter.py</a:t>
-            </a:r>
-          </a:p>
-          <a:p>
-            <a:pPr lvl="1"/>
-            <a:endParaRPr lang="en-US" altLang="ko-KR" sz="2000"/>
-          </a:p>
-          <a:p>
-            <a:pPr lvl="1"/>
-            <a:endParaRPr lang="en-US" altLang="ko-KR" sz="2000"/>
-          </a:p>
-          <a:p>
-            <a:pPr lvl="1"/>
-            <a:endParaRPr lang="en-US" altLang="ko-KR" sz="2000"/>
-          </a:p>
-          <a:p>
-            <a:pPr lvl="1"/>
-            <a:endParaRPr lang="en-US" altLang="ko-KR" sz="2000"/>
-          </a:p>
-          <a:p>
-            <a:pPr marL="457200" lvl="1" indent="0">
-              <a:buNone/>
-            </a:pPr>
-            <a:endParaRPr lang="en-US" altLang="ko-KR" sz="2000"/>
-          </a:p>
-          <a:p>
-            <a:r>
-              <a:rPr lang="en-US" altLang="ko-KR" sz="2400"/>
-              <a:t>Gateway(odroid)</a:t>
-            </a:r>
-            <a:r>
-              <a:rPr lang="ko-KR" altLang="en-US" sz="2400"/>
-              <a:t>에 연결된 </a:t>
-            </a:r>
-            <a:r>
-              <a:rPr lang="en-US" altLang="ko-KR" sz="2400"/>
-              <a:t>Device, Resource </a:t>
-            </a:r>
-            <a:r>
-              <a:rPr lang="ko-KR" altLang="en-US" sz="2400"/>
-              <a:t>조사</a:t>
-            </a:r>
-            <a:endParaRPr lang="en-US" altLang="ko-KR" sz="2400"/>
-          </a:p>
-          <a:p>
-            <a:pPr lvl="1"/>
-            <a:r>
-              <a:rPr lang="en-US" altLang="ko-KR" sz="2000"/>
-              <a:t>Gateway</a:t>
-            </a:r>
-            <a:r>
-              <a:rPr lang="ko-KR" altLang="en-US" sz="2000"/>
-              <a:t>에 연결된 </a:t>
-            </a:r>
-            <a:r>
-              <a:rPr lang="en-US" altLang="ko-KR" sz="2000"/>
-              <a:t>Device</a:t>
-            </a:r>
-            <a:r>
-              <a:rPr lang="ko-KR" altLang="en-US" sz="2000"/>
-              <a:t>가 조회되지않으면 아무내용도 저장하지 않는다</a:t>
-            </a:r>
-            <a:r>
-              <a:rPr lang="en-US" altLang="ko-KR" sz="2000"/>
-              <a:t>.</a:t>
-            </a:r>
-          </a:p>
-          <a:p>
-            <a:pPr lvl="1"/>
-            <a:r>
-              <a:rPr lang="en-US" altLang="ko-KR" sz="2000">
+              <a:rPr lang="en-US" altLang="ko-KR" sz="1400">
                 <a:solidFill>
-                  <a:schemeClr val="bg1">
-                    <a:lumMod val="50000"/>
-                  </a:schemeClr>
+                  <a:schemeClr val="tx1"/>
                 </a:solidFill>
+                <a:latin typeface="나눔스퀘어 Bold" panose="020B0600000101010101" pitchFamily="50" charset="-127"/>
+                <a:ea typeface="나눔스퀘어 Bold" panose="020B0600000101010101" pitchFamily="50" charset="-127"/>
               </a:rPr>
-              <a:t>Device</a:t>
-            </a:r>
-            <a:r>
-              <a:rPr lang="ko-KR" altLang="en-US" sz="2000">
+              <a:t>$mysql</a:t>
+            </a:r>
+            <a:r>
+              <a:rPr lang="ko-KR" altLang="en-US" sz="1400">
                 <a:solidFill>
-                  <a:schemeClr val="bg1">
-                    <a:lumMod val="50000"/>
-                  </a:schemeClr>
+                  <a:schemeClr val="tx1"/>
                 </a:solidFill>
+                <a:latin typeface="나눔스퀘어 Bold" panose="020B0600000101010101" pitchFamily="50" charset="-127"/>
+                <a:ea typeface="나눔스퀘어 Bold" panose="020B0600000101010101" pitchFamily="50" charset="-127"/>
               </a:rPr>
-              <a:t>에 연결된 </a:t>
-            </a:r>
-            <a:r>
-              <a:rPr lang="en-US" altLang="ko-KR" sz="2000">
+              <a:t> </a:t>
+            </a:r>
+            <a:r>
+              <a:rPr lang="en-US" altLang="ko-KR" sz="1400">
                 <a:solidFill>
-                  <a:schemeClr val="bg1">
-                    <a:lumMod val="50000"/>
-                  </a:schemeClr>
+                  <a:schemeClr val="tx1"/>
                 </a:solidFill>
+                <a:latin typeface="나눔스퀘어 Bold" panose="020B0600000101010101" pitchFamily="50" charset="-127"/>
+                <a:ea typeface="나눔스퀘어 Bold" panose="020B0600000101010101" pitchFamily="50" charset="-127"/>
               </a:rPr>
-              <a:t>Resource</a:t>
-            </a:r>
-            <a:r>
-              <a:rPr lang="ko-KR" altLang="en-US" sz="2000">
+              <a:t>-uroot</a:t>
+            </a:r>
+            <a:r>
+              <a:rPr lang="ko-KR" altLang="en-US" sz="1400">
                 <a:solidFill>
-                  <a:schemeClr val="bg1">
-                    <a:lumMod val="50000"/>
-                  </a:schemeClr>
+                  <a:schemeClr val="tx1"/>
                 </a:solidFill>
+                <a:latin typeface="나눔스퀘어 Bold" panose="020B0600000101010101" pitchFamily="50" charset="-127"/>
+                <a:ea typeface="나눔스퀘어 Bold" panose="020B0600000101010101" pitchFamily="50" charset="-127"/>
               </a:rPr>
-              <a:t>가 조회되지 않으면</a:t>
-            </a:r>
-            <a:r>
-              <a:rPr lang="en-US" altLang="ko-KR" sz="2000">
+              <a:t> </a:t>
+            </a:r>
+            <a:r>
+              <a:rPr lang="en-US" altLang="ko-KR" sz="1400">
                 <a:solidFill>
-                  <a:schemeClr val="bg1">
-                    <a:lumMod val="50000"/>
-                  </a:schemeClr>
+                  <a:schemeClr val="tx1"/>
                 </a:solidFill>
+                <a:latin typeface="나눔스퀘어 Bold" panose="020B0600000101010101" pitchFamily="50" charset="-127"/>
+                <a:ea typeface="나눔스퀘어 Bold" panose="020B0600000101010101" pitchFamily="50" charset="-127"/>
               </a:rPr>
-              <a:t>, Device </a:t>
-            </a:r>
-            <a:r>
-              <a:rPr lang="ko-KR" altLang="en-US" sz="2000">
+              <a:t>-p</a:t>
+            </a:r>
+          </a:p>
+          <a:p>
+            <a:r>
+              <a:rPr lang="en-US" altLang="ko-KR" sz="1400">
                 <a:solidFill>
-                  <a:schemeClr val="bg1">
-                    <a:lumMod val="50000"/>
-                  </a:schemeClr>
+                  <a:schemeClr val="tx1"/>
                 </a:solidFill>
+                <a:latin typeface="나눔스퀘어 Bold" panose="020B0600000101010101" pitchFamily="50" charset="-127"/>
+                <a:ea typeface="나눔스퀘어 Bold" panose="020B0600000101010101" pitchFamily="50" charset="-127"/>
               </a:rPr>
-              <a:t>정보 또한 저장</a:t>
-            </a:r>
-            <a:r>
-              <a:rPr lang="en-US" altLang="ko-KR" sz="2000">
+              <a:t>//</a:t>
+            </a:r>
+            <a:r>
+              <a:rPr lang="ko-KR" altLang="en-US" sz="1400">
                 <a:solidFill>
-                  <a:schemeClr val="bg1">
-                    <a:lumMod val="50000"/>
-                  </a:schemeClr>
+                  <a:schemeClr val="tx1"/>
                 </a:solidFill>
+                <a:latin typeface="나눔스퀘어 Bold" panose="020B0600000101010101" pitchFamily="50" charset="-127"/>
+                <a:ea typeface="나눔스퀘어 Bold" panose="020B0600000101010101" pitchFamily="50" charset="-127"/>
               </a:rPr>
-              <a:t>x </a:t>
-            </a:r>
-            <a:r>
-              <a:rPr lang="ko-KR" altLang="en-US" sz="2000"/>
-              <a:t>→ </a:t>
-            </a:r>
-            <a:r>
-              <a:rPr lang="en-US" altLang="ko-KR" sz="2000"/>
-              <a:t>Device </a:t>
-            </a:r>
-            <a:r>
-              <a:rPr lang="ko-KR" altLang="en-US" sz="2000"/>
-              <a:t>정보만 저장</a:t>
-            </a:r>
-            <a:r>
-              <a:rPr lang="en-US" altLang="ko-KR" sz="2000"/>
-              <a:t>.</a:t>
-            </a:r>
+              <a:t>비밀번호 입력</a:t>
+            </a:r>
+            <a:endParaRPr lang="en-US" altLang="ko-KR" sz="1400">
+              <a:solidFill>
+                <a:schemeClr val="tx1"/>
+              </a:solidFill>
+              <a:latin typeface="나눔스퀘어 Bold" panose="020B0600000101010101" pitchFamily="50" charset="-127"/>
+              <a:ea typeface="나눔스퀘어 Bold" panose="020B0600000101010101" pitchFamily="50" charset="-127"/>
+            </a:endParaRPr>
+          </a:p>
+          <a:p>
+            <a:endParaRPr lang="en-US" altLang="ko-KR" sz="1400">
+              <a:solidFill>
+                <a:schemeClr val="tx1"/>
+              </a:solidFill>
+              <a:latin typeface="나눔스퀘어 Bold" panose="020B0600000101010101" pitchFamily="50" charset="-127"/>
+              <a:ea typeface="나눔스퀘어 Bold" panose="020B0600000101010101" pitchFamily="50" charset="-127"/>
+            </a:endParaRPr>
+          </a:p>
+          <a:p>
+            <a:r>
+              <a:rPr lang="en-US" altLang="ko-KR" sz="1400">
+                <a:solidFill>
+                  <a:schemeClr val="tx1"/>
+                </a:solidFill>
+                <a:latin typeface="나눔스퀘어 Bold" panose="020B0600000101010101" pitchFamily="50" charset="-127"/>
+                <a:ea typeface="나눔스퀘어 Bold" panose="020B0600000101010101" pitchFamily="50" charset="-127"/>
+              </a:rPr>
+              <a:t>mysql&gt; SHOW databases;</a:t>
+            </a:r>
+            <a:endParaRPr lang="ko-KR" altLang="en-US" sz="1400">
+              <a:solidFill>
+                <a:schemeClr val="tx1"/>
+              </a:solidFill>
+              <a:latin typeface="나눔스퀘어 Bold" panose="020B0600000101010101" pitchFamily="50" charset="-127"/>
+              <a:ea typeface="나눔스퀘어 Bold" panose="020B0600000101010101" pitchFamily="50" charset="-127"/>
+            </a:endParaRPr>
           </a:p>
         </p:txBody>
       </p:sp>
       <p:pic>
         <p:nvPicPr>
-          <p:cNvPr id="4" name="그림 3">
+          <p:cNvPr id="3" name="그림 2">
             <a:extLst>
               <a:ext uri="{FF2B5EF4-FFF2-40B4-BE49-F238E27FC236}">
-                <a16:creationId xmlns:a16="http://schemas.microsoft.com/office/drawing/2014/main" id="{AE746DAC-E2DE-4F0B-AA57-D29D2FC0819D}"/>
+                <a16:creationId xmlns:a16="http://schemas.microsoft.com/office/drawing/2014/main" id="{2A44F7AE-240C-4DC1-81AE-0977CCB4632A}"/>
               </a:ext>
             </a:extLst>
           </p:cNvPr>
@@ -9817,18 +7883,144 @@
         </p:blipFill>
         <p:spPr>
           <a:xfrm>
-            <a:off x="1619672" y="1988840"/>
-            <a:ext cx="5184576" cy="1625016"/>
+            <a:off x="1619672" y="2762749"/>
+            <a:ext cx="5112568" cy="3704994"/>
           </a:xfrm>
           <a:prstGeom prst="rect">
             <a:avLst/>
           </a:prstGeom>
         </p:spPr>
       </p:pic>
+      <p:sp>
+        <p:nvSpPr>
+          <p:cNvPr id="5" name="직사각형 4">
+            <a:extLst>
+              <a:ext uri="{FF2B5EF4-FFF2-40B4-BE49-F238E27FC236}">
+                <a16:creationId xmlns:a16="http://schemas.microsoft.com/office/drawing/2014/main" id="{FDD56F5C-2DB4-4DD9-A237-BEA8652F8032}"/>
+              </a:ext>
+            </a:extLst>
+          </p:cNvPr>
+          <p:cNvSpPr/>
+          <p:nvPr/>
+        </p:nvSpPr>
+        <p:spPr>
+          <a:xfrm>
+            <a:off x="1619672" y="5949280"/>
+            <a:ext cx="1440160" cy="216024"/>
+          </a:xfrm>
+          <a:prstGeom prst="rect">
+            <a:avLst/>
+          </a:prstGeom>
+          <a:noFill/>
+          <a:ln w="25400">
+            <a:solidFill>
+              <a:srgbClr val="FF0000"/>
+            </a:solidFill>
+          </a:ln>
+        </p:spPr>
+        <p:style>
+          <a:lnRef idx="2">
+            <a:schemeClr val="accent1">
+              <a:shade val="50000"/>
+            </a:schemeClr>
+          </a:lnRef>
+          <a:fillRef idx="1">
+            <a:schemeClr val="accent1"/>
+          </a:fillRef>
+          <a:effectRef idx="0">
+            <a:schemeClr val="accent1"/>
+          </a:effectRef>
+          <a:fontRef idx="minor">
+            <a:schemeClr val="lt1"/>
+          </a:fontRef>
+        </p:style>
+        <p:txBody>
+          <a:bodyPr rot="0" spcFirstLastPara="0" vertOverflow="overflow" horzOverflow="overflow" vert="horz" wrap="square" lIns="91440" tIns="45720" rIns="91440" bIns="45720" numCol="1" spcCol="0" rtlCol="0" fromWordArt="0" anchor="t" anchorCtr="0" forceAA="0" compatLnSpc="1">
+            <a:prstTxWarp prst="textNoShape">
+              <a:avLst/>
+            </a:prstTxWarp>
+            <a:spAutoFit/>
+          </a:bodyPr>
+          <a:lstStyle/>
+          <a:p>
+            <a:pPr algn="l"/>
+            <a:endParaRPr lang="ko-KR" altLang="en-US" sz="1400">
+              <a:solidFill>
+                <a:schemeClr val="tx1"/>
+              </a:solidFill>
+              <a:latin typeface="나눔스퀘어 Bold" panose="020B0600000101010101" pitchFamily="50" charset="-127"/>
+              <a:ea typeface="나눔스퀘어 Bold" panose="020B0600000101010101" pitchFamily="50" charset="-127"/>
+            </a:endParaRPr>
+          </a:p>
+        </p:txBody>
+      </p:sp>
+      <p:sp>
+        <p:nvSpPr>
+          <p:cNvPr id="7" name="직사각형 6">
+            <a:extLst>
+              <a:ext uri="{FF2B5EF4-FFF2-40B4-BE49-F238E27FC236}">
+                <a16:creationId xmlns:a16="http://schemas.microsoft.com/office/drawing/2014/main" id="{EF11F867-3F4A-48ED-B36F-60BBF78B9EE1}"/>
+              </a:ext>
+            </a:extLst>
+          </p:cNvPr>
+          <p:cNvSpPr/>
+          <p:nvPr/>
+        </p:nvSpPr>
+        <p:spPr>
+          <a:xfrm>
+            <a:off x="2627784" y="3332366"/>
+            <a:ext cx="1224136" cy="144016"/>
+          </a:xfrm>
+          <a:prstGeom prst="rect">
+            <a:avLst/>
+          </a:prstGeom>
+          <a:solidFill>
+            <a:schemeClr val="bg1"/>
+          </a:solidFill>
+          <a:ln w="19050">
+            <a:noFill/>
+          </a:ln>
+        </p:spPr>
+        <p:style>
+          <a:lnRef idx="2">
+            <a:schemeClr val="accent1">
+              <a:shade val="50000"/>
+            </a:schemeClr>
+          </a:lnRef>
+          <a:fillRef idx="1">
+            <a:schemeClr val="accent1"/>
+          </a:fillRef>
+          <a:effectRef idx="0">
+            <a:schemeClr val="accent1"/>
+          </a:effectRef>
+          <a:fontRef idx="minor">
+            <a:schemeClr val="lt1"/>
+          </a:fontRef>
+        </p:style>
+        <p:txBody>
+          <a:bodyPr rot="0" spcFirstLastPara="0" vertOverflow="overflow" horzOverflow="overflow" vert="horz" wrap="square" lIns="91440" tIns="45720" rIns="91440" bIns="45720" numCol="1" spcCol="0" rtlCol="0" fromWordArt="0" anchor="t" anchorCtr="0" forceAA="0" compatLnSpc="1">
+            <a:prstTxWarp prst="textNoShape">
+              <a:avLst/>
+            </a:prstTxWarp>
+            <a:spAutoFit/>
+          </a:bodyPr>
+          <a:lstStyle/>
+          <a:p>
+            <a:pPr algn="l"/>
+            <a:endParaRPr lang="ko-KR" altLang="en-US" sz="1400">
+              <a:solidFill>
+                <a:schemeClr val="tx1"/>
+              </a:solidFill>
+              <a:latin typeface="나눔스퀘어 Bold" panose="020B0600000101010101" pitchFamily="50" charset="-127"/>
+              <a:ea typeface="나눔스퀘어 Bold" panose="020B0600000101010101" pitchFamily="50" charset="-127"/>
+            </a:endParaRPr>
+          </a:p>
+        </p:txBody>
+      </p:sp>
     </p:spTree>
     <p:extLst>
       <p:ext uri="{BB962C8B-B14F-4D97-AF65-F5344CB8AC3E}">
-        <p14:creationId xmlns:p14="http://schemas.microsoft.com/office/powerpoint/2010/main" val="3237967523"/>
+        <p14:creationId xmlns:p14="http://schemas.microsoft.com/office/powerpoint/2010/main" val="1576084363"/>
       </p:ext>
     </p:extLst>
   </p:cSld>
@@ -9857,6 +8049,164 @@
       </p:grpSpPr>
       <p:sp>
         <p:nvSpPr>
+          <p:cNvPr id="9" name="내용 개체 틀 2">
+            <a:extLst>
+              <a:ext uri="{FF2B5EF4-FFF2-40B4-BE49-F238E27FC236}">
+                <a16:creationId xmlns:a16="http://schemas.microsoft.com/office/drawing/2014/main" id="{0371F4DB-13CD-47C3-B2A8-AE9E160ACFE1}"/>
+              </a:ext>
+            </a:extLst>
+          </p:cNvPr>
+          <p:cNvSpPr>
+            <a:spLocks noGrp="1"/>
+          </p:cNvSpPr>
+          <p:nvPr>
+            <p:ph idx="1"/>
+          </p:nvPr>
+        </p:nvSpPr>
+        <p:spPr>
+          <a:xfrm>
+            <a:off x="898237" y="1052736"/>
+            <a:ext cx="8055254" cy="5646444"/>
+          </a:xfrm>
+        </p:spPr>
+        <p:txBody>
+          <a:bodyPr>
+            <a:normAutofit/>
+          </a:bodyPr>
+          <a:lstStyle/>
+          <a:p>
+            <a:r>
+              <a:rPr lang="en-US" altLang="ko-KR" sz="2400"/>
+              <a:t>apache2 root </a:t>
+            </a:r>
+            <a:r>
+              <a:rPr lang="ko-KR" altLang="en-US" sz="2400"/>
+              <a:t>디렉토리 설정</a:t>
+            </a:r>
+            <a:endParaRPr lang="en-US" altLang="ko-KR" sz="2400"/>
+          </a:p>
+          <a:p>
+            <a:endParaRPr lang="en-US" altLang="ko-KR" sz="2400"/>
+          </a:p>
+          <a:p>
+            <a:endParaRPr lang="en-US" altLang="ko-KR" sz="2400"/>
+          </a:p>
+          <a:p>
+            <a:endParaRPr lang="en-US" altLang="ko-KR" sz="2400"/>
+          </a:p>
+          <a:p>
+            <a:pPr marL="0" indent="0">
+              <a:buNone/>
+            </a:pPr>
+            <a:endParaRPr lang="en-US" altLang="ko-KR" sz="2400"/>
+          </a:p>
+          <a:p>
+            <a:pPr lvl="1"/>
+            <a:endParaRPr lang="en-US" altLang="ko-KR" sz="2000"/>
+          </a:p>
+          <a:p>
+            <a:pPr lvl="1"/>
+            <a:endParaRPr lang="en-US" altLang="ko-KR" sz="2000"/>
+          </a:p>
+          <a:p>
+            <a:pPr lvl="1"/>
+            <a:endParaRPr lang="en-US" altLang="ko-KR" sz="2000"/>
+          </a:p>
+          <a:p>
+            <a:pPr lvl="1"/>
+            <a:r>
+              <a:rPr lang="en-US" altLang="ko-KR" sz="2000"/>
+              <a:t>/var/www/html </a:t>
+            </a:r>
+            <a:r>
+              <a:rPr lang="ko-KR" altLang="en-US" sz="2000"/>
+              <a:t>→ </a:t>
+            </a:r>
+            <a:r>
+              <a:rPr lang="en-US" altLang="ko-KR" sz="2000"/>
+              <a:t>/var/www/ </a:t>
+            </a:r>
+            <a:r>
+              <a:rPr lang="ko-KR" altLang="en-US" sz="2000"/>
+              <a:t>로 수정</a:t>
+            </a:r>
+            <a:endParaRPr lang="en-US" altLang="ko-KR" sz="2000"/>
+          </a:p>
+          <a:p>
+            <a:pPr lvl="1"/>
+            <a:r>
+              <a:rPr lang="en-US" altLang="ko-KR" sz="2000"/>
+              <a:t>apache2.conf</a:t>
+            </a:r>
+            <a:r>
+              <a:rPr lang="ko-KR" altLang="en-US" sz="2000"/>
+              <a:t>의 경우</a:t>
+            </a:r>
+            <a:r>
+              <a:rPr lang="en-US" altLang="ko-KR" sz="2000"/>
+              <a:t>, ServerName </a:t>
+            </a:r>
+            <a:r>
+              <a:rPr lang="ko-KR" altLang="en-US" sz="2000"/>
+              <a:t>설정 필요</a:t>
+            </a:r>
+            <a:endParaRPr lang="en-US" altLang="ko-KR" sz="2000"/>
+          </a:p>
+          <a:p>
+            <a:pPr lvl="1"/>
+            <a:endParaRPr lang="en-US" altLang="ko-KR" sz="2000"/>
+          </a:p>
+          <a:p>
+            <a:pPr lvl="1"/>
+            <a:r>
+              <a:rPr lang="ko-KR" altLang="en-US" sz="2000"/>
+              <a:t>만일</a:t>
+            </a:r>
+            <a:r>
+              <a:rPr lang="en-US" altLang="ko-KR" sz="2000"/>
+              <a:t>, </a:t>
+            </a:r>
+            <a:r>
+              <a:rPr lang="ko-KR" altLang="en-US" sz="2000"/>
+              <a:t>위와 다른 특정디렉토리에 </a:t>
+            </a:r>
+            <a:r>
+              <a:rPr lang="en-US" altLang="ko-KR" sz="2000"/>
+              <a:t>wordpress</a:t>
+            </a:r>
+            <a:r>
+              <a:rPr lang="ko-KR" altLang="en-US" sz="2000"/>
+              <a:t>를 두고자 한다면</a:t>
+            </a:r>
+            <a:r>
+              <a:rPr lang="en-US" altLang="ko-KR" sz="2000"/>
+              <a:t>, </a:t>
+            </a:r>
+            <a:r>
+              <a:rPr lang="ko-KR" altLang="en-US" sz="2000"/>
+              <a:t>해당 경로로 설정해주어야 함</a:t>
+            </a:r>
+            <a:r>
+              <a:rPr lang="en-US" altLang="ko-KR" sz="2000"/>
+              <a:t>.</a:t>
+            </a:r>
+            <a:endParaRPr lang="en-US" altLang="ko-KR"/>
+          </a:p>
+          <a:p>
+            <a:pPr lvl="1"/>
+            <a:endParaRPr lang="en-US" altLang="ko-KR" sz="2000"/>
+          </a:p>
+          <a:p>
+            <a:pPr lvl="1"/>
+            <a:endParaRPr lang="en-US" altLang="ko-KR" sz="2000"/>
+          </a:p>
+          <a:p>
+            <a:endParaRPr lang="en-US" altLang="ko-KR" sz="2000"/>
+          </a:p>
+        </p:txBody>
+      </p:sp>
+      <p:sp>
+        <p:nvSpPr>
           <p:cNvPr id="2" name="제목 1"/>
           <p:cNvSpPr>
             <a:spLocks noGrp="1"/>
@@ -9877,74 +8227,22 @@
           <a:p>
             <a:r>
               <a:rPr lang="en-US" altLang="ko-KR"/>
-              <a:t>Device Agent </a:t>
+              <a:t>CS2 </a:t>
             </a:r>
             <a:r>
               <a:rPr lang="ko-KR" altLang="en-US"/>
-              <a:t>수정</a:t>
+              <a:t>속도 개선</a:t>
             </a:r>
             <a:endParaRPr lang="ko-KR" altLang="en-US" dirty="0"/>
           </a:p>
         </p:txBody>
       </p:sp>
-      <p:sp>
-        <p:nvSpPr>
-          <p:cNvPr id="3" name="내용 개체 틀 2">
+      <p:pic>
+        <p:nvPicPr>
+          <p:cNvPr id="3" name="그림 2">
             <a:extLst>
               <a:ext uri="{FF2B5EF4-FFF2-40B4-BE49-F238E27FC236}">
-                <a16:creationId xmlns:a16="http://schemas.microsoft.com/office/drawing/2014/main" id="{B20CBE7C-153B-4286-9D38-D46D9745D45F}"/>
-              </a:ext>
-            </a:extLst>
-          </p:cNvPr>
-          <p:cNvSpPr>
-            <a:spLocks noGrp="1"/>
-          </p:cNvSpPr>
-          <p:nvPr>
-            <p:ph idx="1"/>
-          </p:nvPr>
-        </p:nvSpPr>
-        <p:spPr>
-          <a:xfrm>
-            <a:off x="898237" y="1052736"/>
-            <a:ext cx="8055254" cy="5646444"/>
-          </a:xfrm>
-        </p:spPr>
-        <p:txBody>
-          <a:bodyPr>
-            <a:normAutofit/>
-          </a:bodyPr>
-          <a:lstStyle/>
-          <a:p>
-            <a:r>
-              <a:rPr lang="en-US" altLang="ko-KR" sz="2400"/>
-              <a:t>rule</a:t>
-            </a:r>
-            <a:r>
-              <a:rPr lang="ko-KR" altLang="en-US" sz="2400"/>
-              <a:t> 스크립트 작성 부 추가</a:t>
-            </a:r>
-            <a:endParaRPr lang="en-US" altLang="ko-KR" sz="2400"/>
-          </a:p>
-          <a:p>
-            <a:pPr lvl="1"/>
-            <a:r>
-              <a:rPr lang="ko-KR" altLang="en-US" sz="2000"/>
-              <a:t>저장된 메타데이터를 통해 센서를 특정함</a:t>
-            </a:r>
-            <a:endParaRPr lang="en-US" altLang="ko-KR" sz="2000"/>
-          </a:p>
-          <a:p>
-            <a:pPr lvl="1"/>
-            <a:endParaRPr lang="en-US" altLang="ko-KR" sz="2000"/>
-          </a:p>
-        </p:txBody>
-      </p:sp>
-      <p:pic>
-        <p:nvPicPr>
-          <p:cNvPr id="5" name="그림 4">
-            <a:extLst>
-              <a:ext uri="{FF2B5EF4-FFF2-40B4-BE49-F238E27FC236}">
-                <a16:creationId xmlns:a16="http://schemas.microsoft.com/office/drawing/2014/main" id="{473DC88D-34A9-4938-B744-242FA9351518}"/>
+                <a16:creationId xmlns:a16="http://schemas.microsoft.com/office/drawing/2014/main" id="{9A4722DE-738D-4866-8605-FFFEEE7D35D1}"/>
               </a:ext>
             </a:extLst>
           </p:cNvPr>
@@ -9961,8 +8259,8 @@
         </p:blipFill>
         <p:spPr>
           <a:xfrm>
-            <a:off x="2123728" y="1981076"/>
-            <a:ext cx="5112568" cy="4718104"/>
+            <a:off x="1469480" y="2036112"/>
+            <a:ext cx="2238424" cy="1023280"/>
           </a:xfrm>
           <a:prstGeom prst="rect">
             <a:avLst/>
@@ -9971,10 +8269,10 @@
       </p:pic>
       <p:sp>
         <p:nvSpPr>
-          <p:cNvPr id="6" name="직사각형 5">
+          <p:cNvPr id="8" name="직사각형 7">
             <a:extLst>
               <a:ext uri="{FF2B5EF4-FFF2-40B4-BE49-F238E27FC236}">
-                <a16:creationId xmlns:a16="http://schemas.microsoft.com/office/drawing/2014/main" id="{BE7C76F2-F381-4D65-97B0-D8E37B14FE2A}"/>
+                <a16:creationId xmlns:a16="http://schemas.microsoft.com/office/drawing/2014/main" id="{97835786-DA94-4C27-80BC-85297A88A2FD}"/>
               </a:ext>
             </a:extLst>
           </p:cNvPr>
@@ -9983,17 +8281,17 @@
         </p:nvSpPr>
         <p:spPr>
           <a:xfrm>
-            <a:off x="1987296" y="5424130"/>
-            <a:ext cx="5393016" cy="1173222"/>
+            <a:off x="1469480" y="1654932"/>
+            <a:ext cx="6912768" cy="307777"/>
           </a:xfrm>
           <a:prstGeom prst="rect">
             <a:avLst/>
           </a:prstGeom>
-          <a:noFill/>
+          <a:solidFill>
+            <a:srgbClr val="FFFF99"/>
+          </a:solidFill>
           <a:ln w="19050">
-            <a:solidFill>
-              <a:srgbClr val="FF0000"/>
-            </a:solidFill>
+            <a:noFill/>
           </a:ln>
         </p:spPr>
         <p:style>
@@ -10013,15 +8311,44 @@
           </a:fontRef>
         </p:style>
         <p:txBody>
-          <a:bodyPr rot="0" spcFirstLastPara="0" vertOverflow="overflow" horzOverflow="overflow" vert="horz" wrap="square" lIns="91440" tIns="45720" rIns="91440" bIns="45720" numCol="1" spcCol="0" rtlCol="0" fromWordArt="0" anchor="ctr" anchorCtr="0" forceAA="0" compatLnSpc="1">
+          <a:bodyPr rot="0" spcFirstLastPara="0" vertOverflow="overflow" horzOverflow="overflow" vert="horz" wrap="square" lIns="91440" tIns="45720" rIns="91440" bIns="45720" numCol="1" spcCol="0" rtlCol="0" fromWordArt="0" anchor="t" anchorCtr="0" forceAA="0" compatLnSpc="1">
             <a:prstTxWarp prst="textNoShape">
               <a:avLst/>
             </a:prstTxWarp>
-            <a:noAutofit/>
+            <a:spAutoFit/>
           </a:bodyPr>
           <a:lstStyle/>
           <a:p>
-            <a:pPr algn="ctr"/>
+            <a:r>
+              <a:rPr lang="en-US" altLang="ko-KR" sz="1400">
+                <a:solidFill>
+                  <a:schemeClr val="tx1"/>
+                </a:solidFill>
+                <a:latin typeface="나눔스퀘어 Bold" panose="020B0600000101010101" pitchFamily="50" charset="-127"/>
+                <a:ea typeface="나눔스퀘어 Bold" panose="020B0600000101010101" pitchFamily="50" charset="-127"/>
+              </a:rPr>
+              <a:t>$sudo vim</a:t>
+            </a:r>
+            <a:r>
+              <a:rPr lang="ko-KR" altLang="en-US" sz="1400">
+                <a:solidFill>
+                  <a:schemeClr val="tx1"/>
+                </a:solidFill>
+                <a:latin typeface="나눔스퀘어 Bold" panose="020B0600000101010101" pitchFamily="50" charset="-127"/>
+                <a:ea typeface="나눔스퀘어 Bold" panose="020B0600000101010101" pitchFamily="50" charset="-127"/>
+              </a:rPr>
+              <a:t> </a:t>
+            </a:r>
+            <a:r>
+              <a:rPr lang="en-US" altLang="ko-KR" sz="1400">
+                <a:solidFill>
+                  <a:schemeClr val="tx1"/>
+                </a:solidFill>
+                <a:latin typeface="나눔스퀘어 Bold" panose="020B0600000101010101" pitchFamily="50" charset="-127"/>
+                <a:ea typeface="나눔스퀘어 Bold" panose="020B0600000101010101" pitchFamily="50" charset="-127"/>
+              </a:rPr>
+              <a:t>/etc/apache2/apache2.conf</a:t>
+            </a:r>
             <a:endParaRPr lang="ko-KR" altLang="en-US" sz="1400">
               <a:solidFill>
                 <a:schemeClr val="tx1"/>
@@ -10034,10 +8361,10 @@
       </p:sp>
       <p:sp>
         <p:nvSpPr>
-          <p:cNvPr id="7" name="직사각형 6">
+          <p:cNvPr id="6" name="직사각형 5">
             <a:extLst>
               <a:ext uri="{FF2B5EF4-FFF2-40B4-BE49-F238E27FC236}">
-                <a16:creationId xmlns:a16="http://schemas.microsoft.com/office/drawing/2014/main" id="{593B3213-394C-421B-8EE4-5C291746394C}"/>
+                <a16:creationId xmlns:a16="http://schemas.microsoft.com/office/drawing/2014/main" id="{5646209E-C7FB-4C5D-B1B8-3327255F8F77}"/>
               </a:ext>
             </a:extLst>
           </p:cNvPr>
@@ -10046,17 +8373,17 @@
         </p:nvSpPr>
         <p:spPr>
           <a:xfrm>
-            <a:off x="1973976" y="4149080"/>
-            <a:ext cx="5406336" cy="720080"/>
+            <a:off x="1469480" y="3132795"/>
+            <a:ext cx="6912768" cy="307777"/>
           </a:xfrm>
           <a:prstGeom prst="rect">
             <a:avLst/>
           </a:prstGeom>
-          <a:noFill/>
+          <a:solidFill>
+            <a:srgbClr val="FFFF99"/>
+          </a:solidFill>
           <a:ln w="19050">
-            <a:solidFill>
-              <a:srgbClr val="FF0000"/>
-            </a:solidFill>
+            <a:noFill/>
           </a:ln>
         </p:spPr>
         <p:style>
@@ -10076,15 +8403,44 @@
           </a:fontRef>
         </p:style>
         <p:txBody>
-          <a:bodyPr rot="0" spcFirstLastPara="0" vertOverflow="overflow" horzOverflow="overflow" vert="horz" wrap="square" lIns="91440" tIns="45720" rIns="91440" bIns="45720" numCol="1" spcCol="0" rtlCol="0" fromWordArt="0" anchor="ctr" anchorCtr="0" forceAA="0" compatLnSpc="1">
+          <a:bodyPr rot="0" spcFirstLastPara="0" vertOverflow="overflow" horzOverflow="overflow" vert="horz" wrap="square" lIns="91440" tIns="45720" rIns="91440" bIns="45720" numCol="1" spcCol="0" rtlCol="0" fromWordArt="0" anchor="t" anchorCtr="0" forceAA="0" compatLnSpc="1">
             <a:prstTxWarp prst="textNoShape">
               <a:avLst/>
             </a:prstTxWarp>
-            <a:noAutofit/>
+            <a:spAutoFit/>
           </a:bodyPr>
           <a:lstStyle/>
           <a:p>
-            <a:pPr algn="ctr"/>
+            <a:r>
+              <a:rPr lang="en-US" altLang="ko-KR" sz="1400">
+                <a:solidFill>
+                  <a:schemeClr val="tx1"/>
+                </a:solidFill>
+                <a:latin typeface="나눔스퀘어 Bold" panose="020B0600000101010101" pitchFamily="50" charset="-127"/>
+                <a:ea typeface="나눔스퀘어 Bold" panose="020B0600000101010101" pitchFamily="50" charset="-127"/>
+              </a:rPr>
+              <a:t>$sudo vim</a:t>
+            </a:r>
+            <a:r>
+              <a:rPr lang="ko-KR" altLang="en-US" sz="1400">
+                <a:solidFill>
+                  <a:schemeClr val="tx1"/>
+                </a:solidFill>
+                <a:latin typeface="나눔스퀘어 Bold" panose="020B0600000101010101" pitchFamily="50" charset="-127"/>
+                <a:ea typeface="나눔스퀘어 Bold" panose="020B0600000101010101" pitchFamily="50" charset="-127"/>
+              </a:rPr>
+              <a:t> </a:t>
+            </a:r>
+            <a:r>
+              <a:rPr lang="en-US" altLang="ko-KR" sz="1400">
+                <a:solidFill>
+                  <a:schemeClr val="tx1"/>
+                </a:solidFill>
+                <a:latin typeface="나눔스퀘어 Bold" panose="020B0600000101010101" pitchFamily="50" charset="-127"/>
+                <a:ea typeface="나눔스퀘어 Bold" panose="020B0600000101010101" pitchFamily="50" charset="-127"/>
+              </a:rPr>
+              <a:t>/etc/apache2/site-available/000-default.conf</a:t>
+            </a:r>
             <a:endParaRPr lang="ko-KR" altLang="en-US" sz="1400">
               <a:solidFill>
                 <a:schemeClr val="tx1"/>
@@ -10095,10 +8451,165 @@
           </a:p>
         </p:txBody>
       </p:sp>
+      <p:pic>
+        <p:nvPicPr>
+          <p:cNvPr id="4" name="그림 3">
+            <a:extLst>
+              <a:ext uri="{FF2B5EF4-FFF2-40B4-BE49-F238E27FC236}">
+                <a16:creationId xmlns:a16="http://schemas.microsoft.com/office/drawing/2014/main" id="{0C0440BE-7FA5-4C89-8237-CEDB4CA36602}"/>
+              </a:ext>
+            </a:extLst>
+          </p:cNvPr>
+          <p:cNvPicPr>
+            <a:picLocks noChangeAspect="1"/>
+          </p:cNvPicPr>
+          <p:nvPr/>
+        </p:nvPicPr>
+        <p:blipFill rotWithShape="1">
+          <a:blip r:embed="rId4"/>
+          <a:srcRect t="69119"/>
+          <a:stretch/>
+        </p:blipFill>
+        <p:spPr>
+          <a:xfrm>
+            <a:off x="1455797" y="3560387"/>
+            <a:ext cx="5236245" cy="631142"/>
+          </a:xfrm>
+          <a:prstGeom prst="rect">
+            <a:avLst/>
+          </a:prstGeom>
+        </p:spPr>
+      </p:pic>
+      <p:sp>
+        <p:nvSpPr>
+          <p:cNvPr id="10" name="직사각형 9">
+            <a:extLst>
+              <a:ext uri="{FF2B5EF4-FFF2-40B4-BE49-F238E27FC236}">
+                <a16:creationId xmlns:a16="http://schemas.microsoft.com/office/drawing/2014/main" id="{002B4157-5547-4094-A81A-AE2EE387E0A0}"/>
+              </a:ext>
+            </a:extLst>
+          </p:cNvPr>
+          <p:cNvSpPr/>
+          <p:nvPr/>
+        </p:nvSpPr>
+        <p:spPr>
+          <a:xfrm>
+            <a:off x="2699792" y="3804828"/>
+            <a:ext cx="1368152" cy="144016"/>
+          </a:xfrm>
+          <a:prstGeom prst="rect">
+            <a:avLst/>
+          </a:prstGeom>
+          <a:solidFill>
+            <a:schemeClr val="bg1"/>
+          </a:solidFill>
+          <a:ln w="19050">
+            <a:noFill/>
+          </a:ln>
+        </p:spPr>
+        <p:style>
+          <a:lnRef idx="2">
+            <a:schemeClr val="accent1">
+              <a:shade val="50000"/>
+            </a:schemeClr>
+          </a:lnRef>
+          <a:fillRef idx="1">
+            <a:schemeClr val="accent1"/>
+          </a:fillRef>
+          <a:effectRef idx="0">
+            <a:schemeClr val="accent1"/>
+          </a:effectRef>
+          <a:fontRef idx="minor">
+            <a:schemeClr val="lt1"/>
+          </a:fontRef>
+        </p:style>
+        <p:txBody>
+          <a:bodyPr rot="0" spcFirstLastPara="0" vertOverflow="overflow" horzOverflow="overflow" vert="horz" wrap="square" lIns="91440" tIns="45720" rIns="91440" bIns="45720" numCol="1" spcCol="0" rtlCol="0" fromWordArt="0" anchor="t" anchorCtr="0" forceAA="0" compatLnSpc="1">
+            <a:prstTxWarp prst="textNoShape">
+              <a:avLst/>
+            </a:prstTxWarp>
+            <a:spAutoFit/>
+          </a:bodyPr>
+          <a:lstStyle/>
+          <a:p>
+            <a:pPr algn="l"/>
+            <a:endParaRPr lang="ko-KR" altLang="en-US" sz="1400">
+              <a:solidFill>
+                <a:schemeClr val="tx1"/>
+              </a:solidFill>
+              <a:latin typeface="나눔스퀘어 Bold" panose="020B0600000101010101" pitchFamily="50" charset="-127"/>
+              <a:ea typeface="나눔스퀘어 Bold" panose="020B0600000101010101" pitchFamily="50" charset="-127"/>
+            </a:endParaRPr>
+          </a:p>
+        </p:txBody>
+      </p:sp>
+      <p:sp>
+        <p:nvSpPr>
+          <p:cNvPr id="12" name="직사각형 11">
+            <a:extLst>
+              <a:ext uri="{FF2B5EF4-FFF2-40B4-BE49-F238E27FC236}">
+                <a16:creationId xmlns:a16="http://schemas.microsoft.com/office/drawing/2014/main" id="{F7386DEF-BDAA-4D22-9A45-16CA014ACF2C}"/>
+              </a:ext>
+            </a:extLst>
+          </p:cNvPr>
+          <p:cNvSpPr/>
+          <p:nvPr/>
+        </p:nvSpPr>
+        <p:spPr>
+          <a:xfrm>
+            <a:off x="1683659" y="2060848"/>
+            <a:ext cx="1224136" cy="144016"/>
+          </a:xfrm>
+          <a:prstGeom prst="rect">
+            <a:avLst/>
+          </a:prstGeom>
+          <a:solidFill>
+            <a:schemeClr val="bg1"/>
+          </a:solidFill>
+          <a:ln w="19050">
+            <a:noFill/>
+          </a:ln>
+        </p:spPr>
+        <p:style>
+          <a:lnRef idx="2">
+            <a:schemeClr val="accent1">
+              <a:shade val="50000"/>
+            </a:schemeClr>
+          </a:lnRef>
+          <a:fillRef idx="1">
+            <a:schemeClr val="accent1"/>
+          </a:fillRef>
+          <a:effectRef idx="0">
+            <a:schemeClr val="accent1"/>
+          </a:effectRef>
+          <a:fontRef idx="minor">
+            <a:schemeClr val="lt1"/>
+          </a:fontRef>
+        </p:style>
+        <p:txBody>
+          <a:bodyPr rot="0" spcFirstLastPara="0" vertOverflow="overflow" horzOverflow="overflow" vert="horz" wrap="square" lIns="91440" tIns="45720" rIns="91440" bIns="45720" numCol="1" spcCol="0" rtlCol="0" fromWordArt="0" anchor="t" anchorCtr="0" forceAA="0" compatLnSpc="1">
+            <a:prstTxWarp prst="textNoShape">
+              <a:avLst/>
+            </a:prstTxWarp>
+            <a:spAutoFit/>
+          </a:bodyPr>
+          <a:lstStyle/>
+          <a:p>
+            <a:pPr algn="l"/>
+            <a:endParaRPr lang="ko-KR" altLang="en-US" sz="1400">
+              <a:solidFill>
+                <a:schemeClr val="tx1"/>
+              </a:solidFill>
+              <a:latin typeface="나눔스퀘어 Bold" panose="020B0600000101010101" pitchFamily="50" charset="-127"/>
+              <a:ea typeface="나눔스퀘어 Bold" panose="020B0600000101010101" pitchFamily="50" charset="-127"/>
+            </a:endParaRPr>
+          </a:p>
+        </p:txBody>
+      </p:sp>
     </p:spTree>
     <p:extLst>
       <p:ext uri="{BB962C8B-B14F-4D97-AF65-F5344CB8AC3E}">
-        <p14:creationId xmlns:p14="http://schemas.microsoft.com/office/powerpoint/2010/main" val="400210210"/>
+        <p14:creationId xmlns:p14="http://schemas.microsoft.com/office/powerpoint/2010/main" val="996645628"/>
       </p:ext>
     </p:extLst>
   </p:cSld>
@@ -10155,7 +8666,7 @@
           <a:p>
             <a:r>
               <a:rPr lang="ko-KR" altLang="en-US" sz="2400"/>
-              <a:t>이전 방식</a:t>
+              <a:t>고유주소 설정</a:t>
             </a:r>
             <a:endParaRPr lang="en-US" altLang="ko-KR" sz="2400"/>
           </a:p>
@@ -10163,216 +8674,117 @@
             <a:pPr lvl="1"/>
             <a:r>
               <a:rPr lang="en-US" altLang="ko-KR" sz="2000"/>
-              <a:t>(</a:t>
+              <a:t>cs2.sch.ac.kr/wordpress </a:t>
             </a:r>
             <a:r>
               <a:rPr lang="ko-KR" altLang="en-US" sz="2000"/>
-              <a:t>구</a:t>
+              <a:t>→ </a:t>
             </a:r>
             <a:r>
               <a:rPr lang="en-US" altLang="ko-KR" sz="2000"/>
-              <a:t>) </a:t>
+              <a:t>cs2.sch.ac.kr </a:t>
             </a:r>
             <a:r>
               <a:rPr lang="ko-KR" altLang="en-US" sz="2000"/>
-              <a:t>봉서산 </a:t>
-            </a:r>
+              <a:t>로 변경</a:t>
+            </a:r>
+            <a:endParaRPr lang="en-US" altLang="ko-KR" sz="2000"/>
+          </a:p>
+          <a:p>
+            <a:pPr lvl="1"/>
             <a:r>
               <a:rPr lang="en-US" altLang="ko-KR" sz="2000"/>
-              <a:t>HDD : 300GB </a:t>
-            </a:r>
-            <a:r>
-              <a:rPr lang="en-US" altLang="ko-KR" sz="1800"/>
-              <a:t>(Ubuntu 14.04)</a:t>
-            </a:r>
+              <a:t>/var/www</a:t>
+            </a:r>
+            <a:r>
+              <a:rPr lang="ko-KR" altLang="en-US" sz="2000"/>
+              <a:t>로 아래의 파일들을 복사</a:t>
+            </a:r>
+            <a:endParaRPr lang="en-US" altLang="ko-KR" sz="2000"/>
+          </a:p>
+          <a:p>
+            <a:pPr lvl="2"/>
+            <a:r>
+              <a:rPr lang="en-US" altLang="ko-KR" sz="1600"/>
+              <a:t>/var/www/wordpress/index.php</a:t>
+            </a:r>
+          </a:p>
+          <a:p>
+            <a:pPr lvl="2"/>
+            <a:r>
+              <a:rPr lang="en-US" altLang="ko-KR" sz="1600"/>
+              <a:t>/var/www/wordpress/.htaccess</a:t>
+            </a:r>
+            <a:br>
+              <a:rPr lang="en-US" altLang="ko-KR" sz="1600"/>
+            </a:br>
+            <a:r>
+              <a:rPr lang="ko-KR" altLang="en-US" sz="1600"/>
+              <a:t>→ </a:t>
+            </a:r>
+            <a:r>
+              <a:rPr lang="en-US" altLang="ko-KR" sz="1600"/>
+              <a:t>.htaccess </a:t>
+            </a:r>
+            <a:r>
+              <a:rPr lang="ko-KR" altLang="en-US" sz="1600"/>
+              <a:t>파일의 경우</a:t>
+            </a:r>
+            <a:r>
+              <a:rPr lang="en-US" altLang="ko-KR" sz="1600"/>
+              <a:t>, </a:t>
+            </a:r>
+            <a:r>
+              <a:rPr lang="ko-KR" altLang="en-US" sz="1600"/>
+              <a:t>없다면 </a:t>
+            </a:r>
+            <a:r>
+              <a:rPr lang="en-US" altLang="ko-KR" sz="1600"/>
+              <a:t>wordpress </a:t>
+            </a:r>
+            <a:r>
+              <a:rPr lang="ko-KR" altLang="en-US" sz="1600"/>
+              <a:t>관리자페이지에 접속하여 설정 </a:t>
+            </a:r>
+            <a:r>
+              <a:rPr lang="en-US" altLang="ko-KR" sz="1600"/>
+              <a:t>- </a:t>
+            </a:r>
+            <a:r>
+              <a:rPr lang="ko-KR" altLang="en-US" sz="1600"/>
+              <a:t>고유주소 에서 일반 설정을 아무렇게 바꾸면 생성됨</a:t>
+            </a:r>
+            <a:br>
+              <a:rPr lang="en-US" altLang="ko-KR" sz="1600"/>
+            </a:br>
+            <a:r>
+              <a:rPr lang="ko-KR" altLang="en-US" sz="1600"/>
+              <a:t>→ 혹은 직접 만들어 줄 것</a:t>
+            </a:r>
+            <a:endParaRPr lang="en-US" altLang="ko-KR" sz="1600"/>
+          </a:p>
+          <a:p>
+            <a:pPr lvl="1"/>
             <a:r>
               <a:rPr lang="en-US" altLang="ko-KR" sz="2000"/>
-              <a:t> + 300GB </a:t>
-            </a:r>
-            <a:r>
-              <a:rPr lang="en-US" altLang="ko-KR" sz="1800"/>
-              <a:t>(Backup)</a:t>
-            </a:r>
-          </a:p>
-          <a:p>
-            <a:pPr lvl="1"/>
+              <a:t>.htaccess</a:t>
+            </a:r>
             <a:r>
               <a:rPr lang="ko-KR" altLang="en-US" sz="2000"/>
-              <a:t>기존에 설치되어있던 </a:t>
+              <a:t>파일 </a:t>
             </a:r>
             <a:r>
               <a:rPr lang="en-US" altLang="ko-KR" sz="2000"/>
-              <a:t>HDD</a:t>
+              <a:t>: RewriteRule </a:t>
             </a:r>
             <a:r>
               <a:rPr lang="ko-KR" altLang="en-US" sz="2000"/>
-              <a:t>를 새로 구매한 </a:t>
-            </a:r>
-            <a:r>
-              <a:rPr lang="en-US" altLang="ko-KR" sz="2000"/>
-              <a:t>2TB HDD</a:t>
-            </a:r>
-            <a:r>
-              <a:rPr lang="ko-KR" altLang="en-US" sz="2000"/>
-              <a:t>에 </a:t>
-            </a:r>
-            <a:r>
-              <a:rPr lang="en-US" altLang="ko-KR" sz="2000"/>
-              <a:t>dump.</a:t>
-            </a:r>
-          </a:p>
-          <a:p>
-            <a:pPr lvl="1"/>
+              <a:t>경로를 아래와 같이 수정</a:t>
+            </a:r>
             <a:endParaRPr lang="en-US" altLang="ko-KR" sz="2000"/>
           </a:p>
           <a:p>
-            <a:pPr lvl="1"/>
-            <a:r>
-              <a:rPr lang="ko-KR" altLang="en-US" sz="2000"/>
-              <a:t>이전 </a:t>
-            </a:r>
-            <a:r>
-              <a:rPr lang="en-US" altLang="ko-KR" sz="2000"/>
-              <a:t>Backup HDD, </a:t>
-            </a:r>
-            <a:r>
-              <a:rPr lang="ko-KR" altLang="en-US" sz="2000"/>
-              <a:t>외장 하드는 동일하게 사용</a:t>
-            </a:r>
-            <a:r>
-              <a:rPr lang="en-US" altLang="ko-KR" sz="2000"/>
-              <a:t>. </a:t>
-            </a:r>
-            <a:r>
-              <a:rPr lang="ko-KR" altLang="en-US" sz="2000"/>
-              <a:t>따라서 </a:t>
-            </a:r>
-            <a:r>
-              <a:rPr lang="en-US" altLang="ko-KR" sz="2000"/>
-              <a:t>OS</a:t>
-            </a:r>
-            <a:r>
-              <a:rPr lang="ko-KR" altLang="en-US" sz="2000"/>
-              <a:t>가 설치된 </a:t>
-            </a:r>
-            <a:r>
-              <a:rPr lang="en-US" altLang="ko-KR" sz="2000"/>
-              <a:t>HDD</a:t>
-            </a:r>
-            <a:r>
-              <a:rPr lang="ko-KR" altLang="en-US" sz="2000"/>
-              <a:t>의 용량만 늘려 사용</a:t>
-            </a:r>
             <a:endParaRPr lang="en-US" altLang="ko-KR" sz="2000"/>
-          </a:p>
-          <a:p>
-            <a:pPr lvl="1"/>
-            <a:endParaRPr lang="en-US" altLang="ko-KR" sz="2000"/>
-          </a:p>
-          <a:p>
-            <a:r>
-              <a:rPr lang="ko-KR" altLang="en-US" sz="2400"/>
-              <a:t>이전 방식 문제점</a:t>
-            </a:r>
-            <a:endParaRPr lang="en-US" altLang="ko-KR" sz="2400"/>
-          </a:p>
-          <a:p>
-            <a:pPr lvl="1"/>
-            <a:r>
-              <a:rPr lang="en-US" altLang="ko-KR" sz="2000"/>
-              <a:t>(</a:t>
-            </a:r>
-            <a:r>
-              <a:rPr lang="ko-KR" altLang="en-US" sz="2000"/>
-              <a:t>구</a:t>
-            </a:r>
-            <a:r>
-              <a:rPr lang="en-US" altLang="ko-KR" sz="2000"/>
-              <a:t>) </a:t>
-            </a:r>
-            <a:r>
-              <a:rPr lang="ko-KR" altLang="en-US" sz="2000"/>
-              <a:t>봉서산 </a:t>
-            </a:r>
-            <a:r>
-              <a:rPr lang="en-US" altLang="ko-KR" sz="2000"/>
-              <a:t>HDD</a:t>
-            </a:r>
-            <a:r>
-              <a:rPr lang="ko-KR" altLang="en-US" sz="2000"/>
-              <a:t>와 속도차이가 거의 없음</a:t>
-            </a:r>
-            <a:r>
-              <a:rPr lang="en-US" altLang="ko-KR" sz="2000"/>
-              <a:t>.</a:t>
-            </a:r>
-          </a:p>
-          <a:p>
-            <a:pPr lvl="2"/>
-            <a:r>
-              <a:rPr lang="ko-KR" altLang="en-US" sz="1600"/>
-              <a:t>장기간 사용한 </a:t>
-            </a:r>
-            <a:r>
-              <a:rPr lang="en-US" altLang="ko-KR" sz="1600"/>
-              <a:t>HDD</a:t>
-            </a:r>
-            <a:r>
-              <a:rPr lang="ko-KR" altLang="en-US" sz="1600"/>
-              <a:t>의 환경을 그대로 가져왔으므로 속도향상 기대 어려움</a:t>
-            </a:r>
-            <a:endParaRPr lang="en-US" altLang="ko-KR" sz="1600"/>
-          </a:p>
-          <a:p>
-            <a:pPr lvl="1"/>
-            <a:r>
-              <a:rPr lang="en-US" altLang="ko-KR" sz="2000"/>
-              <a:t>GRUB</a:t>
-            </a:r>
-            <a:r>
-              <a:rPr lang="ko-KR" altLang="en-US" sz="2000"/>
-              <a:t> </a:t>
-            </a:r>
-            <a:r>
-              <a:rPr lang="en-US" altLang="ko-KR" sz="2000"/>
-              <a:t>timeout</a:t>
-            </a:r>
-            <a:r>
-              <a:rPr lang="ko-KR" altLang="en-US" sz="2000"/>
-              <a:t> 설정 미반영</a:t>
-            </a:r>
-            <a:endParaRPr lang="en-US" altLang="ko-KR" sz="2000"/>
-          </a:p>
-          <a:p>
-            <a:pPr lvl="2"/>
-            <a:r>
-              <a:rPr lang="ko-KR" altLang="en-US" sz="1600"/>
-              <a:t>부팅 시</a:t>
-            </a:r>
-            <a:r>
-              <a:rPr lang="en-US" altLang="ko-KR" sz="1600"/>
-              <a:t>, GRUB </a:t>
-            </a:r>
-            <a:r>
-              <a:rPr lang="ko-KR" altLang="en-US" sz="1600"/>
-              <a:t>화면에서 엔터를 누르기 전까지 부팅되지 않음</a:t>
-            </a:r>
-            <a:r>
-              <a:rPr lang="en-US" altLang="ko-KR" sz="1600"/>
-              <a:t>.	</a:t>
-            </a:r>
-          </a:p>
-          <a:p>
-            <a:pPr lvl="2"/>
-            <a:r>
-              <a:rPr lang="en-US" altLang="ko-KR" sz="1600"/>
-              <a:t>GRUB </a:t>
-            </a:r>
-            <a:r>
-              <a:rPr lang="ko-KR" altLang="en-US" sz="1600"/>
-              <a:t>설정을 변경하여도 반영되지 않음</a:t>
-            </a:r>
-            <a:endParaRPr lang="en-US" altLang="ko-KR" sz="1600"/>
           </a:p>
         </p:txBody>
       </p:sp>
@@ -10408,10 +8820,166 @@
           </a:p>
         </p:txBody>
       </p:sp>
+      <p:pic>
+        <p:nvPicPr>
+          <p:cNvPr id="5" name="그림 4">
+            <a:extLst>
+              <a:ext uri="{FF2B5EF4-FFF2-40B4-BE49-F238E27FC236}">
+                <a16:creationId xmlns:a16="http://schemas.microsoft.com/office/drawing/2014/main" id="{EFDCFF8B-FA3F-4ED7-97D7-C39F60D3E881}"/>
+              </a:ext>
+            </a:extLst>
+          </p:cNvPr>
+          <p:cNvPicPr>
+            <a:picLocks noChangeAspect="1"/>
+          </p:cNvPicPr>
+          <p:nvPr/>
+        </p:nvPicPr>
+        <p:blipFill>
+          <a:blip r:embed="rId3"/>
+          <a:stretch>
+            <a:fillRect/>
+          </a:stretch>
+        </p:blipFill>
+        <p:spPr>
+          <a:xfrm>
+            <a:off x="1907704" y="3933056"/>
+            <a:ext cx="5174989" cy="2646212"/>
+          </a:xfrm>
+          <a:prstGeom prst="rect">
+            <a:avLst/>
+          </a:prstGeom>
+        </p:spPr>
+      </p:pic>
+      <p:sp>
+        <p:nvSpPr>
+          <p:cNvPr id="6" name="직사각형 5">
+            <a:extLst>
+              <a:ext uri="{FF2B5EF4-FFF2-40B4-BE49-F238E27FC236}">
+                <a16:creationId xmlns:a16="http://schemas.microsoft.com/office/drawing/2014/main" id="{60F5587F-D119-4768-8858-B6A007CC378F}"/>
+              </a:ext>
+            </a:extLst>
+          </p:cNvPr>
+          <p:cNvSpPr/>
+          <p:nvPr/>
+        </p:nvSpPr>
+        <p:spPr>
+          <a:xfrm>
+            <a:off x="1798690" y="4797152"/>
+            <a:ext cx="5393016" cy="504056"/>
+          </a:xfrm>
+          <a:prstGeom prst="rect">
+            <a:avLst/>
+          </a:prstGeom>
+          <a:noFill/>
+          <a:ln w="19050">
+            <a:solidFill>
+              <a:srgbClr val="FF0000"/>
+            </a:solidFill>
+          </a:ln>
+        </p:spPr>
+        <p:style>
+          <a:lnRef idx="2">
+            <a:schemeClr val="accent1">
+              <a:shade val="50000"/>
+            </a:schemeClr>
+          </a:lnRef>
+          <a:fillRef idx="1">
+            <a:schemeClr val="accent1"/>
+          </a:fillRef>
+          <a:effectRef idx="0">
+            <a:schemeClr val="accent1"/>
+          </a:effectRef>
+          <a:fontRef idx="minor">
+            <a:schemeClr val="lt1"/>
+          </a:fontRef>
+        </p:style>
+        <p:txBody>
+          <a:bodyPr rot="0" spcFirstLastPara="0" vertOverflow="overflow" horzOverflow="overflow" vert="horz" wrap="square" lIns="91440" tIns="45720" rIns="91440" bIns="45720" numCol="1" spcCol="0" rtlCol="0" fromWordArt="0" anchor="ctr" anchorCtr="0" forceAA="0" compatLnSpc="1">
+            <a:prstTxWarp prst="textNoShape">
+              <a:avLst/>
+            </a:prstTxWarp>
+            <a:noAutofit/>
+          </a:bodyPr>
+          <a:lstStyle/>
+          <a:p>
+            <a:pPr algn="ctr"/>
+            <a:endParaRPr lang="ko-KR" altLang="en-US" sz="1400">
+              <a:solidFill>
+                <a:schemeClr val="tx1"/>
+              </a:solidFill>
+              <a:latin typeface="나눔스퀘어 Bold" panose="020B0600000101010101" pitchFamily="50" charset="-127"/>
+              <a:ea typeface="나눔스퀘어 Bold" panose="020B0600000101010101" pitchFamily="50" charset="-127"/>
+            </a:endParaRPr>
+          </a:p>
+        </p:txBody>
+      </p:sp>
+      <p:sp>
+        <p:nvSpPr>
+          <p:cNvPr id="7" name="직사각형 6">
+            <a:extLst>
+              <a:ext uri="{FF2B5EF4-FFF2-40B4-BE49-F238E27FC236}">
+                <a16:creationId xmlns:a16="http://schemas.microsoft.com/office/drawing/2014/main" id="{72EA11BD-F053-4EBD-93CC-50B4E79D4510}"/>
+              </a:ext>
+            </a:extLst>
+          </p:cNvPr>
+          <p:cNvSpPr/>
+          <p:nvPr/>
+        </p:nvSpPr>
+        <p:spPr>
+          <a:xfrm>
+            <a:off x="2123728" y="3972417"/>
+            <a:ext cx="1224136" cy="144016"/>
+          </a:xfrm>
+          <a:prstGeom prst="rect">
+            <a:avLst/>
+          </a:prstGeom>
+          <a:solidFill>
+            <a:schemeClr val="bg1"/>
+          </a:solidFill>
+          <a:ln w="19050">
+            <a:noFill/>
+          </a:ln>
+        </p:spPr>
+        <p:style>
+          <a:lnRef idx="2">
+            <a:schemeClr val="accent1">
+              <a:shade val="50000"/>
+            </a:schemeClr>
+          </a:lnRef>
+          <a:fillRef idx="1">
+            <a:schemeClr val="accent1"/>
+          </a:fillRef>
+          <a:effectRef idx="0">
+            <a:schemeClr val="accent1"/>
+          </a:effectRef>
+          <a:fontRef idx="minor">
+            <a:schemeClr val="lt1"/>
+          </a:fontRef>
+        </p:style>
+        <p:txBody>
+          <a:bodyPr rot="0" spcFirstLastPara="0" vertOverflow="overflow" horzOverflow="overflow" vert="horz" wrap="square" lIns="91440" tIns="45720" rIns="91440" bIns="45720" numCol="1" spcCol="0" rtlCol="0" fromWordArt="0" anchor="t" anchorCtr="0" forceAA="0" compatLnSpc="1">
+            <a:prstTxWarp prst="textNoShape">
+              <a:avLst/>
+            </a:prstTxWarp>
+            <a:spAutoFit/>
+          </a:bodyPr>
+          <a:lstStyle/>
+          <a:p>
+            <a:pPr algn="l"/>
+            <a:endParaRPr lang="ko-KR" altLang="en-US" sz="1400">
+              <a:solidFill>
+                <a:schemeClr val="tx1"/>
+              </a:solidFill>
+              <a:latin typeface="나눔스퀘어 Bold" panose="020B0600000101010101" pitchFamily="50" charset="-127"/>
+              <a:ea typeface="나눔스퀘어 Bold" panose="020B0600000101010101" pitchFamily="50" charset="-127"/>
+            </a:endParaRPr>
+          </a:p>
+        </p:txBody>
+      </p:sp>
     </p:spTree>
     <p:extLst>
       <p:ext uri="{BB962C8B-B14F-4D97-AF65-F5344CB8AC3E}">
-        <p14:creationId xmlns:p14="http://schemas.microsoft.com/office/powerpoint/2010/main" val="3280254913"/>
+        <p14:creationId xmlns:p14="http://schemas.microsoft.com/office/powerpoint/2010/main" val="2611332880"/>
       </p:ext>
     </p:extLst>
   </p:cSld>
@@ -10468,141 +9036,28 @@
           <a:p>
             <a:r>
               <a:rPr lang="ko-KR" altLang="en-US" sz="2400"/>
-              <a:t>개선 사항</a:t>
-            </a:r>
+              <a:t>고유주소 설정</a:t>
+            </a:r>
+            <a:endParaRPr lang="en-US" altLang="ko-KR" sz="2400"/>
           </a:p>
           <a:p>
             <a:pPr lvl="1"/>
             <a:r>
               <a:rPr lang="en-US" altLang="ko-KR" sz="2000"/>
-              <a:t>Ubuntu 16.04 LTS </a:t>
+              <a:t>index.php</a:t>
             </a:r>
             <a:r>
               <a:rPr lang="ko-KR" altLang="en-US" sz="2000"/>
-              <a:t>설치 후</a:t>
+              <a:t> 파일 </a:t>
             </a:r>
             <a:r>
               <a:rPr lang="en-US" altLang="ko-KR" sz="2000"/>
-              <a:t>, Wordpress, APM</a:t>
+              <a:t>: </a:t>
             </a:r>
             <a:r>
               <a:rPr lang="ko-KR" altLang="en-US" sz="2000"/>
-              <a:t>을 따로 설치</a:t>
-            </a:r>
-            <a:r>
-              <a:rPr lang="en-US" altLang="ko-KR" sz="2000"/>
-              <a:t>.</a:t>
-            </a:r>
-          </a:p>
-          <a:p>
-            <a:pPr lvl="1"/>
-            <a:r>
-              <a:rPr lang="en-US" altLang="ko-KR" sz="2000"/>
-              <a:t>APM : Apache2, php</a:t>
-            </a:r>
-          </a:p>
-          <a:p>
-            <a:endParaRPr lang="en-US" altLang="ko-KR" sz="2400"/>
-          </a:p>
-          <a:p>
-            <a:r>
-              <a:rPr lang="en-US" altLang="ko-KR" sz="2400"/>
-              <a:t>Wordpress </a:t>
-            </a:r>
-            <a:r>
-              <a:rPr lang="ko-KR" altLang="en-US" sz="2400"/>
-              <a:t>백업</a:t>
-            </a:r>
-          </a:p>
-          <a:p>
-            <a:pPr lvl="1"/>
-            <a:r>
-              <a:rPr lang="en-US" altLang="ko-KR" sz="2000"/>
-              <a:t>(</a:t>
-            </a:r>
-            <a:r>
-              <a:rPr lang="ko-KR" altLang="en-US" sz="2000"/>
-              <a:t>구</a:t>
-            </a:r>
-            <a:r>
-              <a:rPr lang="en-US" altLang="ko-KR" sz="2000"/>
-              <a:t>) </a:t>
-            </a:r>
-            <a:r>
-              <a:rPr lang="ko-KR" altLang="en-US" sz="2000"/>
-              <a:t>봉서산 </a:t>
-            </a:r>
-            <a:r>
-              <a:rPr lang="en-US" altLang="ko-KR" sz="2000"/>
-              <a:t>HDD</a:t>
-            </a:r>
-            <a:r>
-              <a:rPr lang="ko-KR" altLang="en-US" sz="2000"/>
-              <a:t>의 </a:t>
-            </a:r>
-            <a:r>
-              <a:rPr lang="en-US" altLang="ko-KR" sz="2000"/>
-              <a:t>Wordpress </a:t>
-            </a:r>
-            <a:r>
-              <a:rPr lang="ko-KR" altLang="en-US" sz="2000"/>
-              <a:t>폴더 백업</a:t>
-            </a:r>
-          </a:p>
-          <a:p>
-            <a:pPr lvl="1"/>
-            <a:r>
-              <a:rPr lang="en-US" altLang="ko-KR" sz="2000"/>
-              <a:t>/var/www/wordpress</a:t>
-            </a:r>
-          </a:p>
-          <a:p>
-            <a:pPr lvl="1"/>
-            <a:endParaRPr lang="en-US" altLang="ko-KR" sz="2000"/>
-          </a:p>
-          <a:p>
-            <a:pPr lvl="1"/>
-            <a:endParaRPr lang="en-US" altLang="ko-KR" sz="2000"/>
-          </a:p>
-          <a:p>
-            <a:r>
-              <a:rPr lang="en-US" altLang="ko-KR" sz="2400"/>
-              <a:t>Mysql</a:t>
-            </a:r>
-            <a:r>
-              <a:rPr lang="ko-KR" altLang="en-US" sz="2400"/>
-              <a:t> </a:t>
-            </a:r>
-            <a:r>
-              <a:rPr lang="en-US" altLang="ko-KR" sz="2400"/>
-              <a:t>dump</a:t>
-            </a:r>
-          </a:p>
-          <a:p>
-            <a:pPr lvl="1"/>
-            <a:r>
-              <a:rPr lang="en-US" altLang="ko-KR" sz="2000"/>
-              <a:t>Mysql </a:t>
-            </a:r>
-            <a:r>
-              <a:rPr lang="ko-KR" altLang="en-US" sz="2000"/>
-              <a:t>서버의 모든 </a:t>
-            </a:r>
-            <a:r>
-              <a:rPr lang="en-US" altLang="ko-KR" sz="2000"/>
-              <a:t>DB</a:t>
-            </a:r>
-            <a:r>
-              <a:rPr lang="ko-KR" altLang="en-US" sz="2000"/>
-              <a:t>를 가져옴</a:t>
-            </a:r>
-            <a:r>
-              <a:rPr lang="en-US" altLang="ko-KR" sz="2000"/>
-              <a:t>.</a:t>
-            </a:r>
-          </a:p>
-          <a:p>
-            <a:pPr lvl="1"/>
+              <a:t>아래의 그림과 같이 경로수정</a:t>
+            </a:r>
             <a:endParaRPr lang="en-US" altLang="ko-KR" sz="2000"/>
           </a:p>
         </p:txBody>
@@ -10639,12 +9094,42 @@
           </a:p>
         </p:txBody>
       </p:sp>
-      <p:sp>
-        <p:nvSpPr>
-          <p:cNvPr id="3" name="직사각형 2">
+      <p:pic>
+        <p:nvPicPr>
+          <p:cNvPr id="3" name="그림 2">
             <a:extLst>
               <a:ext uri="{FF2B5EF4-FFF2-40B4-BE49-F238E27FC236}">
-                <a16:creationId xmlns:a16="http://schemas.microsoft.com/office/drawing/2014/main" id="{8EAA83B3-0439-4A56-B85F-796EC87AC21C}"/>
+                <a16:creationId xmlns:a16="http://schemas.microsoft.com/office/drawing/2014/main" id="{C9284672-E59D-4312-A4CA-E7578964FEC8}"/>
+              </a:ext>
+            </a:extLst>
+          </p:cNvPr>
+          <p:cNvPicPr>
+            <a:picLocks noChangeAspect="1"/>
+          </p:cNvPicPr>
+          <p:nvPr/>
+        </p:nvPicPr>
+        <p:blipFill>
+          <a:blip r:embed="rId3"/>
+          <a:stretch>
+            <a:fillRect/>
+          </a:stretch>
+        </p:blipFill>
+        <p:spPr>
+          <a:xfrm>
+            <a:off x="2267744" y="1986641"/>
+            <a:ext cx="5386437" cy="2884718"/>
+          </a:xfrm>
+          <a:prstGeom prst="rect">
+            <a:avLst/>
+          </a:prstGeom>
+        </p:spPr>
+      </p:pic>
+      <p:sp>
+        <p:nvSpPr>
+          <p:cNvPr id="6" name="직사각형 5">
+            <a:extLst>
+              <a:ext uri="{FF2B5EF4-FFF2-40B4-BE49-F238E27FC236}">
+                <a16:creationId xmlns:a16="http://schemas.microsoft.com/office/drawing/2014/main" id="{F9EED393-C73A-4EF4-BBAA-09B10CFC63FA}"/>
               </a:ext>
             </a:extLst>
           </p:cNvPr>
@@ -10653,17 +9138,17 @@
         </p:nvSpPr>
         <p:spPr>
           <a:xfrm>
-            <a:off x="1475656" y="5445224"/>
-            <a:ext cx="6912768" cy="360040"/>
+            <a:off x="4283968" y="4293096"/>
+            <a:ext cx="2304256" cy="216024"/>
           </a:xfrm>
           <a:prstGeom prst="rect">
             <a:avLst/>
           </a:prstGeom>
-          <a:solidFill>
-            <a:srgbClr val="FFFF99"/>
-          </a:solidFill>
+          <a:noFill/>
           <a:ln w="19050">
-            <a:noFill/>
+            <a:solidFill>
+              <a:srgbClr val="FF0000"/>
+            </a:solidFill>
           </a:ln>
         </p:spPr>
         <p:style>
@@ -10691,76 +9176,7 @@
           </a:bodyPr>
           <a:lstStyle/>
           <a:p>
-            <a:r>
-              <a:rPr lang="en-US" altLang="ko-KR" sz="1400">
-                <a:solidFill>
-                  <a:schemeClr val="tx1"/>
-                </a:solidFill>
-                <a:latin typeface="나눔스퀘어 Bold" panose="020B0600000101010101" pitchFamily="50" charset="-127"/>
-                <a:ea typeface="나눔스퀘어 Bold" panose="020B0600000101010101" pitchFamily="50" charset="-127"/>
-              </a:rPr>
-              <a:t>$mysqldump</a:t>
-            </a:r>
-            <a:r>
-              <a:rPr lang="ko-KR" altLang="en-US" sz="1400">
-                <a:solidFill>
-                  <a:schemeClr val="tx1"/>
-                </a:solidFill>
-                <a:latin typeface="나눔스퀘어 Bold" panose="020B0600000101010101" pitchFamily="50" charset="-127"/>
-                <a:ea typeface="나눔스퀘어 Bold" panose="020B0600000101010101" pitchFamily="50" charset="-127"/>
-              </a:rPr>
-              <a:t> </a:t>
-            </a:r>
-            <a:r>
-              <a:rPr lang="en-US" altLang="ko-KR" sz="1400">
-                <a:solidFill>
-                  <a:schemeClr val="tx1"/>
-                </a:solidFill>
-                <a:latin typeface="나눔스퀘어 Bold" panose="020B0600000101010101" pitchFamily="50" charset="-127"/>
-                <a:ea typeface="나눔스퀘어 Bold" panose="020B0600000101010101" pitchFamily="50" charset="-127"/>
-              </a:rPr>
-              <a:t>-uroot</a:t>
-            </a:r>
-            <a:r>
-              <a:rPr lang="ko-KR" altLang="en-US" sz="1400">
-                <a:solidFill>
-                  <a:schemeClr val="tx1"/>
-                </a:solidFill>
-                <a:latin typeface="나눔스퀘어 Bold" panose="020B0600000101010101" pitchFamily="50" charset="-127"/>
-                <a:ea typeface="나눔스퀘어 Bold" panose="020B0600000101010101" pitchFamily="50" charset="-127"/>
-              </a:rPr>
-              <a:t> </a:t>
-            </a:r>
-            <a:r>
-              <a:rPr lang="en-US" altLang="ko-KR" sz="1400">
-                <a:solidFill>
-                  <a:schemeClr val="tx1"/>
-                </a:solidFill>
-                <a:latin typeface="나눔스퀘어 Bold" panose="020B0600000101010101" pitchFamily="50" charset="-127"/>
-                <a:ea typeface="나눔스퀘어 Bold" panose="020B0600000101010101" pitchFamily="50" charset="-127"/>
-              </a:rPr>
-              <a:t>-p </a:t>
-            </a:r>
-            <a:r>
-              <a:rPr lang="en-US" altLang="ko-KR" sz="1400">
-                <a:solidFill>
-                  <a:srgbClr val="FF0000"/>
-                </a:solidFill>
-                <a:latin typeface="나눔스퀘어 Bold" panose="020B0600000101010101" pitchFamily="50" charset="-127"/>
-                <a:ea typeface="나눔스퀘어 Bold" panose="020B0600000101010101" pitchFamily="50" charset="-127"/>
-              </a:rPr>
-              <a:t>-A </a:t>
-            </a:r>
-            <a:r>
-              <a:rPr lang="en-US" altLang="ko-KR" sz="1400">
-                <a:solidFill>
-                  <a:schemeClr val="tx1"/>
-                </a:solidFill>
-                <a:latin typeface="나눔스퀘어 Bold" panose="020B0600000101010101" pitchFamily="50" charset="-127"/>
-                <a:ea typeface="나눔스퀘어 Bold" panose="020B0600000101010101" pitchFamily="50" charset="-127"/>
-              </a:rPr>
-              <a:t>&gt; __________.sql</a:t>
-            </a:r>
+            <a:pPr algn="ctr"/>
             <a:endParaRPr lang="ko-KR" altLang="en-US" sz="1400">
               <a:solidFill>
                 <a:schemeClr val="tx1"/>
@@ -10773,10 +9189,10 @@
       </p:sp>
       <p:sp>
         <p:nvSpPr>
-          <p:cNvPr id="10" name="직사각형 9">
+          <p:cNvPr id="4" name="직사각형 3">
             <a:extLst>
               <a:ext uri="{FF2B5EF4-FFF2-40B4-BE49-F238E27FC236}">
-                <a16:creationId xmlns:a16="http://schemas.microsoft.com/office/drawing/2014/main" id="{A71E6CB3-4F0E-4468-A620-90FC31648F2E}"/>
+                <a16:creationId xmlns:a16="http://schemas.microsoft.com/office/drawing/2014/main" id="{A0A2444D-8D88-4398-9B62-145214827B5B}"/>
               </a:ext>
             </a:extLst>
           </p:cNvPr>
@@ -10785,14 +9201,14 @@
         </p:nvSpPr>
         <p:spPr>
           <a:xfrm>
-            <a:off x="1489157" y="3933056"/>
-            <a:ext cx="6912768" cy="360040"/>
+            <a:off x="2507650" y="2036785"/>
+            <a:ext cx="1224136" cy="144016"/>
           </a:xfrm>
           <a:prstGeom prst="rect">
             <a:avLst/>
           </a:prstGeom>
           <a:solidFill>
-            <a:srgbClr val="FFFF99"/>
+            <a:schemeClr val="bg1"/>
           </a:solidFill>
           <a:ln w="19050">
             <a:noFill/>
@@ -10815,64 +9231,15 @@
           </a:fontRef>
         </p:style>
         <p:txBody>
-          <a:bodyPr rot="0" spcFirstLastPara="0" vertOverflow="overflow" horzOverflow="overflow" vert="horz" wrap="square" lIns="91440" tIns="45720" rIns="91440" bIns="45720" numCol="1" spcCol="0" rtlCol="0" fromWordArt="0" anchor="ctr" anchorCtr="0" forceAA="0" compatLnSpc="1">
+          <a:bodyPr rot="0" spcFirstLastPara="0" vertOverflow="overflow" horzOverflow="overflow" vert="horz" wrap="square" lIns="91440" tIns="45720" rIns="91440" bIns="45720" numCol="1" spcCol="0" rtlCol="0" fromWordArt="0" anchor="t" anchorCtr="0" forceAA="0" compatLnSpc="1">
             <a:prstTxWarp prst="textNoShape">
               <a:avLst/>
             </a:prstTxWarp>
-            <a:noAutofit/>
+            <a:spAutoFit/>
           </a:bodyPr>
           <a:lstStyle/>
           <a:p>
-            <a:r>
-              <a:rPr lang="en-US" altLang="ko-KR" sz="1400">
-                <a:solidFill>
-                  <a:schemeClr val="tx1"/>
-                </a:solidFill>
-                <a:latin typeface="나눔스퀘어 Bold" panose="020B0600000101010101" pitchFamily="50" charset="-127"/>
-                <a:ea typeface="나눔스퀘어 Bold" panose="020B0600000101010101" pitchFamily="50" charset="-127"/>
-              </a:rPr>
-              <a:t>$tar</a:t>
-            </a:r>
-            <a:r>
-              <a:rPr lang="ko-KR" altLang="en-US" sz="1400">
-                <a:solidFill>
-                  <a:schemeClr val="tx1"/>
-                </a:solidFill>
-                <a:latin typeface="나눔스퀘어 Bold" panose="020B0600000101010101" pitchFamily="50" charset="-127"/>
-                <a:ea typeface="나눔스퀘어 Bold" panose="020B0600000101010101" pitchFamily="50" charset="-127"/>
-              </a:rPr>
-              <a:t> </a:t>
-            </a:r>
-            <a:r>
-              <a:rPr lang="en-US" altLang="ko-KR" sz="1400">
-                <a:solidFill>
-                  <a:schemeClr val="tx1"/>
-                </a:solidFill>
-                <a:latin typeface="나눔스퀘어 Bold" panose="020B0600000101010101" pitchFamily="50" charset="-127"/>
-                <a:ea typeface="나눔스퀘어 Bold" panose="020B0600000101010101" pitchFamily="50" charset="-127"/>
-              </a:rPr>
-              <a:t>-cvpf   </a:t>
-            </a:r>
-            <a:r>
-              <a:rPr lang="ko-KR" altLang="en-US" sz="1400">
-                <a:solidFill>
-                  <a:schemeClr val="tx1"/>
-                </a:solidFill>
-                <a:latin typeface="나눔스퀘어 Bold" panose="020B0600000101010101" pitchFamily="50" charset="-127"/>
-                <a:ea typeface="나눔스퀘어 Bold" panose="020B0600000101010101" pitchFamily="50" charset="-127"/>
-              </a:rPr>
-              <a:t>파일명</a:t>
-            </a:r>
-            <a:r>
-              <a:rPr lang="en-US" altLang="ko-KR" sz="1400">
-                <a:solidFill>
-                  <a:schemeClr val="tx1"/>
-                </a:solidFill>
-                <a:latin typeface="나눔스퀘어 Bold" panose="020B0600000101010101" pitchFamily="50" charset="-127"/>
-                <a:ea typeface="나눔스퀘어 Bold" panose="020B0600000101010101" pitchFamily="50" charset="-127"/>
-              </a:rPr>
-              <a:t>.tar.gz   /var/www/wordpress </a:t>
-            </a:r>
+            <a:pPr algn="l"/>
             <a:endParaRPr lang="ko-KR" altLang="en-US" sz="1400">
               <a:solidFill>
                 <a:schemeClr val="tx1"/>
@@ -10886,7 +9253,7 @@
     </p:spTree>
     <p:extLst>
       <p:ext uri="{BB962C8B-B14F-4D97-AF65-F5344CB8AC3E}">
-        <p14:creationId xmlns:p14="http://schemas.microsoft.com/office/powerpoint/2010/main" val="3282169566"/>
+        <p14:creationId xmlns:p14="http://schemas.microsoft.com/office/powerpoint/2010/main" val="3304114213"/>
       </p:ext>
     </p:extLst>
   </p:cSld>
